--- a/reports/Midterm Presentation.pptx
+++ b/reports/Midterm Presentation.pptx
@@ -5,22 +5,23 @@
     <p:sldMasterId id="2147483648" r:id="rId4"/>
   </p:sldMasterIdLst>
   <p:notesMasterIdLst>
-    <p:notesMasterId r:id="rId18"/>
+    <p:notesMasterId r:id="rId19"/>
   </p:notesMasterIdLst>
   <p:sldIdLst>
     <p:sldId id="266" r:id="rId5"/>
     <p:sldId id="265" r:id="rId6"/>
     <p:sldId id="267" r:id="rId7"/>
-    <p:sldId id="262" r:id="rId8"/>
-    <p:sldId id="268" r:id="rId9"/>
-    <p:sldId id="269" r:id="rId10"/>
-    <p:sldId id="272" r:id="rId11"/>
-    <p:sldId id="270" r:id="rId12"/>
-    <p:sldId id="273" r:id="rId13"/>
-    <p:sldId id="271" r:id="rId14"/>
-    <p:sldId id="289" r:id="rId15"/>
-    <p:sldId id="290" r:id="rId16"/>
-    <p:sldId id="291" r:id="rId17"/>
+    <p:sldId id="292" r:id="rId8"/>
+    <p:sldId id="262" r:id="rId9"/>
+    <p:sldId id="268" r:id="rId10"/>
+    <p:sldId id="269" r:id="rId11"/>
+    <p:sldId id="272" r:id="rId12"/>
+    <p:sldId id="270" r:id="rId13"/>
+    <p:sldId id="273" r:id="rId14"/>
+    <p:sldId id="271" r:id="rId15"/>
+    <p:sldId id="289" r:id="rId16"/>
+    <p:sldId id="290" r:id="rId17"/>
+    <p:sldId id="291" r:id="rId18"/>
   </p:sldIdLst>
   <p:sldSz cx="12192000" cy="6858000"/>
   <p:notesSz cx="6858000" cy="9144000"/>
@@ -226,7 +227,7 @@
           <a:p>
             <a:fld id="{3D3DD571-E22F-4A38-B450-8CCBD829A548}" type="datetimeFigureOut">
               <a:rPr lang="en-US"/>
-              <a:t>7/23/2024</a:t>
+              <a:t>7/26/24</a:t>
             </a:fld>
             <a:endParaRPr lang="en-US" dirty="0"/>
           </a:p>
@@ -740,7 +741,7 @@
           <a:p>
             <a:fld id="{703E2F8D-62B3-48AF-BAF5-944399905ED0}" type="datetimeFigureOut">
               <a:rPr lang="en-US" smtClean="0"/>
-              <a:t>7/23/2024</a:t>
+              <a:t>7/26/24</a:t>
             </a:fld>
             <a:endParaRPr lang="en-US" dirty="0"/>
           </a:p>
@@ -954,7 +955,7 @@
           <a:p>
             <a:fld id="{703E2F8D-62B3-48AF-BAF5-944399905ED0}" type="datetimeFigureOut">
               <a:rPr lang="en-US" smtClean="0"/>
-              <a:t>7/23/2024</a:t>
+              <a:t>7/26/24</a:t>
             </a:fld>
             <a:endParaRPr lang="en-US" dirty="0"/>
           </a:p>
@@ -1176,7 +1177,7 @@
           <a:p>
             <a:fld id="{450266BF-B2EA-C843-8055-BC2784D2C877}" type="datetimeFigureOut">
               <a:rPr lang="en-IL" smtClean="0"/>
-              <a:t>23/07/2024</a:t>
+              <a:t>26/07/2024</a:t>
             </a:fld>
             <a:endParaRPr lang="en-IL"/>
           </a:p>
@@ -1376,7 +1377,7 @@
           <a:p>
             <a:fld id="{450266BF-B2EA-C843-8055-BC2784D2C877}" type="datetimeFigureOut">
               <a:rPr lang="en-IL" smtClean="0"/>
-              <a:t>23/07/2024</a:t>
+              <a:t>26/07/2024</a:t>
             </a:fld>
             <a:endParaRPr lang="en-IL"/>
           </a:p>
@@ -1697,7 +1698,7 @@
             <a:fld id="{8BEEBAAA-29B5-4AF5-BC5F-7E580C29002D}" type="datetimeFigureOut">
               <a:rPr lang="en-US" smtClean="0"/>
               <a:pPr/>
-              <a:t>7/23/2024</a:t>
+              <a:t>7/26/24</a:t>
             </a:fld>
             <a:endParaRPr lang="en-US" dirty="0"/>
           </a:p>
@@ -2393,7 +2394,7 @@
           <a:p>
             <a:fld id="{703E2F8D-62B3-48AF-BAF5-944399905ED0}" type="datetimeFigureOut">
               <a:rPr lang="en-US" smtClean="0"/>
-              <a:t>7/23/2024</a:t>
+              <a:t>7/26/24</a:t>
             </a:fld>
             <a:endParaRPr lang="en-US" dirty="0"/>
           </a:p>
@@ -2820,7 +2821,7 @@
           <a:p>
             <a:fld id="{703E2F8D-62B3-48AF-BAF5-944399905ED0}" type="datetimeFigureOut">
               <a:rPr lang="en-US" smtClean="0"/>
-              <a:t>7/23/2024</a:t>
+              <a:t>7/26/24</a:t>
             </a:fld>
             <a:endParaRPr lang="en-US" dirty="0"/>
           </a:p>
@@ -2969,7 +2970,7 @@
           <a:p>
             <a:fld id="{703E2F8D-62B3-48AF-BAF5-944399905ED0}" type="datetimeFigureOut">
               <a:rPr lang="en-US" smtClean="0"/>
-              <a:t>7/23/2024</a:t>
+              <a:t>7/26/24</a:t>
             </a:fld>
             <a:endParaRPr lang="en-US" dirty="0"/>
           </a:p>
@@ -3082,7 +3083,7 @@
           <a:p>
             <a:fld id="{703E2F8D-62B3-48AF-BAF5-944399905ED0}" type="datetimeFigureOut">
               <a:rPr lang="en-US" smtClean="0"/>
-              <a:t>7/23/2024</a:t>
+              <a:t>7/26/24</a:t>
             </a:fld>
             <a:endParaRPr lang="en-US" dirty="0"/>
           </a:p>
@@ -3402,7 +3403,7 @@
           <a:p>
             <a:fld id="{703E2F8D-62B3-48AF-BAF5-944399905ED0}" type="datetimeFigureOut">
               <a:rPr lang="en-US" smtClean="0"/>
-              <a:t>7/23/2024</a:t>
+              <a:t>7/26/24</a:t>
             </a:fld>
             <a:endParaRPr lang="en-US" dirty="0"/>
           </a:p>
@@ -3703,7 +3704,7 @@
           <a:p>
             <a:fld id="{703E2F8D-62B3-48AF-BAF5-944399905ED0}" type="datetimeFigureOut">
               <a:rPr lang="en-US" smtClean="0"/>
-              <a:t>7/23/2024</a:t>
+              <a:t>7/26/24</a:t>
             </a:fld>
             <a:endParaRPr lang="en-US" dirty="0"/>
           </a:p>
@@ -3947,7 +3948,7 @@
           <a:p>
             <a:fld id="{703E2F8D-62B3-48AF-BAF5-944399905ED0}" type="datetimeFigureOut">
               <a:rPr lang="en-US" smtClean="0"/>
-              <a:t>7/23/2024</a:t>
+              <a:t>7/26/24</a:t>
             </a:fld>
             <a:endParaRPr lang="en-US" dirty="0"/>
           </a:p>
@@ -4728,6 +4729,3140 @@
       </p:grpSpPr>
       <p:sp>
         <p:nvSpPr>
+          <p:cNvPr id="4" name="Rectangle 3">
+            <a:extLst>
+              <a:ext uri="{FF2B5EF4-FFF2-40B4-BE49-F238E27FC236}">
+                <a16:creationId xmlns:a16="http://schemas.microsoft.com/office/drawing/2014/main" id="{C30DD1B7-905A-EA75-333C-4C305796C900}"/>
+              </a:ext>
+            </a:extLst>
+          </p:cNvPr>
+          <p:cNvSpPr/>
+          <p:nvPr/>
+        </p:nvSpPr>
+        <p:spPr>
+          <a:xfrm>
+            <a:off x="1187935" y="1382300"/>
+            <a:ext cx="1926895" cy="2707702"/>
+          </a:xfrm>
+          <a:prstGeom prst="rect">
+            <a:avLst/>
+          </a:prstGeom>
+          <a:noFill/>
+        </p:spPr>
+        <p:style>
+          <a:lnRef idx="2">
+            <a:schemeClr val="accent1">
+              <a:shade val="15000"/>
+            </a:schemeClr>
+          </a:lnRef>
+          <a:fillRef idx="1">
+            <a:schemeClr val="accent1"/>
+          </a:fillRef>
+          <a:effectRef idx="0">
+            <a:schemeClr val="accent1"/>
+          </a:effectRef>
+          <a:fontRef idx="minor">
+            <a:schemeClr val="lt1"/>
+          </a:fontRef>
+        </p:style>
+        <p:txBody>
+          <a:bodyPr rtlCol="0" anchor="ctr"/>
+          <a:lstStyle/>
+          <a:p>
+            <a:pPr algn="ctr"/>
+            <a:endParaRPr lang="en-IL" dirty="0"/>
+          </a:p>
+        </p:txBody>
+      </p:sp>
+      <p:sp>
+        <p:nvSpPr>
+          <p:cNvPr id="5" name="TextBox 4">
+            <a:extLst>
+              <a:ext uri="{FF2B5EF4-FFF2-40B4-BE49-F238E27FC236}">
+                <a16:creationId xmlns:a16="http://schemas.microsoft.com/office/drawing/2014/main" id="{ED743387-88DF-2286-6FB1-A4A5DE59ACF8}"/>
+              </a:ext>
+            </a:extLst>
+          </p:cNvPr>
+          <p:cNvSpPr txBox="1"/>
+          <p:nvPr/>
+        </p:nvSpPr>
+        <p:spPr>
+          <a:xfrm>
+            <a:off x="1626711" y="2557241"/>
+            <a:ext cx="933332" cy="369332"/>
+          </a:xfrm>
+          <a:prstGeom prst="rect">
+            <a:avLst/>
+          </a:prstGeom>
+          <a:noFill/>
+        </p:spPr>
+        <p:txBody>
+          <a:bodyPr wrap="none" rtlCol="0">
+            <a:spAutoFit/>
+          </a:bodyPr>
+          <a:lstStyle/>
+          <a:p>
+            <a:r>
+              <a:rPr lang="en-IL" dirty="0"/>
+              <a:t>Control</a:t>
+            </a:r>
+          </a:p>
+        </p:txBody>
+      </p:sp>
+      <p:sp>
+        <p:nvSpPr>
+          <p:cNvPr id="7" name="Rectangle 6">
+            <a:extLst>
+              <a:ext uri="{FF2B5EF4-FFF2-40B4-BE49-F238E27FC236}">
+                <a16:creationId xmlns:a16="http://schemas.microsoft.com/office/drawing/2014/main" id="{9230F2D7-8DB0-3261-CE24-F0560441C1D5}"/>
+              </a:ext>
+            </a:extLst>
+          </p:cNvPr>
+          <p:cNvSpPr/>
+          <p:nvPr/>
+        </p:nvSpPr>
+        <p:spPr>
+          <a:xfrm>
+            <a:off x="5307751" y="2532723"/>
+            <a:ext cx="2307726" cy="3593062"/>
+          </a:xfrm>
+          <a:prstGeom prst="rect">
+            <a:avLst/>
+          </a:prstGeom>
+          <a:noFill/>
+        </p:spPr>
+        <p:style>
+          <a:lnRef idx="2">
+            <a:schemeClr val="accent1">
+              <a:shade val="15000"/>
+            </a:schemeClr>
+          </a:lnRef>
+          <a:fillRef idx="1">
+            <a:schemeClr val="accent1"/>
+          </a:fillRef>
+          <a:effectRef idx="0">
+            <a:schemeClr val="accent1"/>
+          </a:effectRef>
+          <a:fontRef idx="minor">
+            <a:schemeClr val="lt1"/>
+          </a:fontRef>
+        </p:style>
+        <p:txBody>
+          <a:bodyPr rtlCol="0" anchor="ctr"/>
+          <a:lstStyle/>
+          <a:p>
+            <a:pPr algn="ctr"/>
+            <a:endParaRPr lang="en-IL" dirty="0"/>
+          </a:p>
+        </p:txBody>
+      </p:sp>
+      <p:sp>
+        <p:nvSpPr>
+          <p:cNvPr id="8" name="Rectangle 7">
+            <a:extLst>
+              <a:ext uri="{FF2B5EF4-FFF2-40B4-BE49-F238E27FC236}">
+                <a16:creationId xmlns:a16="http://schemas.microsoft.com/office/drawing/2014/main" id="{218C1F3D-3EDA-25D7-CFE7-9638492CBE52}"/>
+              </a:ext>
+            </a:extLst>
+          </p:cNvPr>
+          <p:cNvSpPr/>
+          <p:nvPr/>
+        </p:nvSpPr>
+        <p:spPr>
+          <a:xfrm>
+            <a:off x="8767786" y="2793395"/>
+            <a:ext cx="1365334" cy="879021"/>
+          </a:xfrm>
+          <a:prstGeom prst="rect">
+            <a:avLst/>
+          </a:prstGeom>
+          <a:noFill/>
+        </p:spPr>
+        <p:style>
+          <a:lnRef idx="2">
+            <a:schemeClr val="accent1">
+              <a:shade val="15000"/>
+            </a:schemeClr>
+          </a:lnRef>
+          <a:fillRef idx="1">
+            <a:schemeClr val="accent1"/>
+          </a:fillRef>
+          <a:effectRef idx="0">
+            <a:schemeClr val="accent1"/>
+          </a:effectRef>
+          <a:fontRef idx="minor">
+            <a:schemeClr val="lt1"/>
+          </a:fontRef>
+        </p:style>
+        <p:txBody>
+          <a:bodyPr rtlCol="0" anchor="ctr"/>
+          <a:lstStyle/>
+          <a:p>
+            <a:pPr algn="ctr"/>
+            <a:endParaRPr lang="en-IL" dirty="0"/>
+          </a:p>
+        </p:txBody>
+      </p:sp>
+      <p:sp>
+        <p:nvSpPr>
+          <p:cNvPr id="9" name="TextBox 8">
+            <a:extLst>
+              <a:ext uri="{FF2B5EF4-FFF2-40B4-BE49-F238E27FC236}">
+                <a16:creationId xmlns:a16="http://schemas.microsoft.com/office/drawing/2014/main" id="{B18B7FE9-A7F1-A38B-158F-F4ED56477044}"/>
+              </a:ext>
+            </a:extLst>
+          </p:cNvPr>
+          <p:cNvSpPr txBox="1"/>
+          <p:nvPr/>
+        </p:nvSpPr>
+        <p:spPr>
+          <a:xfrm>
+            <a:off x="8763131" y="3034505"/>
+            <a:ext cx="1397690" cy="369332"/>
+          </a:xfrm>
+          <a:prstGeom prst="rect">
+            <a:avLst/>
+          </a:prstGeom>
+          <a:noFill/>
+        </p:spPr>
+        <p:txBody>
+          <a:bodyPr wrap="none" rtlCol="0">
+            <a:spAutoFit/>
+          </a:bodyPr>
+          <a:lstStyle/>
+          <a:p>
+            <a:r>
+              <a:rPr lang="en-IL" dirty="0"/>
+              <a:t>Binary2Gray</a:t>
+            </a:r>
+          </a:p>
+        </p:txBody>
+      </p:sp>
+      <p:sp>
+        <p:nvSpPr>
+          <p:cNvPr id="10" name="Manual Operation 9">
+            <a:extLst>
+              <a:ext uri="{FF2B5EF4-FFF2-40B4-BE49-F238E27FC236}">
+                <a16:creationId xmlns:a16="http://schemas.microsoft.com/office/drawing/2014/main" id="{EBAE11F9-B2FC-3831-F0D6-B165B223CC46}"/>
+              </a:ext>
+            </a:extLst>
+          </p:cNvPr>
+          <p:cNvSpPr/>
+          <p:nvPr/>
+        </p:nvSpPr>
+        <p:spPr>
+          <a:xfrm rot="16200000">
+            <a:off x="9982083" y="3433901"/>
+            <a:ext cx="2212522" cy="800103"/>
+          </a:xfrm>
+          <a:prstGeom prst="flowChartManualOperation">
+            <a:avLst/>
+          </a:prstGeom>
+          <a:noFill/>
+        </p:spPr>
+        <p:style>
+          <a:lnRef idx="2">
+            <a:schemeClr val="accent1">
+              <a:shade val="15000"/>
+            </a:schemeClr>
+          </a:lnRef>
+          <a:fillRef idx="1">
+            <a:schemeClr val="accent1"/>
+          </a:fillRef>
+          <a:effectRef idx="0">
+            <a:schemeClr val="accent1"/>
+          </a:effectRef>
+          <a:fontRef idx="minor">
+            <a:schemeClr val="lt1"/>
+          </a:fontRef>
+        </p:style>
+        <p:txBody>
+          <a:bodyPr rtlCol="0" anchor="ctr"/>
+          <a:lstStyle/>
+          <a:p>
+            <a:pPr algn="ctr"/>
+            <a:endParaRPr lang="en-IL"/>
+          </a:p>
+        </p:txBody>
+      </p:sp>
+      <p:sp>
+        <p:nvSpPr>
+          <p:cNvPr id="12" name="TextBox 11">
+            <a:extLst>
+              <a:ext uri="{FF2B5EF4-FFF2-40B4-BE49-F238E27FC236}">
+                <a16:creationId xmlns:a16="http://schemas.microsoft.com/office/drawing/2014/main" id="{BA6E34D2-901A-1600-9E78-7C847F7255D2}"/>
+              </a:ext>
+            </a:extLst>
+          </p:cNvPr>
+          <p:cNvSpPr txBox="1"/>
+          <p:nvPr/>
+        </p:nvSpPr>
+        <p:spPr>
+          <a:xfrm>
+            <a:off x="5830427" y="4065057"/>
+            <a:ext cx="1424387" cy="461665"/>
+          </a:xfrm>
+          <a:prstGeom prst="rect">
+            <a:avLst/>
+          </a:prstGeom>
+          <a:noFill/>
+        </p:spPr>
+        <p:txBody>
+          <a:bodyPr wrap="square" rtlCol="0">
+            <a:spAutoFit/>
+          </a:bodyPr>
+          <a:lstStyle/>
+          <a:p>
+            <a:r>
+              <a:rPr lang="en-IL" sz="2400" dirty="0"/>
+              <a:t>Count</a:t>
+            </a:r>
+            <a:r>
+              <a:rPr lang="en-US" sz="2400" dirty="0"/>
+              <a:t>e</a:t>
+            </a:r>
+            <a:r>
+              <a:rPr lang="en-IL" sz="2400" dirty="0"/>
+              <a:t>r</a:t>
+            </a:r>
+          </a:p>
+        </p:txBody>
+      </p:sp>
+      <p:cxnSp>
+        <p:nvCxnSpPr>
+          <p:cNvPr id="14" name="Straight Connector 13">
+            <a:extLst>
+              <a:ext uri="{FF2B5EF4-FFF2-40B4-BE49-F238E27FC236}">
+                <a16:creationId xmlns:a16="http://schemas.microsoft.com/office/drawing/2014/main" id="{723E631B-BFEE-D3F7-74A9-A8E4B0893566}"/>
+              </a:ext>
+            </a:extLst>
+          </p:cNvPr>
+          <p:cNvCxnSpPr>
+            <a:cxnSpLocks/>
+          </p:cNvCxnSpPr>
+          <p:nvPr/>
+        </p:nvCxnSpPr>
+        <p:spPr>
+          <a:xfrm>
+            <a:off x="7620132" y="3830388"/>
+            <a:ext cx="587827" cy="0"/>
+          </a:xfrm>
+          <a:prstGeom prst="line">
+            <a:avLst/>
+          </a:prstGeom>
+        </p:spPr>
+        <p:style>
+          <a:lnRef idx="2">
+            <a:schemeClr val="accent1"/>
+          </a:lnRef>
+          <a:fillRef idx="0">
+            <a:schemeClr val="accent1"/>
+          </a:fillRef>
+          <a:effectRef idx="1">
+            <a:schemeClr val="accent1"/>
+          </a:effectRef>
+          <a:fontRef idx="minor">
+            <a:schemeClr val="tx1"/>
+          </a:fontRef>
+        </p:style>
+      </p:cxnSp>
+      <p:cxnSp>
+        <p:nvCxnSpPr>
+          <p:cNvPr id="18" name="Straight Connector 17">
+            <a:extLst>
+              <a:ext uri="{FF2B5EF4-FFF2-40B4-BE49-F238E27FC236}">
+                <a16:creationId xmlns:a16="http://schemas.microsoft.com/office/drawing/2014/main" id="{D8AD4C66-22BD-88EE-657A-F187B7B4AA7C}"/>
+              </a:ext>
+            </a:extLst>
+          </p:cNvPr>
+          <p:cNvCxnSpPr>
+            <a:cxnSpLocks/>
+          </p:cNvCxnSpPr>
+          <p:nvPr/>
+        </p:nvCxnSpPr>
+        <p:spPr>
+          <a:xfrm flipV="1">
+            <a:off x="8207959" y="3219171"/>
+            <a:ext cx="0" cy="1167775"/>
+          </a:xfrm>
+          <a:prstGeom prst="line">
+            <a:avLst/>
+          </a:prstGeom>
+        </p:spPr>
+        <p:style>
+          <a:lnRef idx="2">
+            <a:schemeClr val="accent1"/>
+          </a:lnRef>
+          <a:fillRef idx="0">
+            <a:schemeClr val="accent1"/>
+          </a:fillRef>
+          <a:effectRef idx="1">
+            <a:schemeClr val="accent1"/>
+          </a:effectRef>
+          <a:fontRef idx="minor">
+            <a:schemeClr val="tx1"/>
+          </a:fontRef>
+        </p:style>
+      </p:cxnSp>
+      <p:cxnSp>
+        <p:nvCxnSpPr>
+          <p:cNvPr id="19" name="Straight Connector 18">
+            <a:extLst>
+              <a:ext uri="{FF2B5EF4-FFF2-40B4-BE49-F238E27FC236}">
+                <a16:creationId xmlns:a16="http://schemas.microsoft.com/office/drawing/2014/main" id="{4F4E4943-C13C-302A-338C-570374284677}"/>
+              </a:ext>
+            </a:extLst>
+          </p:cNvPr>
+          <p:cNvCxnSpPr>
+            <a:cxnSpLocks/>
+            <a:endCxn id="9" idx="1"/>
+          </p:cNvCxnSpPr>
+          <p:nvPr/>
+        </p:nvCxnSpPr>
+        <p:spPr>
+          <a:xfrm>
+            <a:off x="8207959" y="3219171"/>
+            <a:ext cx="555172" cy="0"/>
+          </a:xfrm>
+          <a:prstGeom prst="line">
+            <a:avLst/>
+          </a:prstGeom>
+        </p:spPr>
+        <p:style>
+          <a:lnRef idx="2">
+            <a:schemeClr val="accent1"/>
+          </a:lnRef>
+          <a:fillRef idx="0">
+            <a:schemeClr val="accent1"/>
+          </a:fillRef>
+          <a:effectRef idx="1">
+            <a:schemeClr val="accent1"/>
+          </a:effectRef>
+          <a:fontRef idx="minor">
+            <a:schemeClr val="tx1"/>
+          </a:fontRef>
+        </p:style>
+      </p:cxnSp>
+      <p:cxnSp>
+        <p:nvCxnSpPr>
+          <p:cNvPr id="25" name="Straight Connector 24">
+            <a:extLst>
+              <a:ext uri="{FF2B5EF4-FFF2-40B4-BE49-F238E27FC236}">
+                <a16:creationId xmlns:a16="http://schemas.microsoft.com/office/drawing/2014/main" id="{6E5D32AD-A372-E22D-4C6F-1399DBFFAA6C}"/>
+              </a:ext>
+            </a:extLst>
+          </p:cNvPr>
+          <p:cNvCxnSpPr>
+            <a:cxnSpLocks/>
+          </p:cNvCxnSpPr>
+          <p:nvPr/>
+        </p:nvCxnSpPr>
+        <p:spPr>
+          <a:xfrm>
+            <a:off x="8207959" y="4386946"/>
+            <a:ext cx="2480333" cy="0"/>
+          </a:xfrm>
+          <a:prstGeom prst="line">
+            <a:avLst/>
+          </a:prstGeom>
+        </p:spPr>
+        <p:style>
+          <a:lnRef idx="2">
+            <a:schemeClr val="accent1"/>
+          </a:lnRef>
+          <a:fillRef idx="0">
+            <a:schemeClr val="accent1"/>
+          </a:fillRef>
+          <a:effectRef idx="1">
+            <a:schemeClr val="accent1"/>
+          </a:effectRef>
+          <a:fontRef idx="minor">
+            <a:schemeClr val="tx1"/>
+          </a:fontRef>
+        </p:style>
+      </p:cxnSp>
+      <p:cxnSp>
+        <p:nvCxnSpPr>
+          <p:cNvPr id="28" name="Straight Connector 27">
+            <a:extLst>
+              <a:ext uri="{FF2B5EF4-FFF2-40B4-BE49-F238E27FC236}">
+                <a16:creationId xmlns:a16="http://schemas.microsoft.com/office/drawing/2014/main" id="{ADA5E500-945C-6A3D-01E3-D1BA04555439}"/>
+              </a:ext>
+            </a:extLst>
+          </p:cNvPr>
+          <p:cNvCxnSpPr>
+            <a:cxnSpLocks/>
+          </p:cNvCxnSpPr>
+          <p:nvPr/>
+        </p:nvCxnSpPr>
+        <p:spPr>
+          <a:xfrm>
+            <a:off x="10133120" y="3232906"/>
+            <a:ext cx="555172" cy="0"/>
+          </a:xfrm>
+          <a:prstGeom prst="line">
+            <a:avLst/>
+          </a:prstGeom>
+        </p:spPr>
+        <p:style>
+          <a:lnRef idx="2">
+            <a:schemeClr val="accent1"/>
+          </a:lnRef>
+          <a:fillRef idx="0">
+            <a:schemeClr val="accent1"/>
+          </a:fillRef>
+          <a:effectRef idx="1">
+            <a:schemeClr val="accent1"/>
+          </a:effectRef>
+          <a:fontRef idx="minor">
+            <a:schemeClr val="tx1"/>
+          </a:fontRef>
+        </p:style>
+      </p:cxnSp>
+      <p:sp>
+        <p:nvSpPr>
+          <p:cNvPr id="32" name="TextBox 31">
+            <a:extLst>
+              <a:ext uri="{FF2B5EF4-FFF2-40B4-BE49-F238E27FC236}">
+                <a16:creationId xmlns:a16="http://schemas.microsoft.com/office/drawing/2014/main" id="{355F4A49-5A2B-3EFC-F28D-6AFB7403B8A7}"/>
+              </a:ext>
+            </a:extLst>
+          </p:cNvPr>
+          <p:cNvSpPr txBox="1"/>
+          <p:nvPr/>
+        </p:nvSpPr>
+        <p:spPr>
+          <a:xfrm>
+            <a:off x="3374504" y="5534874"/>
+            <a:ext cx="1556773" cy="369332"/>
+          </a:xfrm>
+          <a:prstGeom prst="rect">
+            <a:avLst/>
+          </a:prstGeom>
+          <a:noFill/>
+        </p:spPr>
+        <p:txBody>
+          <a:bodyPr wrap="square" rtlCol="0">
+            <a:spAutoFit/>
+          </a:bodyPr>
+          <a:lstStyle/>
+          <a:p>
+            <a:r>
+              <a:rPr lang="en-IL" dirty="0"/>
+              <a:t>[11:0]LoadVal</a:t>
+            </a:r>
+          </a:p>
+        </p:txBody>
+      </p:sp>
+      <p:sp>
+        <p:nvSpPr>
+          <p:cNvPr id="33" name="TextBox 32">
+            <a:extLst>
+              <a:ext uri="{FF2B5EF4-FFF2-40B4-BE49-F238E27FC236}">
+                <a16:creationId xmlns:a16="http://schemas.microsoft.com/office/drawing/2014/main" id="{C9794003-2E31-A22E-EF87-05FA607B320C}"/>
+              </a:ext>
+            </a:extLst>
+          </p:cNvPr>
+          <p:cNvSpPr txBox="1"/>
+          <p:nvPr/>
+        </p:nvSpPr>
+        <p:spPr>
+          <a:xfrm>
+            <a:off x="3547925" y="2811856"/>
+            <a:ext cx="1335622" cy="369332"/>
+          </a:xfrm>
+          <a:prstGeom prst="rect">
+            <a:avLst/>
+          </a:prstGeom>
+          <a:noFill/>
+        </p:spPr>
+        <p:txBody>
+          <a:bodyPr wrap="none" rtlCol="0">
+            <a:spAutoFit/>
+          </a:bodyPr>
+          <a:lstStyle/>
+          <a:p>
+            <a:r>
+              <a:rPr lang="en-IL" dirty="0"/>
+              <a:t>[2:0]X</a:t>
+            </a:r>
+            <a:r>
+              <a:rPr lang="en-US" dirty="0"/>
+              <a:t>mode</a:t>
+            </a:r>
+            <a:endParaRPr lang="en-IL" dirty="0"/>
+          </a:p>
+        </p:txBody>
+      </p:sp>
+      <p:sp>
+        <p:nvSpPr>
+          <p:cNvPr id="36" name="Rectangle 35">
+            <a:extLst>
+              <a:ext uri="{FF2B5EF4-FFF2-40B4-BE49-F238E27FC236}">
+                <a16:creationId xmlns:a16="http://schemas.microsoft.com/office/drawing/2014/main" id="{C2828A74-FEAA-5072-9B0D-294534A3B28D}"/>
+              </a:ext>
+            </a:extLst>
+          </p:cNvPr>
+          <p:cNvSpPr/>
+          <p:nvPr/>
+        </p:nvSpPr>
+        <p:spPr>
+          <a:xfrm>
+            <a:off x="4183846" y="1096363"/>
+            <a:ext cx="1061818" cy="744239"/>
+          </a:xfrm>
+          <a:prstGeom prst="rect">
+            <a:avLst/>
+          </a:prstGeom>
+          <a:noFill/>
+        </p:spPr>
+        <p:style>
+          <a:lnRef idx="2">
+            <a:schemeClr val="accent1">
+              <a:shade val="15000"/>
+            </a:schemeClr>
+          </a:lnRef>
+          <a:fillRef idx="1">
+            <a:schemeClr val="accent1"/>
+          </a:fillRef>
+          <a:effectRef idx="0">
+            <a:schemeClr val="accent1"/>
+          </a:effectRef>
+          <a:fontRef idx="minor">
+            <a:schemeClr val="lt1"/>
+          </a:fontRef>
+        </p:style>
+        <p:txBody>
+          <a:bodyPr rtlCol="0" anchor="ctr"/>
+          <a:lstStyle/>
+          <a:p>
+            <a:pPr algn="ctr"/>
+            <a:endParaRPr lang="en-IL" dirty="0"/>
+          </a:p>
+        </p:txBody>
+      </p:sp>
+      <p:sp>
+        <p:nvSpPr>
+          <p:cNvPr id="37" name="TextBox 36">
+            <a:extLst>
+              <a:ext uri="{FF2B5EF4-FFF2-40B4-BE49-F238E27FC236}">
+                <a16:creationId xmlns:a16="http://schemas.microsoft.com/office/drawing/2014/main" id="{566ED42D-682F-1020-4D43-2DB0C31E8AB8}"/>
+              </a:ext>
+            </a:extLst>
+          </p:cNvPr>
+          <p:cNvSpPr txBox="1"/>
+          <p:nvPr/>
+        </p:nvSpPr>
+        <p:spPr>
+          <a:xfrm>
+            <a:off x="4245531" y="1139582"/>
+            <a:ext cx="999441" cy="646331"/>
+          </a:xfrm>
+          <a:prstGeom prst="rect">
+            <a:avLst/>
+          </a:prstGeom>
+          <a:noFill/>
+        </p:spPr>
+        <p:txBody>
+          <a:bodyPr wrap="none" rtlCol="0">
+            <a:spAutoFit/>
+          </a:bodyPr>
+          <a:lstStyle/>
+          <a:p>
+            <a:r>
+              <a:rPr lang="en-IL" dirty="0"/>
+              <a:t>5bit</a:t>
+            </a:r>
+          </a:p>
+          <a:p>
+            <a:r>
+              <a:rPr lang="en-IL" dirty="0"/>
+              <a:t>Counter</a:t>
+            </a:r>
+          </a:p>
+        </p:txBody>
+      </p:sp>
+      <p:cxnSp>
+        <p:nvCxnSpPr>
+          <p:cNvPr id="39" name="Straight Arrow Connector 38">
+            <a:extLst>
+              <a:ext uri="{FF2B5EF4-FFF2-40B4-BE49-F238E27FC236}">
+                <a16:creationId xmlns:a16="http://schemas.microsoft.com/office/drawing/2014/main" id="{EEA415F8-62D6-2F1D-367D-C2DAA4CF4F71}"/>
+              </a:ext>
+            </a:extLst>
+          </p:cNvPr>
+          <p:cNvCxnSpPr>
+            <a:cxnSpLocks/>
+          </p:cNvCxnSpPr>
+          <p:nvPr/>
+        </p:nvCxnSpPr>
+        <p:spPr>
+          <a:xfrm>
+            <a:off x="3121881" y="1621976"/>
+            <a:ext cx="1060545" cy="0"/>
+          </a:xfrm>
+          <a:prstGeom prst="straightConnector1">
+            <a:avLst/>
+          </a:prstGeom>
+          <a:ln>
+            <a:tailEnd type="triangle"/>
+          </a:ln>
+        </p:spPr>
+        <p:style>
+          <a:lnRef idx="2">
+            <a:schemeClr val="accent1"/>
+          </a:lnRef>
+          <a:fillRef idx="0">
+            <a:schemeClr val="accent1"/>
+          </a:fillRef>
+          <a:effectRef idx="1">
+            <a:schemeClr val="accent1"/>
+          </a:effectRef>
+          <a:fontRef idx="minor">
+            <a:schemeClr val="tx1"/>
+          </a:fontRef>
+        </p:style>
+      </p:cxnSp>
+      <p:cxnSp>
+        <p:nvCxnSpPr>
+          <p:cNvPr id="41" name="Straight Arrow Connector 40">
+            <a:extLst>
+              <a:ext uri="{FF2B5EF4-FFF2-40B4-BE49-F238E27FC236}">
+                <a16:creationId xmlns:a16="http://schemas.microsoft.com/office/drawing/2014/main" id="{DDC8662C-FF75-D786-86E6-3E3045DE8AD8}"/>
+              </a:ext>
+            </a:extLst>
+          </p:cNvPr>
+          <p:cNvCxnSpPr>
+            <a:cxnSpLocks/>
+            <a:stCxn id="36" idx="1"/>
+          </p:cNvCxnSpPr>
+          <p:nvPr/>
+        </p:nvCxnSpPr>
+        <p:spPr>
+          <a:xfrm flipH="1">
+            <a:off x="3121881" y="1468483"/>
+            <a:ext cx="1061965" cy="0"/>
+          </a:xfrm>
+          <a:prstGeom prst="straightConnector1">
+            <a:avLst/>
+          </a:prstGeom>
+          <a:ln>
+            <a:tailEnd type="triangle"/>
+          </a:ln>
+        </p:spPr>
+        <p:style>
+          <a:lnRef idx="2">
+            <a:schemeClr val="accent1"/>
+          </a:lnRef>
+          <a:fillRef idx="0">
+            <a:schemeClr val="accent1"/>
+          </a:fillRef>
+          <a:effectRef idx="1">
+            <a:schemeClr val="accent1"/>
+          </a:effectRef>
+          <a:fontRef idx="minor">
+            <a:schemeClr val="tx1"/>
+          </a:fontRef>
+        </p:style>
+      </p:cxnSp>
+      <p:sp>
+        <p:nvSpPr>
+          <p:cNvPr id="49" name="TextBox 48">
+            <a:extLst>
+              <a:ext uri="{FF2B5EF4-FFF2-40B4-BE49-F238E27FC236}">
+                <a16:creationId xmlns:a16="http://schemas.microsoft.com/office/drawing/2014/main" id="{7AEB7CBF-06EC-971C-CD85-09C8DC901048}"/>
+              </a:ext>
+            </a:extLst>
+          </p:cNvPr>
+          <p:cNvSpPr txBox="1"/>
+          <p:nvPr/>
+        </p:nvSpPr>
+        <p:spPr>
+          <a:xfrm>
+            <a:off x="199339" y="3528093"/>
+            <a:ext cx="1041504" cy="369332"/>
+          </a:xfrm>
+          <a:prstGeom prst="rect">
+            <a:avLst/>
+          </a:prstGeom>
+          <a:noFill/>
+        </p:spPr>
+        <p:txBody>
+          <a:bodyPr wrap="none" rtlCol="0">
+            <a:spAutoFit/>
+          </a:bodyPr>
+          <a:lstStyle/>
+          <a:p>
+            <a:r>
+              <a:rPr lang="en-IL" dirty="0"/>
+              <a:t>[11:0]val</a:t>
+            </a:r>
+          </a:p>
+        </p:txBody>
+      </p:sp>
+      <p:sp>
+        <p:nvSpPr>
+          <p:cNvPr id="62" name="TextBox 61">
+            <a:extLst>
+              <a:ext uri="{FF2B5EF4-FFF2-40B4-BE49-F238E27FC236}">
+                <a16:creationId xmlns:a16="http://schemas.microsoft.com/office/drawing/2014/main" id="{947B4355-FF6E-FF57-A6FF-F4A263CE5571}"/>
+              </a:ext>
+            </a:extLst>
+          </p:cNvPr>
+          <p:cNvSpPr txBox="1"/>
+          <p:nvPr/>
+        </p:nvSpPr>
+        <p:spPr>
+          <a:xfrm>
+            <a:off x="2853101" y="4395479"/>
+            <a:ext cx="1054841" cy="369332"/>
+          </a:xfrm>
+          <a:prstGeom prst="rect">
+            <a:avLst/>
+          </a:prstGeom>
+          <a:noFill/>
+        </p:spPr>
+        <p:txBody>
+          <a:bodyPr wrap="none" rtlCol="0">
+            <a:spAutoFit/>
+          </a:bodyPr>
+          <a:lstStyle/>
+          <a:p>
+            <a:r>
+              <a:rPr lang="en-IL" dirty="0"/>
+              <a:t>NewLine</a:t>
+            </a:r>
+          </a:p>
+        </p:txBody>
+      </p:sp>
+      <p:cxnSp>
+        <p:nvCxnSpPr>
+          <p:cNvPr id="68" name="Straight Connector 67">
+            <a:extLst>
+              <a:ext uri="{FF2B5EF4-FFF2-40B4-BE49-F238E27FC236}">
+                <a16:creationId xmlns:a16="http://schemas.microsoft.com/office/drawing/2014/main" id="{D2688DF9-D6C2-5783-69B2-AEC48B09D1E1}"/>
+              </a:ext>
+            </a:extLst>
+          </p:cNvPr>
+          <p:cNvCxnSpPr>
+            <a:cxnSpLocks/>
+          </p:cNvCxnSpPr>
+          <p:nvPr/>
+        </p:nvCxnSpPr>
+        <p:spPr>
+          <a:xfrm flipH="1">
+            <a:off x="3114830" y="2122839"/>
+            <a:ext cx="7973514" cy="9461"/>
+          </a:xfrm>
+          <a:prstGeom prst="line">
+            <a:avLst/>
+          </a:prstGeom>
+        </p:spPr>
+        <p:style>
+          <a:lnRef idx="2">
+            <a:schemeClr val="accent1"/>
+          </a:lnRef>
+          <a:fillRef idx="0">
+            <a:schemeClr val="accent1"/>
+          </a:fillRef>
+          <a:effectRef idx="1">
+            <a:schemeClr val="accent1"/>
+          </a:effectRef>
+          <a:fontRef idx="minor">
+            <a:schemeClr val="tx1"/>
+          </a:fontRef>
+        </p:style>
+      </p:cxnSp>
+      <p:sp>
+        <p:nvSpPr>
+          <p:cNvPr id="74" name="TextBox 73">
+            <a:extLst>
+              <a:ext uri="{FF2B5EF4-FFF2-40B4-BE49-F238E27FC236}">
+                <a16:creationId xmlns:a16="http://schemas.microsoft.com/office/drawing/2014/main" id="{4D029AF5-1E35-8938-8D8F-A6D1276F5C87}"/>
+              </a:ext>
+            </a:extLst>
+          </p:cNvPr>
+          <p:cNvSpPr txBox="1"/>
+          <p:nvPr/>
+        </p:nvSpPr>
+        <p:spPr>
+          <a:xfrm>
+            <a:off x="402270" y="3227505"/>
+            <a:ext cx="859722" cy="369332"/>
+          </a:xfrm>
+          <a:prstGeom prst="rect">
+            <a:avLst/>
+          </a:prstGeom>
+          <a:noFill/>
+        </p:spPr>
+        <p:txBody>
+          <a:bodyPr wrap="square" rtlCol="0">
+            <a:spAutoFit/>
+          </a:bodyPr>
+          <a:lstStyle/>
+          <a:p>
+            <a:r>
+              <a:rPr lang="en-IL" dirty="0"/>
+              <a:t>[1:0]Y</a:t>
+            </a:r>
+          </a:p>
+        </p:txBody>
+      </p:sp>
+      <p:cxnSp>
+        <p:nvCxnSpPr>
+          <p:cNvPr id="76" name="Straight Connector 75">
+            <a:extLst>
+              <a:ext uri="{FF2B5EF4-FFF2-40B4-BE49-F238E27FC236}">
+                <a16:creationId xmlns:a16="http://schemas.microsoft.com/office/drawing/2014/main" id="{CBA6DEFB-4C12-E398-F76F-A6E31E192179}"/>
+              </a:ext>
+            </a:extLst>
+          </p:cNvPr>
+          <p:cNvCxnSpPr>
+            <a:cxnSpLocks/>
+          </p:cNvCxnSpPr>
+          <p:nvPr/>
+        </p:nvCxnSpPr>
+        <p:spPr>
+          <a:xfrm flipH="1">
+            <a:off x="370565" y="3526678"/>
+            <a:ext cx="817369" cy="0"/>
+          </a:xfrm>
+          <a:prstGeom prst="line">
+            <a:avLst/>
+          </a:prstGeom>
+        </p:spPr>
+        <p:style>
+          <a:lnRef idx="2">
+            <a:schemeClr val="accent1"/>
+          </a:lnRef>
+          <a:fillRef idx="0">
+            <a:schemeClr val="accent1"/>
+          </a:fillRef>
+          <a:effectRef idx="1">
+            <a:schemeClr val="accent1"/>
+          </a:effectRef>
+          <a:fontRef idx="minor">
+            <a:schemeClr val="tx1"/>
+          </a:fontRef>
+        </p:style>
+      </p:cxnSp>
+      <p:cxnSp>
+        <p:nvCxnSpPr>
+          <p:cNvPr id="103" name="Straight Arrow Connector 102">
+            <a:extLst>
+              <a:ext uri="{FF2B5EF4-FFF2-40B4-BE49-F238E27FC236}">
+                <a16:creationId xmlns:a16="http://schemas.microsoft.com/office/drawing/2014/main" id="{76EAB8EA-64C8-0E7F-7D60-CB4824BE346F}"/>
+              </a:ext>
+            </a:extLst>
+          </p:cNvPr>
+          <p:cNvCxnSpPr>
+            <a:cxnSpLocks/>
+          </p:cNvCxnSpPr>
+          <p:nvPr/>
+        </p:nvCxnSpPr>
+        <p:spPr>
+          <a:xfrm>
+            <a:off x="2827669" y="4111899"/>
+            <a:ext cx="0" cy="1022911"/>
+          </a:xfrm>
+          <a:prstGeom prst="straightConnector1">
+            <a:avLst/>
+          </a:prstGeom>
+          <a:ln>
+            <a:tailEnd type="triangle"/>
+          </a:ln>
+        </p:spPr>
+        <p:style>
+          <a:lnRef idx="2">
+            <a:schemeClr val="accent1"/>
+          </a:lnRef>
+          <a:fillRef idx="0">
+            <a:schemeClr val="accent1"/>
+          </a:fillRef>
+          <a:effectRef idx="1">
+            <a:schemeClr val="accent1"/>
+          </a:effectRef>
+          <a:fontRef idx="minor">
+            <a:schemeClr val="tx1"/>
+          </a:fontRef>
+        </p:style>
+      </p:cxnSp>
+      <p:cxnSp>
+        <p:nvCxnSpPr>
+          <p:cNvPr id="105" name="Straight Arrow Connector 104">
+            <a:extLst>
+              <a:ext uri="{FF2B5EF4-FFF2-40B4-BE49-F238E27FC236}">
+                <a16:creationId xmlns:a16="http://schemas.microsoft.com/office/drawing/2014/main" id="{E0B9EA86-1AA1-4237-8286-297321A723FD}"/>
+              </a:ext>
+            </a:extLst>
+          </p:cNvPr>
+          <p:cNvCxnSpPr>
+            <a:cxnSpLocks/>
+          </p:cNvCxnSpPr>
+          <p:nvPr/>
+        </p:nvCxnSpPr>
+        <p:spPr>
+          <a:xfrm>
+            <a:off x="2847271" y="4730016"/>
+            <a:ext cx="2455825" cy="0"/>
+          </a:xfrm>
+          <a:prstGeom prst="straightConnector1">
+            <a:avLst/>
+          </a:prstGeom>
+          <a:ln>
+            <a:tailEnd type="triangle"/>
+          </a:ln>
+        </p:spPr>
+        <p:style>
+          <a:lnRef idx="2">
+            <a:schemeClr val="accent1"/>
+          </a:lnRef>
+          <a:fillRef idx="0">
+            <a:schemeClr val="accent1"/>
+          </a:fillRef>
+          <a:effectRef idx="1">
+            <a:schemeClr val="accent1"/>
+          </a:effectRef>
+          <a:fontRef idx="minor">
+            <a:schemeClr val="tx1"/>
+          </a:fontRef>
+        </p:style>
+      </p:cxnSp>
+      <p:cxnSp>
+        <p:nvCxnSpPr>
+          <p:cNvPr id="120" name="Straight Arrow Connector 119">
+            <a:extLst>
+              <a:ext uri="{FF2B5EF4-FFF2-40B4-BE49-F238E27FC236}">
+                <a16:creationId xmlns:a16="http://schemas.microsoft.com/office/drawing/2014/main" id="{1E12805B-D4A8-E886-1B21-89C2E51C851E}"/>
+              </a:ext>
+            </a:extLst>
+          </p:cNvPr>
+          <p:cNvCxnSpPr>
+            <a:cxnSpLocks/>
+            <a:endCxn id="10" idx="3"/>
+          </p:cNvCxnSpPr>
+          <p:nvPr/>
+        </p:nvCxnSpPr>
+        <p:spPr>
+          <a:xfrm flipH="1">
+            <a:off x="11088345" y="2122839"/>
+            <a:ext cx="13505" cy="826105"/>
+          </a:xfrm>
+          <a:prstGeom prst="straightConnector1">
+            <a:avLst/>
+          </a:prstGeom>
+          <a:ln>
+            <a:tailEnd type="triangle"/>
+          </a:ln>
+        </p:spPr>
+        <p:style>
+          <a:lnRef idx="2">
+            <a:schemeClr val="accent1"/>
+          </a:lnRef>
+          <a:fillRef idx="0">
+            <a:schemeClr val="accent1"/>
+          </a:fillRef>
+          <a:effectRef idx="1">
+            <a:schemeClr val="accent1"/>
+          </a:effectRef>
+          <a:fontRef idx="minor">
+            <a:schemeClr val="tx1"/>
+          </a:fontRef>
+        </p:style>
+      </p:cxnSp>
+      <p:sp>
+        <p:nvSpPr>
+          <p:cNvPr id="122" name="TextBox 121">
+            <a:extLst>
+              <a:ext uri="{FF2B5EF4-FFF2-40B4-BE49-F238E27FC236}">
+                <a16:creationId xmlns:a16="http://schemas.microsoft.com/office/drawing/2014/main" id="{183B14B1-C2D6-F3B8-7625-882CFE405B7B}"/>
+              </a:ext>
+            </a:extLst>
+          </p:cNvPr>
+          <p:cNvSpPr txBox="1"/>
+          <p:nvPr/>
+        </p:nvSpPr>
+        <p:spPr>
+          <a:xfrm>
+            <a:off x="5369601" y="1796309"/>
+            <a:ext cx="1689437" cy="369332"/>
+          </a:xfrm>
+          <a:prstGeom prst="rect">
+            <a:avLst/>
+          </a:prstGeom>
+          <a:noFill/>
+        </p:spPr>
+        <p:txBody>
+          <a:bodyPr wrap="none" rtlCol="0">
+            <a:spAutoFit/>
+          </a:bodyPr>
+          <a:lstStyle/>
+          <a:p>
+            <a:r>
+              <a:rPr lang="en-IL" dirty="0"/>
+              <a:t>Binary_or_Gray</a:t>
+            </a:r>
+          </a:p>
+        </p:txBody>
+      </p:sp>
+      <p:sp>
+        <p:nvSpPr>
+          <p:cNvPr id="123" name="TextBox 122">
+            <a:extLst>
+              <a:ext uri="{FF2B5EF4-FFF2-40B4-BE49-F238E27FC236}">
+                <a16:creationId xmlns:a16="http://schemas.microsoft.com/office/drawing/2014/main" id="{693E84F3-AF80-4D37-8DC2-7D9BC6FABBF2}"/>
+              </a:ext>
+            </a:extLst>
+          </p:cNvPr>
+          <p:cNvSpPr txBox="1"/>
+          <p:nvPr/>
+        </p:nvSpPr>
+        <p:spPr>
+          <a:xfrm>
+            <a:off x="10727613" y="3528093"/>
+            <a:ext cx="612668" cy="369332"/>
+          </a:xfrm>
+          <a:prstGeom prst="rect">
+            <a:avLst/>
+          </a:prstGeom>
+          <a:noFill/>
+        </p:spPr>
+        <p:txBody>
+          <a:bodyPr wrap="none" rtlCol="0">
+            <a:spAutoFit/>
+          </a:bodyPr>
+          <a:lstStyle/>
+          <a:p>
+            <a:r>
+              <a:rPr lang="en-IL" dirty="0"/>
+              <a:t>mux</a:t>
+            </a:r>
+          </a:p>
+        </p:txBody>
+      </p:sp>
+      <p:cxnSp>
+        <p:nvCxnSpPr>
+          <p:cNvPr id="124" name="Straight Arrow Connector 123">
+            <a:extLst>
+              <a:ext uri="{FF2B5EF4-FFF2-40B4-BE49-F238E27FC236}">
+                <a16:creationId xmlns:a16="http://schemas.microsoft.com/office/drawing/2014/main" id="{D5C835F0-E218-6651-6815-6ED26738318C}"/>
+              </a:ext>
+            </a:extLst>
+          </p:cNvPr>
+          <p:cNvCxnSpPr>
+            <a:cxnSpLocks/>
+          </p:cNvCxnSpPr>
+          <p:nvPr/>
+        </p:nvCxnSpPr>
+        <p:spPr>
+          <a:xfrm>
+            <a:off x="3126496" y="3166402"/>
+            <a:ext cx="2174773" cy="0"/>
+          </a:xfrm>
+          <a:prstGeom prst="straightConnector1">
+            <a:avLst/>
+          </a:prstGeom>
+          <a:ln>
+            <a:tailEnd type="triangle"/>
+          </a:ln>
+        </p:spPr>
+        <p:style>
+          <a:lnRef idx="2">
+            <a:schemeClr val="accent1"/>
+          </a:lnRef>
+          <a:fillRef idx="0">
+            <a:schemeClr val="accent1"/>
+          </a:fillRef>
+          <a:effectRef idx="1">
+            <a:schemeClr val="accent1"/>
+          </a:effectRef>
+          <a:fontRef idx="minor">
+            <a:schemeClr val="tx1"/>
+          </a:fontRef>
+        </p:style>
+      </p:cxnSp>
+      <p:sp>
+        <p:nvSpPr>
+          <p:cNvPr id="136" name="TextBox 135">
+            <a:extLst>
+              <a:ext uri="{FF2B5EF4-FFF2-40B4-BE49-F238E27FC236}">
+                <a16:creationId xmlns:a16="http://schemas.microsoft.com/office/drawing/2014/main" id="{2265B46A-08AC-6BB2-72A7-619763772D63}"/>
+              </a:ext>
+            </a:extLst>
+          </p:cNvPr>
+          <p:cNvSpPr txBox="1"/>
+          <p:nvPr/>
+        </p:nvSpPr>
+        <p:spPr>
+          <a:xfrm>
+            <a:off x="4559825" y="4360684"/>
+            <a:ext cx="680571" cy="369332"/>
+          </a:xfrm>
+          <a:prstGeom prst="rect">
+            <a:avLst/>
+          </a:prstGeom>
+          <a:noFill/>
+        </p:spPr>
+        <p:txBody>
+          <a:bodyPr wrap="none" rtlCol="0">
+            <a:spAutoFit/>
+          </a:bodyPr>
+          <a:lstStyle/>
+          <a:p>
+            <a:r>
+              <a:rPr lang="en-IL" dirty="0"/>
+              <a:t>Load</a:t>
+            </a:r>
+          </a:p>
+        </p:txBody>
+      </p:sp>
+      <p:sp>
+        <p:nvSpPr>
+          <p:cNvPr id="138" name="TextBox 137">
+            <a:extLst>
+              <a:ext uri="{FF2B5EF4-FFF2-40B4-BE49-F238E27FC236}">
+                <a16:creationId xmlns:a16="http://schemas.microsoft.com/office/drawing/2014/main" id="{7A59A963-7E98-1753-50B9-1D63CF79FDA0}"/>
+              </a:ext>
+            </a:extLst>
+          </p:cNvPr>
+          <p:cNvSpPr txBox="1"/>
+          <p:nvPr/>
+        </p:nvSpPr>
+        <p:spPr>
+          <a:xfrm>
+            <a:off x="413669" y="2938805"/>
+            <a:ext cx="760144" cy="369332"/>
+          </a:xfrm>
+          <a:prstGeom prst="rect">
+            <a:avLst/>
+          </a:prstGeom>
+          <a:noFill/>
+        </p:spPr>
+        <p:txBody>
+          <a:bodyPr wrap="none" rtlCol="0">
+            <a:spAutoFit/>
+          </a:bodyPr>
+          <a:lstStyle/>
+          <a:p>
+            <a:r>
+              <a:rPr lang="en-IL" dirty="0"/>
+              <a:t>[1:0]X</a:t>
+            </a:r>
+          </a:p>
+        </p:txBody>
+      </p:sp>
+      <p:sp>
+        <p:nvSpPr>
+          <p:cNvPr id="139" name="TextBox 138">
+            <a:extLst>
+              <a:ext uri="{FF2B5EF4-FFF2-40B4-BE49-F238E27FC236}">
+                <a16:creationId xmlns:a16="http://schemas.microsoft.com/office/drawing/2014/main" id="{B4FEF383-31C7-1488-8212-C0DB7A9C6BDF}"/>
+              </a:ext>
+            </a:extLst>
+          </p:cNvPr>
+          <p:cNvSpPr txBox="1"/>
+          <p:nvPr/>
+        </p:nvSpPr>
+        <p:spPr>
+          <a:xfrm>
+            <a:off x="29071" y="2628834"/>
+            <a:ext cx="1207383" cy="369332"/>
+          </a:xfrm>
+          <a:prstGeom prst="rect">
+            <a:avLst/>
+          </a:prstGeom>
+          <a:noFill/>
+        </p:spPr>
+        <p:txBody>
+          <a:bodyPr wrap="none" rtlCol="0">
+            <a:spAutoFit/>
+          </a:bodyPr>
+          <a:lstStyle/>
+          <a:p>
+            <a:pPr marL="0" algn="r" defTabSz="914400" rtl="1" eaLnBrk="1" latinLnBrk="0" hangingPunct="1"/>
+            <a:r>
+              <a:rPr lang="en-US" dirty="0"/>
+              <a:t>[2:0]mode</a:t>
+            </a:r>
+            <a:endParaRPr lang="en-IL" dirty="0"/>
+          </a:p>
+        </p:txBody>
+      </p:sp>
+      <p:sp>
+        <p:nvSpPr>
+          <p:cNvPr id="140" name="TextBox 139">
+            <a:extLst>
+              <a:ext uri="{FF2B5EF4-FFF2-40B4-BE49-F238E27FC236}">
+                <a16:creationId xmlns:a16="http://schemas.microsoft.com/office/drawing/2014/main" id="{373A4649-0EE0-45EA-B81F-3FACAE38839F}"/>
+              </a:ext>
+            </a:extLst>
+          </p:cNvPr>
+          <p:cNvSpPr txBox="1"/>
+          <p:nvPr/>
+        </p:nvSpPr>
+        <p:spPr>
+          <a:xfrm>
+            <a:off x="574297" y="1611639"/>
+            <a:ext cx="478016" cy="369332"/>
+          </a:xfrm>
+          <a:prstGeom prst="rect">
+            <a:avLst/>
+          </a:prstGeom>
+          <a:noFill/>
+        </p:spPr>
+        <p:txBody>
+          <a:bodyPr wrap="none" rtlCol="0">
+            <a:spAutoFit/>
+          </a:bodyPr>
+          <a:lstStyle/>
+          <a:p>
+            <a:r>
+              <a:rPr lang="en-IL" dirty="0"/>
+              <a:t>clk</a:t>
+            </a:r>
+          </a:p>
+        </p:txBody>
+      </p:sp>
+      <p:sp>
+        <p:nvSpPr>
+          <p:cNvPr id="141" name="TextBox 140">
+            <a:extLst>
+              <a:ext uri="{FF2B5EF4-FFF2-40B4-BE49-F238E27FC236}">
+                <a16:creationId xmlns:a16="http://schemas.microsoft.com/office/drawing/2014/main" id="{D020C8BE-B857-5A20-87E4-BCBD3FFAFF24}"/>
+              </a:ext>
+            </a:extLst>
+          </p:cNvPr>
+          <p:cNvSpPr txBox="1"/>
+          <p:nvPr/>
+        </p:nvSpPr>
+        <p:spPr>
+          <a:xfrm>
+            <a:off x="385056" y="1284387"/>
+            <a:ext cx="689676" cy="369332"/>
+          </a:xfrm>
+          <a:prstGeom prst="rect">
+            <a:avLst/>
+          </a:prstGeom>
+          <a:noFill/>
+        </p:spPr>
+        <p:txBody>
+          <a:bodyPr wrap="none" rtlCol="0">
+            <a:spAutoFit/>
+          </a:bodyPr>
+          <a:lstStyle/>
+          <a:p>
+            <a:r>
+              <a:rPr lang="en-IL" dirty="0"/>
+              <a:t>reset</a:t>
+            </a:r>
+          </a:p>
+        </p:txBody>
+      </p:sp>
+      <p:sp>
+        <p:nvSpPr>
+          <p:cNvPr id="142" name="TextBox 141">
+            <a:extLst>
+              <a:ext uri="{FF2B5EF4-FFF2-40B4-BE49-F238E27FC236}">
+                <a16:creationId xmlns:a16="http://schemas.microsoft.com/office/drawing/2014/main" id="{8FFBAC0A-0637-C781-6DCC-27AA447248FE}"/>
+              </a:ext>
+            </a:extLst>
+          </p:cNvPr>
+          <p:cNvSpPr txBox="1"/>
+          <p:nvPr/>
+        </p:nvSpPr>
+        <p:spPr>
+          <a:xfrm>
+            <a:off x="446571" y="1936245"/>
+            <a:ext cx="667747" cy="369332"/>
+          </a:xfrm>
+          <a:prstGeom prst="rect">
+            <a:avLst/>
+          </a:prstGeom>
+          <a:noFill/>
+        </p:spPr>
+        <p:txBody>
+          <a:bodyPr wrap="none" rtlCol="0">
+            <a:spAutoFit/>
+          </a:bodyPr>
+          <a:lstStyle/>
+          <a:p>
+            <a:r>
+              <a:rPr lang="en-IL" dirty="0"/>
+              <a:t>Sync</a:t>
+            </a:r>
+          </a:p>
+        </p:txBody>
+      </p:sp>
+      <p:sp>
+        <p:nvSpPr>
+          <p:cNvPr id="143" name="TextBox 142">
+            <a:extLst>
+              <a:ext uri="{FF2B5EF4-FFF2-40B4-BE49-F238E27FC236}">
+                <a16:creationId xmlns:a16="http://schemas.microsoft.com/office/drawing/2014/main" id="{17FF79B2-A520-8342-ADA8-6519C5BA26F0}"/>
+              </a:ext>
+            </a:extLst>
+          </p:cNvPr>
+          <p:cNvSpPr txBox="1"/>
+          <p:nvPr/>
+        </p:nvSpPr>
+        <p:spPr>
+          <a:xfrm>
+            <a:off x="317759" y="2273171"/>
+            <a:ext cx="842475" cy="369332"/>
+          </a:xfrm>
+          <a:prstGeom prst="rect">
+            <a:avLst/>
+          </a:prstGeom>
+          <a:noFill/>
+        </p:spPr>
+        <p:txBody>
+          <a:bodyPr wrap="none" rtlCol="0">
+            <a:spAutoFit/>
+          </a:bodyPr>
+          <a:lstStyle/>
+          <a:p>
+            <a:r>
+              <a:rPr lang="en-US" dirty="0"/>
+              <a:t>f</a:t>
+            </a:r>
+            <a:r>
+              <a:rPr lang="en-IL" dirty="0"/>
+              <a:t>_Sync</a:t>
+            </a:r>
+          </a:p>
+        </p:txBody>
+      </p:sp>
+      <p:sp>
+        <p:nvSpPr>
+          <p:cNvPr id="146" name="TextBox 145">
+            <a:extLst>
+              <a:ext uri="{FF2B5EF4-FFF2-40B4-BE49-F238E27FC236}">
+                <a16:creationId xmlns:a16="http://schemas.microsoft.com/office/drawing/2014/main" id="{B262BC42-A58C-FA75-5E72-F08E14962D8C}"/>
+              </a:ext>
+            </a:extLst>
+          </p:cNvPr>
+          <p:cNvSpPr txBox="1"/>
+          <p:nvPr/>
+        </p:nvSpPr>
+        <p:spPr>
+          <a:xfrm>
+            <a:off x="3154416" y="1600741"/>
+            <a:ext cx="1054841" cy="369332"/>
+          </a:xfrm>
+          <a:prstGeom prst="rect">
+            <a:avLst/>
+          </a:prstGeom>
+          <a:noFill/>
+        </p:spPr>
+        <p:txBody>
+          <a:bodyPr wrap="none" rtlCol="0">
+            <a:spAutoFit/>
+          </a:bodyPr>
+          <a:lstStyle/>
+          <a:p>
+            <a:r>
+              <a:rPr lang="en-IL" dirty="0"/>
+              <a:t>NewLine</a:t>
+            </a:r>
+          </a:p>
+        </p:txBody>
+      </p:sp>
+      <p:sp>
+        <p:nvSpPr>
+          <p:cNvPr id="147" name="TextBox 146">
+            <a:extLst>
+              <a:ext uri="{FF2B5EF4-FFF2-40B4-BE49-F238E27FC236}">
+                <a16:creationId xmlns:a16="http://schemas.microsoft.com/office/drawing/2014/main" id="{2BD37C44-E5CB-55F8-A371-AD3346F5ED9D}"/>
+              </a:ext>
+            </a:extLst>
+          </p:cNvPr>
+          <p:cNvSpPr txBox="1"/>
+          <p:nvPr/>
+        </p:nvSpPr>
+        <p:spPr>
+          <a:xfrm>
+            <a:off x="3043855" y="1109977"/>
+            <a:ext cx="1201676" cy="369332"/>
+          </a:xfrm>
+          <a:prstGeom prst="rect">
+            <a:avLst/>
+          </a:prstGeom>
+          <a:noFill/>
+        </p:spPr>
+        <p:txBody>
+          <a:bodyPr wrap="none" rtlCol="0">
+            <a:spAutoFit/>
+          </a:bodyPr>
+          <a:lstStyle/>
+          <a:p>
+            <a:r>
+              <a:rPr lang="en-US" dirty="0" err="1"/>
+              <a:t>EndFrame</a:t>
+            </a:r>
+            <a:endParaRPr lang="en-IL" dirty="0"/>
+          </a:p>
+        </p:txBody>
+      </p:sp>
+      <p:cxnSp>
+        <p:nvCxnSpPr>
+          <p:cNvPr id="2" name="Straight Connector 1">
+            <a:extLst>
+              <a:ext uri="{FF2B5EF4-FFF2-40B4-BE49-F238E27FC236}">
+                <a16:creationId xmlns:a16="http://schemas.microsoft.com/office/drawing/2014/main" id="{F68E3333-1A27-B65E-A685-C5C55DCFE33D}"/>
+              </a:ext>
+            </a:extLst>
+          </p:cNvPr>
+          <p:cNvCxnSpPr>
+            <a:cxnSpLocks/>
+          </p:cNvCxnSpPr>
+          <p:nvPr/>
+        </p:nvCxnSpPr>
+        <p:spPr>
+          <a:xfrm flipH="1">
+            <a:off x="370566" y="3266831"/>
+            <a:ext cx="817369" cy="0"/>
+          </a:xfrm>
+          <a:prstGeom prst="line">
+            <a:avLst/>
+          </a:prstGeom>
+        </p:spPr>
+        <p:style>
+          <a:lnRef idx="2">
+            <a:schemeClr val="accent1"/>
+          </a:lnRef>
+          <a:fillRef idx="0">
+            <a:schemeClr val="accent1"/>
+          </a:fillRef>
+          <a:effectRef idx="1">
+            <a:schemeClr val="accent1"/>
+          </a:effectRef>
+          <a:fontRef idx="minor">
+            <a:schemeClr val="tx1"/>
+          </a:fontRef>
+        </p:style>
+      </p:cxnSp>
+      <p:cxnSp>
+        <p:nvCxnSpPr>
+          <p:cNvPr id="3" name="Straight Connector 2">
+            <a:extLst>
+              <a:ext uri="{FF2B5EF4-FFF2-40B4-BE49-F238E27FC236}">
+                <a16:creationId xmlns:a16="http://schemas.microsoft.com/office/drawing/2014/main" id="{0727E740-4BBD-42E4-B969-46805A58E9CB}"/>
+              </a:ext>
+            </a:extLst>
+          </p:cNvPr>
+          <p:cNvCxnSpPr>
+            <a:cxnSpLocks/>
+          </p:cNvCxnSpPr>
+          <p:nvPr/>
+        </p:nvCxnSpPr>
+        <p:spPr>
+          <a:xfrm flipH="1">
+            <a:off x="370566" y="2938805"/>
+            <a:ext cx="817369" cy="0"/>
+          </a:xfrm>
+          <a:prstGeom prst="line">
+            <a:avLst/>
+          </a:prstGeom>
+        </p:spPr>
+        <p:style>
+          <a:lnRef idx="2">
+            <a:schemeClr val="accent1"/>
+          </a:lnRef>
+          <a:fillRef idx="0">
+            <a:schemeClr val="accent1"/>
+          </a:fillRef>
+          <a:effectRef idx="1">
+            <a:schemeClr val="accent1"/>
+          </a:effectRef>
+          <a:fontRef idx="minor">
+            <a:schemeClr val="tx1"/>
+          </a:fontRef>
+        </p:style>
+      </p:cxnSp>
+      <p:cxnSp>
+        <p:nvCxnSpPr>
+          <p:cNvPr id="11" name="Straight Connector 10">
+            <a:extLst>
+              <a:ext uri="{FF2B5EF4-FFF2-40B4-BE49-F238E27FC236}">
+                <a16:creationId xmlns:a16="http://schemas.microsoft.com/office/drawing/2014/main" id="{C1FE7D96-DDC7-0B2E-BED0-F327D8615C81}"/>
+              </a:ext>
+            </a:extLst>
+          </p:cNvPr>
+          <p:cNvCxnSpPr>
+            <a:cxnSpLocks/>
+          </p:cNvCxnSpPr>
+          <p:nvPr/>
+        </p:nvCxnSpPr>
+        <p:spPr>
+          <a:xfrm flipH="1">
+            <a:off x="385056" y="2611942"/>
+            <a:ext cx="817369" cy="0"/>
+          </a:xfrm>
+          <a:prstGeom prst="line">
+            <a:avLst/>
+          </a:prstGeom>
+        </p:spPr>
+        <p:style>
+          <a:lnRef idx="2">
+            <a:schemeClr val="accent1"/>
+          </a:lnRef>
+          <a:fillRef idx="0">
+            <a:schemeClr val="accent1"/>
+          </a:fillRef>
+          <a:effectRef idx="1">
+            <a:schemeClr val="accent1"/>
+          </a:effectRef>
+          <a:fontRef idx="minor">
+            <a:schemeClr val="tx1"/>
+          </a:fontRef>
+        </p:style>
+      </p:cxnSp>
+      <p:cxnSp>
+        <p:nvCxnSpPr>
+          <p:cNvPr id="13" name="Straight Connector 12">
+            <a:extLst>
+              <a:ext uri="{FF2B5EF4-FFF2-40B4-BE49-F238E27FC236}">
+                <a16:creationId xmlns:a16="http://schemas.microsoft.com/office/drawing/2014/main" id="{7936B73A-B44D-B8FE-CDEC-496956B99E8B}"/>
+              </a:ext>
+            </a:extLst>
+          </p:cNvPr>
+          <p:cNvCxnSpPr>
+            <a:cxnSpLocks/>
+          </p:cNvCxnSpPr>
+          <p:nvPr/>
+        </p:nvCxnSpPr>
+        <p:spPr>
+          <a:xfrm flipH="1">
+            <a:off x="370566" y="2297094"/>
+            <a:ext cx="817369" cy="0"/>
+          </a:xfrm>
+          <a:prstGeom prst="line">
+            <a:avLst/>
+          </a:prstGeom>
+        </p:spPr>
+        <p:style>
+          <a:lnRef idx="2">
+            <a:schemeClr val="accent1"/>
+          </a:lnRef>
+          <a:fillRef idx="0">
+            <a:schemeClr val="accent1"/>
+          </a:fillRef>
+          <a:effectRef idx="1">
+            <a:schemeClr val="accent1"/>
+          </a:effectRef>
+          <a:fontRef idx="minor">
+            <a:schemeClr val="tx1"/>
+          </a:fontRef>
+        </p:style>
+      </p:cxnSp>
+      <p:cxnSp>
+        <p:nvCxnSpPr>
+          <p:cNvPr id="15" name="Straight Connector 14">
+            <a:extLst>
+              <a:ext uri="{FF2B5EF4-FFF2-40B4-BE49-F238E27FC236}">
+                <a16:creationId xmlns:a16="http://schemas.microsoft.com/office/drawing/2014/main" id="{FBAD5805-AFF0-3D7D-D9E4-79462654BE34}"/>
+              </a:ext>
+            </a:extLst>
+          </p:cNvPr>
+          <p:cNvCxnSpPr>
+            <a:cxnSpLocks/>
+          </p:cNvCxnSpPr>
+          <p:nvPr/>
+        </p:nvCxnSpPr>
+        <p:spPr>
+          <a:xfrm flipH="1">
+            <a:off x="356444" y="1968566"/>
+            <a:ext cx="817369" cy="0"/>
+          </a:xfrm>
+          <a:prstGeom prst="line">
+            <a:avLst/>
+          </a:prstGeom>
+        </p:spPr>
+        <p:style>
+          <a:lnRef idx="2">
+            <a:schemeClr val="accent1"/>
+          </a:lnRef>
+          <a:fillRef idx="0">
+            <a:schemeClr val="accent1"/>
+          </a:fillRef>
+          <a:effectRef idx="1">
+            <a:schemeClr val="accent1"/>
+          </a:effectRef>
+          <a:fontRef idx="minor">
+            <a:schemeClr val="tx1"/>
+          </a:fontRef>
+        </p:style>
+      </p:cxnSp>
+      <p:cxnSp>
+        <p:nvCxnSpPr>
+          <p:cNvPr id="16" name="Straight Connector 15">
+            <a:extLst>
+              <a:ext uri="{FF2B5EF4-FFF2-40B4-BE49-F238E27FC236}">
+                <a16:creationId xmlns:a16="http://schemas.microsoft.com/office/drawing/2014/main" id="{291BC70F-7EA3-558D-1BF6-EC16CBFFF7CF}"/>
+              </a:ext>
+            </a:extLst>
+          </p:cNvPr>
+          <p:cNvCxnSpPr>
+            <a:cxnSpLocks/>
+          </p:cNvCxnSpPr>
+          <p:nvPr/>
+        </p:nvCxnSpPr>
+        <p:spPr>
+          <a:xfrm flipH="1">
+            <a:off x="356444" y="1633074"/>
+            <a:ext cx="817369" cy="0"/>
+          </a:xfrm>
+          <a:prstGeom prst="line">
+            <a:avLst/>
+          </a:prstGeom>
+        </p:spPr>
+        <p:style>
+          <a:lnRef idx="2">
+            <a:schemeClr val="accent1"/>
+          </a:lnRef>
+          <a:fillRef idx="0">
+            <a:schemeClr val="accent1"/>
+          </a:fillRef>
+          <a:effectRef idx="1">
+            <a:schemeClr val="accent1"/>
+          </a:effectRef>
+          <a:fontRef idx="minor">
+            <a:schemeClr val="tx1"/>
+          </a:fontRef>
+        </p:style>
+      </p:cxnSp>
+      <p:cxnSp>
+        <p:nvCxnSpPr>
+          <p:cNvPr id="47" name="Straight Connector 46">
+            <a:extLst>
+              <a:ext uri="{FF2B5EF4-FFF2-40B4-BE49-F238E27FC236}">
+                <a16:creationId xmlns:a16="http://schemas.microsoft.com/office/drawing/2014/main" id="{4BB4AD11-0EA5-5892-9BAF-43926E7D9AD3}"/>
+              </a:ext>
+            </a:extLst>
+          </p:cNvPr>
+          <p:cNvCxnSpPr>
+            <a:cxnSpLocks/>
+          </p:cNvCxnSpPr>
+          <p:nvPr/>
+        </p:nvCxnSpPr>
+        <p:spPr>
+          <a:xfrm flipH="1">
+            <a:off x="356444" y="3887403"/>
+            <a:ext cx="817369" cy="0"/>
+          </a:xfrm>
+          <a:prstGeom prst="line">
+            <a:avLst/>
+          </a:prstGeom>
+        </p:spPr>
+        <p:style>
+          <a:lnRef idx="2">
+            <a:schemeClr val="accent1"/>
+          </a:lnRef>
+          <a:fillRef idx="0">
+            <a:schemeClr val="accent1"/>
+          </a:fillRef>
+          <a:effectRef idx="1">
+            <a:schemeClr val="accent1"/>
+          </a:effectRef>
+          <a:fontRef idx="minor">
+            <a:schemeClr val="tx1"/>
+          </a:fontRef>
+        </p:style>
+      </p:cxnSp>
+      <p:sp>
+        <p:nvSpPr>
+          <p:cNvPr id="54" name="Rectangle 53">
+            <a:extLst>
+              <a:ext uri="{FF2B5EF4-FFF2-40B4-BE49-F238E27FC236}">
+                <a16:creationId xmlns:a16="http://schemas.microsoft.com/office/drawing/2014/main" id="{BBFCABB8-9AA2-D165-4B54-376687CC6999}"/>
+              </a:ext>
+            </a:extLst>
+          </p:cNvPr>
+          <p:cNvSpPr/>
+          <p:nvPr/>
+        </p:nvSpPr>
+        <p:spPr>
+          <a:xfrm>
+            <a:off x="1064800" y="5106490"/>
+            <a:ext cx="2089614" cy="1536219"/>
+          </a:xfrm>
+          <a:prstGeom prst="rect">
+            <a:avLst/>
+          </a:prstGeom>
+          <a:noFill/>
+        </p:spPr>
+        <p:style>
+          <a:lnRef idx="2">
+            <a:schemeClr val="accent1">
+              <a:shade val="15000"/>
+            </a:schemeClr>
+          </a:lnRef>
+          <a:fillRef idx="1">
+            <a:schemeClr val="accent1"/>
+          </a:fillRef>
+          <a:effectRef idx="0">
+            <a:schemeClr val="accent1"/>
+          </a:effectRef>
+          <a:fontRef idx="minor">
+            <a:schemeClr val="lt1"/>
+          </a:fontRef>
+        </p:style>
+        <p:txBody>
+          <a:bodyPr rtlCol="0" anchor="ctr"/>
+          <a:lstStyle/>
+          <a:p>
+            <a:pPr algn="ctr"/>
+            <a:endParaRPr lang="en-IL" dirty="0"/>
+          </a:p>
+        </p:txBody>
+      </p:sp>
+      <p:cxnSp>
+        <p:nvCxnSpPr>
+          <p:cNvPr id="66" name="Straight Arrow Connector 65">
+            <a:extLst>
+              <a:ext uri="{FF2B5EF4-FFF2-40B4-BE49-F238E27FC236}">
+                <a16:creationId xmlns:a16="http://schemas.microsoft.com/office/drawing/2014/main" id="{C265AC12-3E23-5D8B-5670-CCC9CA5E3FF9}"/>
+              </a:ext>
+            </a:extLst>
+          </p:cNvPr>
+          <p:cNvCxnSpPr>
+            <a:cxnSpLocks/>
+          </p:cNvCxnSpPr>
+          <p:nvPr/>
+        </p:nvCxnSpPr>
+        <p:spPr>
+          <a:xfrm>
+            <a:off x="1885210" y="4101013"/>
+            <a:ext cx="0" cy="1022911"/>
+          </a:xfrm>
+          <a:prstGeom prst="straightConnector1">
+            <a:avLst/>
+          </a:prstGeom>
+          <a:ln>
+            <a:tailEnd type="triangle"/>
+          </a:ln>
+        </p:spPr>
+        <p:style>
+          <a:lnRef idx="2">
+            <a:schemeClr val="accent1"/>
+          </a:lnRef>
+          <a:fillRef idx="0">
+            <a:schemeClr val="accent1"/>
+          </a:fillRef>
+          <a:effectRef idx="1">
+            <a:schemeClr val="accent1"/>
+          </a:effectRef>
+          <a:fontRef idx="minor">
+            <a:schemeClr val="tx1"/>
+          </a:fontRef>
+        </p:style>
+      </p:cxnSp>
+      <p:cxnSp>
+        <p:nvCxnSpPr>
+          <p:cNvPr id="67" name="Straight Arrow Connector 66">
+            <a:extLst>
+              <a:ext uri="{FF2B5EF4-FFF2-40B4-BE49-F238E27FC236}">
+                <a16:creationId xmlns:a16="http://schemas.microsoft.com/office/drawing/2014/main" id="{203DC0D4-E1B5-D708-16F7-AF8FE99A7766}"/>
+              </a:ext>
+            </a:extLst>
+          </p:cNvPr>
+          <p:cNvCxnSpPr>
+            <a:cxnSpLocks/>
+          </p:cNvCxnSpPr>
+          <p:nvPr/>
+        </p:nvCxnSpPr>
+        <p:spPr>
+          <a:xfrm>
+            <a:off x="1385766" y="4090002"/>
+            <a:ext cx="0" cy="1022911"/>
+          </a:xfrm>
+          <a:prstGeom prst="straightConnector1">
+            <a:avLst/>
+          </a:prstGeom>
+          <a:ln>
+            <a:tailEnd type="triangle"/>
+          </a:ln>
+        </p:spPr>
+        <p:style>
+          <a:lnRef idx="2">
+            <a:schemeClr val="accent1"/>
+          </a:lnRef>
+          <a:fillRef idx="0">
+            <a:schemeClr val="accent1"/>
+          </a:fillRef>
+          <a:effectRef idx="1">
+            <a:schemeClr val="accent1"/>
+          </a:effectRef>
+          <a:fontRef idx="minor">
+            <a:schemeClr val="tx1"/>
+          </a:fontRef>
+        </p:style>
+      </p:cxnSp>
+      <p:sp>
+        <p:nvSpPr>
+          <p:cNvPr id="69" name="TextBox 68">
+            <a:extLst>
+              <a:ext uri="{FF2B5EF4-FFF2-40B4-BE49-F238E27FC236}">
+                <a16:creationId xmlns:a16="http://schemas.microsoft.com/office/drawing/2014/main" id="{5DB755EA-D925-0906-FB59-95A3B8A14130}"/>
+              </a:ext>
+            </a:extLst>
+          </p:cNvPr>
+          <p:cNvSpPr txBox="1"/>
+          <p:nvPr/>
+        </p:nvSpPr>
+        <p:spPr>
+          <a:xfrm>
+            <a:off x="141006" y="4438689"/>
+            <a:ext cx="1278876" cy="369332"/>
+          </a:xfrm>
+          <a:prstGeom prst="rect">
+            <a:avLst/>
+          </a:prstGeom>
+          <a:noFill/>
+        </p:spPr>
+        <p:txBody>
+          <a:bodyPr wrap="none" rtlCol="0">
+            <a:spAutoFit/>
+          </a:bodyPr>
+          <a:lstStyle/>
+          <a:p>
+            <a:r>
+              <a:rPr lang="en-IL" dirty="0"/>
+              <a:t>[11:0]s_Val</a:t>
+            </a:r>
+          </a:p>
+        </p:txBody>
+      </p:sp>
+      <p:sp>
+        <p:nvSpPr>
+          <p:cNvPr id="71" name="TextBox 70">
+            <a:extLst>
+              <a:ext uri="{FF2B5EF4-FFF2-40B4-BE49-F238E27FC236}">
+                <a16:creationId xmlns:a16="http://schemas.microsoft.com/office/drawing/2014/main" id="{65C93122-A9C1-8FF7-AB15-B45B81D549C8}"/>
+              </a:ext>
+            </a:extLst>
+          </p:cNvPr>
+          <p:cNvSpPr txBox="1"/>
+          <p:nvPr/>
+        </p:nvSpPr>
+        <p:spPr>
+          <a:xfrm rot="5400000">
+            <a:off x="1374082" y="4537563"/>
+            <a:ext cx="1382743" cy="338554"/>
+          </a:xfrm>
+          <a:prstGeom prst="rect">
+            <a:avLst/>
+          </a:prstGeom>
+          <a:noFill/>
+        </p:spPr>
+        <p:txBody>
+          <a:bodyPr wrap="square">
+            <a:spAutoFit/>
+          </a:bodyPr>
+          <a:lstStyle/>
+          <a:p>
+            <a:r>
+              <a:rPr lang="en-IL" sz="1600" dirty="0"/>
+              <a:t>[1:0]Ymode</a:t>
+            </a:r>
+          </a:p>
+        </p:txBody>
+      </p:sp>
+      <p:sp>
+        <p:nvSpPr>
+          <p:cNvPr id="93" name="TextBox 92">
+            <a:extLst>
+              <a:ext uri="{FF2B5EF4-FFF2-40B4-BE49-F238E27FC236}">
+                <a16:creationId xmlns:a16="http://schemas.microsoft.com/office/drawing/2014/main" id="{4AF3503E-C9AF-45D1-E818-45C3E63EDEBA}"/>
+              </a:ext>
+            </a:extLst>
+          </p:cNvPr>
+          <p:cNvSpPr txBox="1"/>
+          <p:nvPr/>
+        </p:nvSpPr>
+        <p:spPr>
+          <a:xfrm>
+            <a:off x="491599" y="6097124"/>
+            <a:ext cx="478016" cy="369332"/>
+          </a:xfrm>
+          <a:prstGeom prst="rect">
+            <a:avLst/>
+          </a:prstGeom>
+          <a:noFill/>
+        </p:spPr>
+        <p:txBody>
+          <a:bodyPr wrap="none" rtlCol="0">
+            <a:spAutoFit/>
+          </a:bodyPr>
+          <a:lstStyle/>
+          <a:p>
+            <a:r>
+              <a:rPr lang="en-IL" dirty="0"/>
+              <a:t>clk</a:t>
+            </a:r>
+          </a:p>
+        </p:txBody>
+      </p:sp>
+      <p:sp>
+        <p:nvSpPr>
+          <p:cNvPr id="94" name="TextBox 93">
+            <a:extLst>
+              <a:ext uri="{FF2B5EF4-FFF2-40B4-BE49-F238E27FC236}">
+                <a16:creationId xmlns:a16="http://schemas.microsoft.com/office/drawing/2014/main" id="{51A5D7C1-2490-2DF7-A6F0-B1486C1F593C}"/>
+              </a:ext>
+            </a:extLst>
+          </p:cNvPr>
+          <p:cNvSpPr txBox="1"/>
+          <p:nvPr/>
+        </p:nvSpPr>
+        <p:spPr>
+          <a:xfrm>
+            <a:off x="302358" y="5769872"/>
+            <a:ext cx="689676" cy="369332"/>
+          </a:xfrm>
+          <a:prstGeom prst="rect">
+            <a:avLst/>
+          </a:prstGeom>
+          <a:noFill/>
+        </p:spPr>
+        <p:txBody>
+          <a:bodyPr wrap="none" rtlCol="0">
+            <a:spAutoFit/>
+          </a:bodyPr>
+          <a:lstStyle/>
+          <a:p>
+            <a:r>
+              <a:rPr lang="en-IL" dirty="0"/>
+              <a:t>reset</a:t>
+            </a:r>
+          </a:p>
+        </p:txBody>
+      </p:sp>
+      <p:cxnSp>
+        <p:nvCxnSpPr>
+          <p:cNvPr id="95" name="Straight Connector 94">
+            <a:extLst>
+              <a:ext uri="{FF2B5EF4-FFF2-40B4-BE49-F238E27FC236}">
+                <a16:creationId xmlns:a16="http://schemas.microsoft.com/office/drawing/2014/main" id="{66E80B6A-CED1-56D8-53B4-FE4EC0F85885}"/>
+              </a:ext>
+            </a:extLst>
+          </p:cNvPr>
+          <p:cNvCxnSpPr>
+            <a:cxnSpLocks/>
+          </p:cNvCxnSpPr>
+          <p:nvPr/>
+        </p:nvCxnSpPr>
+        <p:spPr>
+          <a:xfrm flipH="1">
+            <a:off x="273746" y="6454051"/>
+            <a:ext cx="817369" cy="0"/>
+          </a:xfrm>
+          <a:prstGeom prst="line">
+            <a:avLst/>
+          </a:prstGeom>
+        </p:spPr>
+        <p:style>
+          <a:lnRef idx="2">
+            <a:schemeClr val="accent1"/>
+          </a:lnRef>
+          <a:fillRef idx="0">
+            <a:schemeClr val="accent1"/>
+          </a:fillRef>
+          <a:effectRef idx="1">
+            <a:schemeClr val="accent1"/>
+          </a:effectRef>
+          <a:fontRef idx="minor">
+            <a:schemeClr val="tx1"/>
+          </a:fontRef>
+        </p:style>
+      </p:cxnSp>
+      <p:cxnSp>
+        <p:nvCxnSpPr>
+          <p:cNvPr id="96" name="Straight Connector 95">
+            <a:extLst>
+              <a:ext uri="{FF2B5EF4-FFF2-40B4-BE49-F238E27FC236}">
+                <a16:creationId xmlns:a16="http://schemas.microsoft.com/office/drawing/2014/main" id="{4CD12D06-582D-6031-3E92-10A2B083FDFE}"/>
+              </a:ext>
+            </a:extLst>
+          </p:cNvPr>
+          <p:cNvCxnSpPr>
+            <a:cxnSpLocks/>
+          </p:cNvCxnSpPr>
+          <p:nvPr/>
+        </p:nvCxnSpPr>
+        <p:spPr>
+          <a:xfrm flipH="1">
+            <a:off x="273746" y="6118559"/>
+            <a:ext cx="817369" cy="0"/>
+          </a:xfrm>
+          <a:prstGeom prst="line">
+            <a:avLst/>
+          </a:prstGeom>
+        </p:spPr>
+        <p:style>
+          <a:lnRef idx="2">
+            <a:schemeClr val="accent1"/>
+          </a:lnRef>
+          <a:fillRef idx="0">
+            <a:schemeClr val="accent1"/>
+          </a:fillRef>
+          <a:effectRef idx="1">
+            <a:schemeClr val="accent1"/>
+          </a:effectRef>
+          <a:fontRef idx="minor">
+            <a:schemeClr val="tx1"/>
+          </a:fontRef>
+        </p:style>
+      </p:cxnSp>
+      <p:sp>
+        <p:nvSpPr>
+          <p:cNvPr id="97" name="TextBox 96">
+            <a:extLst>
+              <a:ext uri="{FF2B5EF4-FFF2-40B4-BE49-F238E27FC236}">
+                <a16:creationId xmlns:a16="http://schemas.microsoft.com/office/drawing/2014/main" id="{EA033DD0-8C8C-2D0B-6F63-9BF47CAC891A}"/>
+              </a:ext>
+            </a:extLst>
+          </p:cNvPr>
+          <p:cNvSpPr txBox="1"/>
+          <p:nvPr/>
+        </p:nvSpPr>
+        <p:spPr>
+          <a:xfrm>
+            <a:off x="4722645" y="3516412"/>
+            <a:ext cx="478016" cy="369332"/>
+          </a:xfrm>
+          <a:prstGeom prst="rect">
+            <a:avLst/>
+          </a:prstGeom>
+          <a:noFill/>
+        </p:spPr>
+        <p:txBody>
+          <a:bodyPr wrap="none" rtlCol="0">
+            <a:spAutoFit/>
+          </a:bodyPr>
+          <a:lstStyle/>
+          <a:p>
+            <a:r>
+              <a:rPr lang="en-IL" dirty="0"/>
+              <a:t>clk</a:t>
+            </a:r>
+          </a:p>
+        </p:txBody>
+      </p:sp>
+      <p:sp>
+        <p:nvSpPr>
+          <p:cNvPr id="99" name="TextBox 98">
+            <a:extLst>
+              <a:ext uri="{FF2B5EF4-FFF2-40B4-BE49-F238E27FC236}">
+                <a16:creationId xmlns:a16="http://schemas.microsoft.com/office/drawing/2014/main" id="{3029E7FE-04D3-15FA-8AF3-4E296CFC44A3}"/>
+              </a:ext>
+            </a:extLst>
+          </p:cNvPr>
+          <p:cNvSpPr txBox="1"/>
+          <p:nvPr/>
+        </p:nvSpPr>
+        <p:spPr>
+          <a:xfrm>
+            <a:off x="4533404" y="3232702"/>
+            <a:ext cx="689676" cy="369332"/>
+          </a:xfrm>
+          <a:prstGeom prst="rect">
+            <a:avLst/>
+          </a:prstGeom>
+          <a:noFill/>
+        </p:spPr>
+        <p:txBody>
+          <a:bodyPr wrap="none" rtlCol="0">
+            <a:spAutoFit/>
+          </a:bodyPr>
+          <a:lstStyle/>
+          <a:p>
+            <a:r>
+              <a:rPr lang="en-IL" dirty="0"/>
+              <a:t>reset</a:t>
+            </a:r>
+          </a:p>
+        </p:txBody>
+      </p:sp>
+      <p:cxnSp>
+        <p:nvCxnSpPr>
+          <p:cNvPr id="100" name="Straight Connector 99">
+            <a:extLst>
+              <a:ext uri="{FF2B5EF4-FFF2-40B4-BE49-F238E27FC236}">
+                <a16:creationId xmlns:a16="http://schemas.microsoft.com/office/drawing/2014/main" id="{6BF256EA-25F7-C4C0-30DB-4DDD2ED48BE6}"/>
+              </a:ext>
+            </a:extLst>
+          </p:cNvPr>
+          <p:cNvCxnSpPr>
+            <a:cxnSpLocks/>
+          </p:cNvCxnSpPr>
+          <p:nvPr/>
+        </p:nvCxnSpPr>
+        <p:spPr>
+          <a:xfrm flipH="1">
+            <a:off x="4504792" y="3873339"/>
+            <a:ext cx="817369" cy="0"/>
+          </a:xfrm>
+          <a:prstGeom prst="line">
+            <a:avLst/>
+          </a:prstGeom>
+        </p:spPr>
+        <p:style>
+          <a:lnRef idx="2">
+            <a:schemeClr val="accent1"/>
+          </a:lnRef>
+          <a:fillRef idx="0">
+            <a:schemeClr val="accent1"/>
+          </a:fillRef>
+          <a:effectRef idx="1">
+            <a:schemeClr val="accent1"/>
+          </a:effectRef>
+          <a:fontRef idx="minor">
+            <a:schemeClr val="tx1"/>
+          </a:fontRef>
+        </p:style>
+      </p:cxnSp>
+      <p:cxnSp>
+        <p:nvCxnSpPr>
+          <p:cNvPr id="101" name="Straight Connector 100">
+            <a:extLst>
+              <a:ext uri="{FF2B5EF4-FFF2-40B4-BE49-F238E27FC236}">
+                <a16:creationId xmlns:a16="http://schemas.microsoft.com/office/drawing/2014/main" id="{2A1FE438-7363-7E7C-0763-23ECAB38D491}"/>
+              </a:ext>
+            </a:extLst>
+          </p:cNvPr>
+          <p:cNvCxnSpPr>
+            <a:cxnSpLocks/>
+          </p:cNvCxnSpPr>
+          <p:nvPr/>
+        </p:nvCxnSpPr>
+        <p:spPr>
+          <a:xfrm flipH="1">
+            <a:off x="4504792" y="3537847"/>
+            <a:ext cx="817369" cy="0"/>
+          </a:xfrm>
+          <a:prstGeom prst="line">
+            <a:avLst/>
+          </a:prstGeom>
+        </p:spPr>
+        <p:style>
+          <a:lnRef idx="2">
+            <a:schemeClr val="accent1"/>
+          </a:lnRef>
+          <a:fillRef idx="0">
+            <a:schemeClr val="accent1"/>
+          </a:fillRef>
+          <a:effectRef idx="1">
+            <a:schemeClr val="accent1"/>
+          </a:effectRef>
+          <a:fontRef idx="minor">
+            <a:schemeClr val="tx1"/>
+          </a:fontRef>
+        </p:style>
+      </p:cxnSp>
+      <p:sp>
+        <p:nvSpPr>
+          <p:cNvPr id="102" name="TextBox 101">
+            <a:extLst>
+              <a:ext uri="{FF2B5EF4-FFF2-40B4-BE49-F238E27FC236}">
+                <a16:creationId xmlns:a16="http://schemas.microsoft.com/office/drawing/2014/main" id="{50A9C62A-AED4-BD8A-4330-37DDF63919D5}"/>
+              </a:ext>
+            </a:extLst>
+          </p:cNvPr>
+          <p:cNvSpPr txBox="1"/>
+          <p:nvPr/>
+        </p:nvSpPr>
+        <p:spPr>
+          <a:xfrm>
+            <a:off x="5470496" y="1284752"/>
+            <a:ext cx="478016" cy="369332"/>
+          </a:xfrm>
+          <a:prstGeom prst="rect">
+            <a:avLst/>
+          </a:prstGeom>
+          <a:noFill/>
+        </p:spPr>
+        <p:txBody>
+          <a:bodyPr wrap="none" rtlCol="0">
+            <a:spAutoFit/>
+          </a:bodyPr>
+          <a:lstStyle/>
+          <a:p>
+            <a:r>
+              <a:rPr lang="en-IL" dirty="0"/>
+              <a:t>clk</a:t>
+            </a:r>
+          </a:p>
+        </p:txBody>
+      </p:sp>
+      <p:sp>
+        <p:nvSpPr>
+          <p:cNvPr id="104" name="TextBox 103">
+            <a:extLst>
+              <a:ext uri="{FF2B5EF4-FFF2-40B4-BE49-F238E27FC236}">
+                <a16:creationId xmlns:a16="http://schemas.microsoft.com/office/drawing/2014/main" id="{A5939D3D-499A-3557-E934-1BAF742574F7}"/>
+              </a:ext>
+            </a:extLst>
+          </p:cNvPr>
+          <p:cNvSpPr txBox="1"/>
+          <p:nvPr/>
+        </p:nvSpPr>
+        <p:spPr>
+          <a:xfrm>
+            <a:off x="5281255" y="957500"/>
+            <a:ext cx="689676" cy="369332"/>
+          </a:xfrm>
+          <a:prstGeom prst="rect">
+            <a:avLst/>
+          </a:prstGeom>
+          <a:noFill/>
+        </p:spPr>
+        <p:txBody>
+          <a:bodyPr wrap="none" rtlCol="0">
+            <a:spAutoFit/>
+          </a:bodyPr>
+          <a:lstStyle/>
+          <a:p>
+            <a:r>
+              <a:rPr lang="en-IL" dirty="0"/>
+              <a:t>reset</a:t>
+            </a:r>
+          </a:p>
+        </p:txBody>
+      </p:sp>
+      <p:cxnSp>
+        <p:nvCxnSpPr>
+          <p:cNvPr id="106" name="Straight Connector 105">
+            <a:extLst>
+              <a:ext uri="{FF2B5EF4-FFF2-40B4-BE49-F238E27FC236}">
+                <a16:creationId xmlns:a16="http://schemas.microsoft.com/office/drawing/2014/main" id="{97863692-478E-D8A2-A8D3-3B0F69513C28}"/>
+              </a:ext>
+            </a:extLst>
+          </p:cNvPr>
+          <p:cNvCxnSpPr>
+            <a:cxnSpLocks/>
+          </p:cNvCxnSpPr>
+          <p:nvPr/>
+        </p:nvCxnSpPr>
+        <p:spPr>
+          <a:xfrm flipH="1">
+            <a:off x="5252643" y="1641679"/>
+            <a:ext cx="817369" cy="0"/>
+          </a:xfrm>
+          <a:prstGeom prst="line">
+            <a:avLst/>
+          </a:prstGeom>
+        </p:spPr>
+        <p:style>
+          <a:lnRef idx="2">
+            <a:schemeClr val="accent1"/>
+          </a:lnRef>
+          <a:fillRef idx="0">
+            <a:schemeClr val="accent1"/>
+          </a:fillRef>
+          <a:effectRef idx="1">
+            <a:schemeClr val="accent1"/>
+          </a:effectRef>
+          <a:fontRef idx="minor">
+            <a:schemeClr val="tx1"/>
+          </a:fontRef>
+        </p:style>
+      </p:cxnSp>
+      <p:cxnSp>
+        <p:nvCxnSpPr>
+          <p:cNvPr id="107" name="Straight Connector 106">
+            <a:extLst>
+              <a:ext uri="{FF2B5EF4-FFF2-40B4-BE49-F238E27FC236}">
+                <a16:creationId xmlns:a16="http://schemas.microsoft.com/office/drawing/2014/main" id="{A0112B16-357F-5518-D338-58F11D9B27D8}"/>
+              </a:ext>
+            </a:extLst>
+          </p:cNvPr>
+          <p:cNvCxnSpPr>
+            <a:cxnSpLocks/>
+          </p:cNvCxnSpPr>
+          <p:nvPr/>
+        </p:nvCxnSpPr>
+        <p:spPr>
+          <a:xfrm flipH="1">
+            <a:off x="5252643" y="1306187"/>
+            <a:ext cx="817369" cy="0"/>
+          </a:xfrm>
+          <a:prstGeom prst="line">
+            <a:avLst/>
+          </a:prstGeom>
+        </p:spPr>
+        <p:style>
+          <a:lnRef idx="2">
+            <a:schemeClr val="accent1"/>
+          </a:lnRef>
+          <a:fillRef idx="0">
+            <a:schemeClr val="accent1"/>
+          </a:fillRef>
+          <a:effectRef idx="1">
+            <a:schemeClr val="accent1"/>
+          </a:effectRef>
+          <a:fontRef idx="minor">
+            <a:schemeClr val="tx1"/>
+          </a:fontRef>
+        </p:style>
+      </p:cxnSp>
+      <p:sp>
+        <p:nvSpPr>
+          <p:cNvPr id="108" name="TextBox 107">
+            <a:extLst>
+              <a:ext uri="{FF2B5EF4-FFF2-40B4-BE49-F238E27FC236}">
+                <a16:creationId xmlns:a16="http://schemas.microsoft.com/office/drawing/2014/main" id="{A5F97776-39DD-BDA2-C59F-113C0CB154E5}"/>
+              </a:ext>
+            </a:extLst>
+          </p:cNvPr>
+          <p:cNvSpPr txBox="1"/>
+          <p:nvPr/>
+        </p:nvSpPr>
+        <p:spPr>
+          <a:xfrm>
+            <a:off x="1658897" y="5689933"/>
+            <a:ext cx="923971" cy="369332"/>
+          </a:xfrm>
+          <a:prstGeom prst="rect">
+            <a:avLst/>
+          </a:prstGeom>
+          <a:noFill/>
+        </p:spPr>
+        <p:txBody>
+          <a:bodyPr wrap="none" rtlCol="0">
+            <a:spAutoFit/>
+          </a:bodyPr>
+          <a:lstStyle/>
+          <a:p>
+            <a:r>
+              <a:rPr lang="en-IL" dirty="0"/>
+              <a:t>FirstVal</a:t>
+            </a:r>
+          </a:p>
+        </p:txBody>
+      </p:sp>
+      <p:cxnSp>
+        <p:nvCxnSpPr>
+          <p:cNvPr id="6" name="Straight Arrow Connector 5">
+            <a:extLst>
+              <a:ext uri="{FF2B5EF4-FFF2-40B4-BE49-F238E27FC236}">
+                <a16:creationId xmlns:a16="http://schemas.microsoft.com/office/drawing/2014/main" id="{BC188F36-31BB-094E-510A-D89C883A1A14}"/>
+              </a:ext>
+            </a:extLst>
+          </p:cNvPr>
+          <p:cNvCxnSpPr>
+            <a:cxnSpLocks/>
+          </p:cNvCxnSpPr>
+          <p:nvPr/>
+        </p:nvCxnSpPr>
+        <p:spPr>
+          <a:xfrm>
+            <a:off x="2366086" y="4111899"/>
+            <a:ext cx="0" cy="994591"/>
+          </a:xfrm>
+          <a:prstGeom prst="straightConnector1">
+            <a:avLst/>
+          </a:prstGeom>
+          <a:ln>
+            <a:tailEnd type="triangle"/>
+          </a:ln>
+        </p:spPr>
+        <p:style>
+          <a:lnRef idx="2">
+            <a:schemeClr val="accent1"/>
+          </a:lnRef>
+          <a:fillRef idx="0">
+            <a:schemeClr val="accent1"/>
+          </a:fillRef>
+          <a:effectRef idx="1">
+            <a:schemeClr val="accent1"/>
+          </a:effectRef>
+          <a:fontRef idx="minor">
+            <a:schemeClr val="tx1"/>
+          </a:fontRef>
+        </p:style>
+      </p:cxnSp>
+      <p:sp>
+        <p:nvSpPr>
+          <p:cNvPr id="17" name="TextBox 16">
+            <a:extLst>
+              <a:ext uri="{FF2B5EF4-FFF2-40B4-BE49-F238E27FC236}">
+                <a16:creationId xmlns:a16="http://schemas.microsoft.com/office/drawing/2014/main" id="{EB42DBB6-9C53-00D1-F1B9-DC6EB90B85FF}"/>
+              </a:ext>
+            </a:extLst>
+          </p:cNvPr>
+          <p:cNvSpPr txBox="1"/>
+          <p:nvPr/>
+        </p:nvSpPr>
+        <p:spPr>
+          <a:xfrm rot="5400000">
+            <a:off x="2021675" y="4413581"/>
+            <a:ext cx="1049373" cy="369332"/>
+          </a:xfrm>
+          <a:prstGeom prst="rect">
+            <a:avLst/>
+          </a:prstGeom>
+          <a:noFill/>
+        </p:spPr>
+        <p:txBody>
+          <a:bodyPr wrap="square" rtlCol="0">
+            <a:spAutoFit/>
+          </a:bodyPr>
+          <a:lstStyle/>
+          <a:p>
+            <a:r>
+              <a:rPr lang="en-IL" dirty="0"/>
+              <a:t>Update</a:t>
+            </a:r>
+          </a:p>
+        </p:txBody>
+      </p:sp>
+      <p:cxnSp>
+        <p:nvCxnSpPr>
+          <p:cNvPr id="20" name="Straight Connector 19">
+            <a:extLst>
+              <a:ext uri="{FF2B5EF4-FFF2-40B4-BE49-F238E27FC236}">
+                <a16:creationId xmlns:a16="http://schemas.microsoft.com/office/drawing/2014/main" id="{2E80E5F9-4032-D6FC-4D3E-DD38F1F1B101}"/>
+              </a:ext>
+            </a:extLst>
+          </p:cNvPr>
+          <p:cNvCxnSpPr>
+            <a:cxnSpLocks/>
+          </p:cNvCxnSpPr>
+          <p:nvPr/>
+        </p:nvCxnSpPr>
+        <p:spPr>
+          <a:xfrm flipH="1">
+            <a:off x="11488396" y="3828409"/>
+            <a:ext cx="464112" cy="0"/>
+          </a:xfrm>
+          <a:prstGeom prst="line">
+            <a:avLst/>
+          </a:prstGeom>
+        </p:spPr>
+        <p:style>
+          <a:lnRef idx="2">
+            <a:schemeClr val="accent1"/>
+          </a:lnRef>
+          <a:fillRef idx="0">
+            <a:schemeClr val="accent1"/>
+          </a:fillRef>
+          <a:effectRef idx="1">
+            <a:schemeClr val="accent1"/>
+          </a:effectRef>
+          <a:fontRef idx="minor">
+            <a:schemeClr val="tx1"/>
+          </a:fontRef>
+        </p:style>
+      </p:cxnSp>
+      <p:sp>
+        <p:nvSpPr>
+          <p:cNvPr id="22" name="TextBox 21">
+            <a:extLst>
+              <a:ext uri="{FF2B5EF4-FFF2-40B4-BE49-F238E27FC236}">
+                <a16:creationId xmlns:a16="http://schemas.microsoft.com/office/drawing/2014/main" id="{4A4AEF7D-ACD6-AD7A-510A-15CEFA2DC154}"/>
+              </a:ext>
+            </a:extLst>
+          </p:cNvPr>
+          <p:cNvSpPr txBox="1"/>
+          <p:nvPr/>
+        </p:nvSpPr>
+        <p:spPr>
+          <a:xfrm>
+            <a:off x="1621161" y="256316"/>
+            <a:ext cx="999441" cy="646331"/>
+          </a:xfrm>
+          <a:prstGeom prst="rect">
+            <a:avLst/>
+          </a:prstGeom>
+          <a:noFill/>
+        </p:spPr>
+        <p:txBody>
+          <a:bodyPr wrap="none" rtlCol="0">
+            <a:spAutoFit/>
+          </a:bodyPr>
+          <a:lstStyle/>
+          <a:p>
+            <a:r>
+              <a:rPr lang="en-IL" dirty="0"/>
+              <a:t>12bit</a:t>
+            </a:r>
+          </a:p>
+          <a:p>
+            <a:r>
+              <a:rPr lang="en-IL" dirty="0"/>
+              <a:t>Counter</a:t>
+            </a:r>
+          </a:p>
+        </p:txBody>
+      </p:sp>
+      <p:sp>
+        <p:nvSpPr>
+          <p:cNvPr id="23" name="Rectangle 22">
+            <a:extLst>
+              <a:ext uri="{FF2B5EF4-FFF2-40B4-BE49-F238E27FC236}">
+                <a16:creationId xmlns:a16="http://schemas.microsoft.com/office/drawing/2014/main" id="{5166CCF9-84CF-A729-4B85-4651237DB039}"/>
+              </a:ext>
+            </a:extLst>
+          </p:cNvPr>
+          <p:cNvSpPr/>
+          <p:nvPr/>
+        </p:nvSpPr>
+        <p:spPr>
+          <a:xfrm>
+            <a:off x="1545043" y="219155"/>
+            <a:ext cx="1061818" cy="744239"/>
+          </a:xfrm>
+          <a:prstGeom prst="rect">
+            <a:avLst/>
+          </a:prstGeom>
+          <a:noFill/>
+        </p:spPr>
+        <p:style>
+          <a:lnRef idx="2">
+            <a:schemeClr val="accent1">
+              <a:shade val="15000"/>
+            </a:schemeClr>
+          </a:lnRef>
+          <a:fillRef idx="1">
+            <a:schemeClr val="accent1"/>
+          </a:fillRef>
+          <a:effectRef idx="0">
+            <a:schemeClr val="accent1"/>
+          </a:effectRef>
+          <a:fontRef idx="minor">
+            <a:schemeClr val="lt1"/>
+          </a:fontRef>
+        </p:style>
+        <p:txBody>
+          <a:bodyPr rtlCol="0" anchor="ctr"/>
+          <a:lstStyle/>
+          <a:p>
+            <a:pPr algn="ctr"/>
+            <a:endParaRPr lang="en-IL" dirty="0"/>
+          </a:p>
+        </p:txBody>
+      </p:sp>
+      <p:cxnSp>
+        <p:nvCxnSpPr>
+          <p:cNvPr id="24" name="Straight Arrow Connector 23">
+            <a:extLst>
+              <a:ext uri="{FF2B5EF4-FFF2-40B4-BE49-F238E27FC236}">
+                <a16:creationId xmlns:a16="http://schemas.microsoft.com/office/drawing/2014/main" id="{42EABEB0-3EBC-8642-3DCE-BB0004429865}"/>
+              </a:ext>
+            </a:extLst>
+          </p:cNvPr>
+          <p:cNvCxnSpPr>
+            <a:cxnSpLocks/>
+          </p:cNvCxnSpPr>
+          <p:nvPr/>
+        </p:nvCxnSpPr>
+        <p:spPr>
+          <a:xfrm>
+            <a:off x="2086930" y="967853"/>
+            <a:ext cx="0" cy="414447"/>
+          </a:xfrm>
+          <a:prstGeom prst="straightConnector1">
+            <a:avLst/>
+          </a:prstGeom>
+          <a:ln>
+            <a:tailEnd type="triangle"/>
+          </a:ln>
+        </p:spPr>
+        <p:style>
+          <a:lnRef idx="2">
+            <a:schemeClr val="accent1"/>
+          </a:lnRef>
+          <a:fillRef idx="0">
+            <a:schemeClr val="accent1"/>
+          </a:fillRef>
+          <a:effectRef idx="1">
+            <a:schemeClr val="accent1"/>
+          </a:effectRef>
+          <a:fontRef idx="minor">
+            <a:schemeClr val="tx1"/>
+          </a:fontRef>
+        </p:style>
+      </p:cxnSp>
+      <p:cxnSp>
+        <p:nvCxnSpPr>
+          <p:cNvPr id="29" name="Straight Arrow Connector 28">
+            <a:extLst>
+              <a:ext uri="{FF2B5EF4-FFF2-40B4-BE49-F238E27FC236}">
+                <a16:creationId xmlns:a16="http://schemas.microsoft.com/office/drawing/2014/main" id="{73DD00BE-D9A1-AE83-7F0F-3EB09FFA7D5F}"/>
+              </a:ext>
+            </a:extLst>
+          </p:cNvPr>
+          <p:cNvCxnSpPr>
+            <a:cxnSpLocks/>
+          </p:cNvCxnSpPr>
+          <p:nvPr/>
+        </p:nvCxnSpPr>
+        <p:spPr>
+          <a:xfrm flipV="1">
+            <a:off x="1892978" y="957500"/>
+            <a:ext cx="0" cy="424800"/>
+          </a:xfrm>
+          <a:prstGeom prst="straightConnector1">
+            <a:avLst/>
+          </a:prstGeom>
+          <a:ln>
+            <a:tailEnd type="triangle"/>
+          </a:ln>
+        </p:spPr>
+        <p:style>
+          <a:lnRef idx="2">
+            <a:schemeClr val="accent1"/>
+          </a:lnRef>
+          <a:fillRef idx="0">
+            <a:schemeClr val="accent1"/>
+          </a:fillRef>
+          <a:effectRef idx="1">
+            <a:schemeClr val="accent1"/>
+          </a:effectRef>
+          <a:fontRef idx="minor">
+            <a:schemeClr val="tx1"/>
+          </a:fontRef>
+        </p:style>
+      </p:cxnSp>
+      <p:sp>
+        <p:nvSpPr>
+          <p:cNvPr id="35" name="TextBox 34">
+            <a:extLst>
+              <a:ext uri="{FF2B5EF4-FFF2-40B4-BE49-F238E27FC236}">
+                <a16:creationId xmlns:a16="http://schemas.microsoft.com/office/drawing/2014/main" id="{591EAFEC-DE82-C87E-AE61-6700D6659399}"/>
+              </a:ext>
+            </a:extLst>
+          </p:cNvPr>
+          <p:cNvSpPr txBox="1"/>
+          <p:nvPr/>
+        </p:nvSpPr>
+        <p:spPr>
+          <a:xfrm>
+            <a:off x="907447" y="958225"/>
+            <a:ext cx="1054841" cy="369332"/>
+          </a:xfrm>
+          <a:prstGeom prst="rect">
+            <a:avLst/>
+          </a:prstGeom>
+          <a:noFill/>
+        </p:spPr>
+        <p:txBody>
+          <a:bodyPr wrap="none" rtlCol="0">
+            <a:spAutoFit/>
+          </a:bodyPr>
+          <a:lstStyle/>
+          <a:p>
+            <a:r>
+              <a:rPr lang="en-IL" dirty="0"/>
+              <a:t>NewLine</a:t>
+            </a:r>
+          </a:p>
+        </p:txBody>
+      </p:sp>
+      <p:sp>
+        <p:nvSpPr>
+          <p:cNvPr id="38" name="TextBox 37">
+            <a:extLst>
+              <a:ext uri="{FF2B5EF4-FFF2-40B4-BE49-F238E27FC236}">
+                <a16:creationId xmlns:a16="http://schemas.microsoft.com/office/drawing/2014/main" id="{662A647D-DBB0-E4B9-FCF9-21559114C6DD}"/>
+              </a:ext>
+            </a:extLst>
+          </p:cNvPr>
+          <p:cNvSpPr txBox="1"/>
+          <p:nvPr/>
+        </p:nvSpPr>
+        <p:spPr>
+          <a:xfrm>
+            <a:off x="2025241" y="993758"/>
+            <a:ext cx="987771" cy="369332"/>
+          </a:xfrm>
+          <a:prstGeom prst="rect">
+            <a:avLst/>
+          </a:prstGeom>
+          <a:noFill/>
+        </p:spPr>
+        <p:txBody>
+          <a:bodyPr wrap="none" rtlCol="0">
+            <a:spAutoFit/>
+          </a:bodyPr>
+          <a:lstStyle/>
+          <a:p>
+            <a:r>
+              <a:rPr lang="en-IL" dirty="0"/>
+              <a:t>EndLine</a:t>
+            </a:r>
+          </a:p>
+        </p:txBody>
+      </p:sp>
+      <p:sp>
+        <p:nvSpPr>
+          <p:cNvPr id="40" name="TextBox 39">
+            <a:extLst>
+              <a:ext uri="{FF2B5EF4-FFF2-40B4-BE49-F238E27FC236}">
+                <a16:creationId xmlns:a16="http://schemas.microsoft.com/office/drawing/2014/main" id="{DEF54708-EAAC-E079-FA4E-281088588393}"/>
+              </a:ext>
+            </a:extLst>
+          </p:cNvPr>
+          <p:cNvSpPr txBox="1"/>
+          <p:nvPr/>
+        </p:nvSpPr>
+        <p:spPr>
+          <a:xfrm>
+            <a:off x="941866" y="392420"/>
+            <a:ext cx="478016" cy="369332"/>
+          </a:xfrm>
+          <a:prstGeom prst="rect">
+            <a:avLst/>
+          </a:prstGeom>
+          <a:noFill/>
+        </p:spPr>
+        <p:txBody>
+          <a:bodyPr wrap="none" rtlCol="0">
+            <a:spAutoFit/>
+          </a:bodyPr>
+          <a:lstStyle/>
+          <a:p>
+            <a:r>
+              <a:rPr lang="en-IL" dirty="0"/>
+              <a:t>clk</a:t>
+            </a:r>
+          </a:p>
+        </p:txBody>
+      </p:sp>
+      <p:sp>
+        <p:nvSpPr>
+          <p:cNvPr id="42" name="TextBox 41">
+            <a:extLst>
+              <a:ext uri="{FF2B5EF4-FFF2-40B4-BE49-F238E27FC236}">
+                <a16:creationId xmlns:a16="http://schemas.microsoft.com/office/drawing/2014/main" id="{7BD69AB6-DF3A-8356-EF68-864664D223A3}"/>
+              </a:ext>
+            </a:extLst>
+          </p:cNvPr>
+          <p:cNvSpPr txBox="1"/>
+          <p:nvPr/>
+        </p:nvSpPr>
+        <p:spPr>
+          <a:xfrm>
+            <a:off x="752625" y="65168"/>
+            <a:ext cx="689676" cy="369332"/>
+          </a:xfrm>
+          <a:prstGeom prst="rect">
+            <a:avLst/>
+          </a:prstGeom>
+          <a:noFill/>
+        </p:spPr>
+        <p:txBody>
+          <a:bodyPr wrap="none" rtlCol="0">
+            <a:spAutoFit/>
+          </a:bodyPr>
+          <a:lstStyle/>
+          <a:p>
+            <a:r>
+              <a:rPr lang="en-IL" dirty="0"/>
+              <a:t>reset</a:t>
+            </a:r>
+          </a:p>
+        </p:txBody>
+      </p:sp>
+      <p:cxnSp>
+        <p:nvCxnSpPr>
+          <p:cNvPr id="43" name="Straight Connector 42">
+            <a:extLst>
+              <a:ext uri="{FF2B5EF4-FFF2-40B4-BE49-F238E27FC236}">
+                <a16:creationId xmlns:a16="http://schemas.microsoft.com/office/drawing/2014/main" id="{8121A301-2A24-9FEB-E06D-366C53236153}"/>
+              </a:ext>
+            </a:extLst>
+          </p:cNvPr>
+          <p:cNvCxnSpPr>
+            <a:cxnSpLocks/>
+          </p:cNvCxnSpPr>
+          <p:nvPr/>
+        </p:nvCxnSpPr>
+        <p:spPr>
+          <a:xfrm flipH="1">
+            <a:off x="724013" y="749347"/>
+            <a:ext cx="817369" cy="0"/>
+          </a:xfrm>
+          <a:prstGeom prst="line">
+            <a:avLst/>
+          </a:prstGeom>
+        </p:spPr>
+        <p:style>
+          <a:lnRef idx="2">
+            <a:schemeClr val="accent1"/>
+          </a:lnRef>
+          <a:fillRef idx="0">
+            <a:schemeClr val="accent1"/>
+          </a:fillRef>
+          <a:effectRef idx="1">
+            <a:schemeClr val="accent1"/>
+          </a:effectRef>
+          <a:fontRef idx="minor">
+            <a:schemeClr val="tx1"/>
+          </a:fontRef>
+        </p:style>
+      </p:cxnSp>
+      <p:cxnSp>
+        <p:nvCxnSpPr>
+          <p:cNvPr id="44" name="Straight Connector 43">
+            <a:extLst>
+              <a:ext uri="{FF2B5EF4-FFF2-40B4-BE49-F238E27FC236}">
+                <a16:creationId xmlns:a16="http://schemas.microsoft.com/office/drawing/2014/main" id="{0FEA9C0A-3E3E-B03A-8CE4-1F1EB9B14B6A}"/>
+              </a:ext>
+            </a:extLst>
+          </p:cNvPr>
+          <p:cNvCxnSpPr>
+            <a:cxnSpLocks/>
+          </p:cNvCxnSpPr>
+          <p:nvPr/>
+        </p:nvCxnSpPr>
+        <p:spPr>
+          <a:xfrm flipH="1">
+            <a:off x="724013" y="413855"/>
+            <a:ext cx="817369" cy="0"/>
+          </a:xfrm>
+          <a:prstGeom prst="line">
+            <a:avLst/>
+          </a:prstGeom>
+        </p:spPr>
+        <p:style>
+          <a:lnRef idx="2">
+            <a:schemeClr val="accent1"/>
+          </a:lnRef>
+          <a:fillRef idx="0">
+            <a:schemeClr val="accent1"/>
+          </a:fillRef>
+          <a:effectRef idx="1">
+            <a:schemeClr val="accent1"/>
+          </a:effectRef>
+          <a:fontRef idx="minor">
+            <a:schemeClr val="tx1"/>
+          </a:fontRef>
+        </p:style>
+      </p:cxnSp>
+      <p:sp>
+        <p:nvSpPr>
+          <p:cNvPr id="59" name="TextBox 58">
+            <a:extLst>
+              <a:ext uri="{FF2B5EF4-FFF2-40B4-BE49-F238E27FC236}">
+                <a16:creationId xmlns:a16="http://schemas.microsoft.com/office/drawing/2014/main" id="{9AF616F0-493E-1E3F-0D31-DA7E0AB2E5E9}"/>
+              </a:ext>
+            </a:extLst>
+          </p:cNvPr>
+          <p:cNvSpPr txBox="1"/>
+          <p:nvPr/>
+        </p:nvSpPr>
+        <p:spPr>
+          <a:xfrm>
+            <a:off x="11438544" y="3574259"/>
+            <a:ext cx="803425" cy="276999"/>
+          </a:xfrm>
+          <a:prstGeom prst="rect">
+            <a:avLst/>
+          </a:prstGeom>
+          <a:noFill/>
+        </p:spPr>
+        <p:txBody>
+          <a:bodyPr wrap="none" rtlCol="0">
+            <a:spAutoFit/>
+          </a:bodyPr>
+          <a:lstStyle/>
+          <a:p>
+            <a:r>
+              <a:rPr lang="en-IL" sz="1200" dirty="0"/>
+              <a:t>[0:11]Cnt</a:t>
+            </a:r>
+          </a:p>
+        </p:txBody>
+      </p:sp>
+      <p:cxnSp>
+        <p:nvCxnSpPr>
+          <p:cNvPr id="60" name="Straight Arrow Connector 59">
+            <a:extLst>
+              <a:ext uri="{FF2B5EF4-FFF2-40B4-BE49-F238E27FC236}">
+                <a16:creationId xmlns:a16="http://schemas.microsoft.com/office/drawing/2014/main" id="{F8B2C5D5-8433-BA45-8738-2F74F8188C94}"/>
+              </a:ext>
+            </a:extLst>
+          </p:cNvPr>
+          <p:cNvCxnSpPr>
+            <a:cxnSpLocks/>
+          </p:cNvCxnSpPr>
+          <p:nvPr/>
+        </p:nvCxnSpPr>
+        <p:spPr>
+          <a:xfrm>
+            <a:off x="3132978" y="5848433"/>
+            <a:ext cx="2174773" cy="0"/>
+          </a:xfrm>
+          <a:prstGeom prst="straightConnector1">
+            <a:avLst/>
+          </a:prstGeom>
+          <a:ln>
+            <a:tailEnd type="triangle"/>
+          </a:ln>
+        </p:spPr>
+        <p:style>
+          <a:lnRef idx="2">
+            <a:schemeClr val="accent1"/>
+          </a:lnRef>
+          <a:fillRef idx="0">
+            <a:schemeClr val="accent1"/>
+          </a:fillRef>
+          <a:effectRef idx="1">
+            <a:schemeClr val="accent1"/>
+          </a:effectRef>
+          <a:fontRef idx="minor">
+            <a:schemeClr val="tx1"/>
+          </a:fontRef>
+        </p:style>
+      </p:cxnSp>
+      <p:cxnSp>
+        <p:nvCxnSpPr>
+          <p:cNvPr id="21" name="Straight Connector 20">
+            <a:extLst>
+              <a:ext uri="{FF2B5EF4-FFF2-40B4-BE49-F238E27FC236}">
+                <a16:creationId xmlns:a16="http://schemas.microsoft.com/office/drawing/2014/main" id="{6BC914C3-80A4-DE50-2528-75EFC513F45A}"/>
+              </a:ext>
+            </a:extLst>
+          </p:cNvPr>
+          <p:cNvCxnSpPr>
+            <a:cxnSpLocks/>
+          </p:cNvCxnSpPr>
+          <p:nvPr/>
+        </p:nvCxnSpPr>
+        <p:spPr>
+          <a:xfrm>
+            <a:off x="3013012" y="434500"/>
+            <a:ext cx="0" cy="928590"/>
+          </a:xfrm>
+          <a:prstGeom prst="line">
+            <a:avLst/>
+          </a:prstGeom>
+        </p:spPr>
+        <p:style>
+          <a:lnRef idx="2">
+            <a:schemeClr val="accent1"/>
+          </a:lnRef>
+          <a:fillRef idx="0">
+            <a:schemeClr val="accent1"/>
+          </a:fillRef>
+          <a:effectRef idx="1">
+            <a:schemeClr val="accent1"/>
+          </a:effectRef>
+          <a:fontRef idx="minor">
+            <a:schemeClr val="tx1"/>
+          </a:fontRef>
+        </p:style>
+      </p:cxnSp>
+      <p:cxnSp>
+        <p:nvCxnSpPr>
+          <p:cNvPr id="30" name="Straight Arrow Connector 29">
+            <a:extLst>
+              <a:ext uri="{FF2B5EF4-FFF2-40B4-BE49-F238E27FC236}">
+                <a16:creationId xmlns:a16="http://schemas.microsoft.com/office/drawing/2014/main" id="{2D0323CB-B63C-729F-E1A0-D8C916618201}"/>
+              </a:ext>
+            </a:extLst>
+          </p:cNvPr>
+          <p:cNvCxnSpPr>
+            <a:cxnSpLocks/>
+          </p:cNvCxnSpPr>
+          <p:nvPr/>
+        </p:nvCxnSpPr>
+        <p:spPr>
+          <a:xfrm flipH="1">
+            <a:off x="2606861" y="434500"/>
+            <a:ext cx="406151" cy="0"/>
+          </a:xfrm>
+          <a:prstGeom prst="straightConnector1">
+            <a:avLst/>
+          </a:prstGeom>
+          <a:ln>
+            <a:tailEnd type="triangle"/>
+          </a:ln>
+        </p:spPr>
+        <p:style>
+          <a:lnRef idx="2">
+            <a:schemeClr val="accent1"/>
+          </a:lnRef>
+          <a:fillRef idx="0">
+            <a:schemeClr val="accent1"/>
+          </a:fillRef>
+          <a:effectRef idx="1">
+            <a:schemeClr val="accent1"/>
+          </a:effectRef>
+          <a:fontRef idx="minor">
+            <a:schemeClr val="tx1"/>
+          </a:fontRef>
+        </p:style>
+      </p:cxnSp>
+      <p:sp>
+        <p:nvSpPr>
+          <p:cNvPr id="46" name="TextBox 45">
+            <a:extLst>
+              <a:ext uri="{FF2B5EF4-FFF2-40B4-BE49-F238E27FC236}">
+                <a16:creationId xmlns:a16="http://schemas.microsoft.com/office/drawing/2014/main" id="{4D128B21-A2D6-CAE6-74F6-2CB42E911CBB}"/>
+              </a:ext>
+            </a:extLst>
+          </p:cNvPr>
+          <p:cNvSpPr txBox="1"/>
+          <p:nvPr/>
+        </p:nvSpPr>
+        <p:spPr>
+          <a:xfrm>
+            <a:off x="2620602" y="142309"/>
+            <a:ext cx="566886" cy="369332"/>
+          </a:xfrm>
+          <a:prstGeom prst="rect">
+            <a:avLst/>
+          </a:prstGeom>
+          <a:noFill/>
+        </p:spPr>
+        <p:txBody>
+          <a:bodyPr wrap="none" rtlCol="0">
+            <a:spAutoFit/>
+          </a:bodyPr>
+          <a:lstStyle/>
+          <a:p>
+            <a:r>
+              <a:rPr lang="en-IL" dirty="0"/>
+              <a:t>test</a:t>
+            </a:r>
+          </a:p>
+        </p:txBody>
+      </p:sp>
+    </p:spTree>
+    <p:extLst>
+      <p:ext uri="{BB962C8B-B14F-4D97-AF65-F5344CB8AC3E}">
+        <p14:creationId xmlns:p14="http://schemas.microsoft.com/office/powerpoint/2010/main" val="1986455568"/>
+      </p:ext>
+    </p:extLst>
+  </p:cSld>
+  <p:clrMapOvr>
+    <a:masterClrMapping/>
+  </p:clrMapOvr>
+</p:sld>
+</file>
+
+<file path=ppt/slides/slide11.xml><?xml version="1.0" encoding="utf-8"?>
+<p:sld xmlns:a="http://schemas.openxmlformats.org/drawingml/2006/main" xmlns:r="http://schemas.openxmlformats.org/officeDocument/2006/relationships" xmlns:p="http://schemas.openxmlformats.org/presentationml/2006/main">
+  <p:cSld>
+    <p:spTree>
+      <p:nvGrpSpPr>
+        <p:cNvPr id="1" name=""/>
+        <p:cNvGrpSpPr/>
+        <p:nvPr/>
+      </p:nvGrpSpPr>
+      <p:grpSpPr>
+        <a:xfrm>
+          <a:off x="0" y="0"/>
+          <a:ext cx="0" cy="0"/>
+          <a:chOff x="0" y="0"/>
+          <a:chExt cx="0" cy="0"/>
+        </a:xfrm>
+      </p:grpSpPr>
+      <p:sp>
+        <p:nvSpPr>
           <p:cNvPr id="4" name="Title 3">
             <a:extLst>
               <a:ext uri="{FF2B5EF4-FFF2-40B4-BE49-F238E27FC236}">
@@ -5044,7 +8179,7 @@
 </p:sld>
 </file>
 
-<file path=ppt/slides/slide11.xml><?xml version="1.0" encoding="utf-8"?>
+<file path=ppt/slides/slide12.xml><?xml version="1.0" encoding="utf-8"?>
 <p:sld xmlns:a="http://schemas.openxmlformats.org/drawingml/2006/main" xmlns:r="http://schemas.openxmlformats.org/officeDocument/2006/relationships" xmlns:p="http://schemas.openxmlformats.org/presentationml/2006/main">
   <p:cSld>
     <p:spTree>
@@ -5104,7 +8239,7 @@
 </p:sld>
 </file>
 
-<file path=ppt/slides/slide12.xml><?xml version="1.0" encoding="utf-8"?>
+<file path=ppt/slides/slide13.xml><?xml version="1.0" encoding="utf-8"?>
 <p:sld xmlns:a="http://schemas.openxmlformats.org/drawingml/2006/main" xmlns:r="http://schemas.openxmlformats.org/officeDocument/2006/relationships" xmlns:p="http://schemas.openxmlformats.org/presentationml/2006/main">
   <p:cSld>
     <p:bg>
@@ -5178,7 +8313,7 @@
 </p:sld>
 </file>
 
-<file path=ppt/slides/slide13.xml><?xml version="1.0" encoding="utf-8"?>
+<file path=ppt/slides/slide14.xml><?xml version="1.0" encoding="utf-8"?>
 <p:sld xmlns:a="http://schemas.openxmlformats.org/drawingml/2006/main" xmlns:r="http://schemas.openxmlformats.org/officeDocument/2006/relationships" xmlns:p="http://schemas.openxmlformats.org/presentationml/2006/main">
   <p:cSld>
     <p:spTree>
@@ -6720,7 +9855,7 @@
         </p:nvSpPr>
         <p:spPr>
           <a:xfrm>
-            <a:off x="613913" y="1585020"/>
+            <a:off x="544285" y="1406344"/>
             <a:ext cx="11103429" cy="4351338"/>
           </a:xfrm>
           <a:prstGeom prst="rect">
@@ -6895,23 +10030,90 @@
           </a:lstStyle>
           <a:p>
             <a:pPr marL="0" indent="0">
-              <a:buFont typeface="Arial" panose="020B0604020202020204" pitchFamily="34" charset="0"/>
               <a:buNone/>
             </a:pPr>
             <a:r>
-              <a:rPr lang="en-US" sz="2400">
+              <a:rPr lang="en-IL" sz="2400" dirty="0">
+                <a:effectLst/>
                 <a:latin typeface="Times New Roman" panose="02020603050405020304" pitchFamily="18" charset="0"/>
-                <a:cs typeface="Times New Roman" panose="02020603050405020304" pitchFamily="18" charset="0"/>
+                <a:ea typeface="Times New Roman" panose="02020603050405020304" pitchFamily="18" charset="0"/>
               </a:rPr>
-              <a:t>Tower Semiconductors manufactures CMOS image sensors that capture light using an array of pixels. The light intensity at each pixel is converted from an analog voltage to a 12-bit digital signal through an analog-to-digital converter and is then organized into frames. The goal of this project is to design the digital component of the camera's analog-to-digital converter.</a:t>
-            </a:r>
+              <a:t>Tower Semiconductors produces CMOS image sensors that capture light using an array of pixels. The intensity of light at each pixel is converted from an analog voltage to a 12-bit digital signal via an analog-to-digital converter (ADC) and then organized into frames. Each frame comprises a matrix of 24x1290 pixels, with each pixel connected to an ADC. The ADC has an analog section linked to the pixel array and a digital section that calculates the 12-bit digital output for each pixel.</a:t>
+            </a:r>
+          </a:p>
+          <a:p>
+            <a:pPr marL="0" indent="0">
+              <a:buNone/>
+            </a:pPr>
+            <a:endParaRPr lang="en-IL" sz="2400" dirty="0">
+              <a:latin typeface="Times New Roman" panose="02020603050405020304" pitchFamily="18" charset="0"/>
+              <a:ea typeface="Times New Roman" panose="02020603050405020304" pitchFamily="18" charset="0"/>
+            </a:endParaRPr>
+          </a:p>
+          <a:p>
+            <a:pPr marL="0" indent="0">
+              <a:buNone/>
+            </a:pPr>
+            <a:endParaRPr lang="en-IL" sz="2400" dirty="0">
+              <a:effectLst/>
+              <a:latin typeface="Times New Roman" panose="02020603050405020304" pitchFamily="18" charset="0"/>
+              <a:ea typeface="Times New Roman" panose="02020603050405020304" pitchFamily="18" charset="0"/>
+            </a:endParaRPr>
+          </a:p>
+          <a:p>
+            <a:pPr marL="0" indent="0">
+              <a:buNone/>
+            </a:pPr>
+            <a:endParaRPr lang="en-IL" sz="2400" dirty="0">
+              <a:latin typeface="Times New Roman" panose="02020603050405020304" pitchFamily="18" charset="0"/>
+              <a:ea typeface="Times New Roman" panose="02020603050405020304" pitchFamily="18" charset="0"/>
+            </a:endParaRPr>
+          </a:p>
+          <a:p>
+            <a:pPr marL="0" indent="0">
+              <a:buNone/>
+            </a:pPr>
+            <a:endParaRPr lang="en-IL" sz="2400" dirty="0">
+              <a:effectLst/>
+              <a:latin typeface="Times New Roman" panose="02020603050405020304" pitchFamily="18" charset="0"/>
+              <a:ea typeface="Times New Roman" panose="02020603050405020304" pitchFamily="18" charset="0"/>
+            </a:endParaRPr>
+          </a:p>
+          <a:p>
+            <a:pPr marL="0" indent="0">
+              <a:buNone/>
+            </a:pPr>
+            <a:endParaRPr lang="en-IL" sz="2400" dirty="0">
+              <a:latin typeface="Times New Roman" panose="02020603050405020304" pitchFamily="18" charset="0"/>
+              <a:ea typeface="Times New Roman" panose="02020603050405020304" pitchFamily="18" charset="0"/>
+            </a:endParaRPr>
+          </a:p>
+          <a:p>
+            <a:pPr marL="0" indent="0">
+              <a:buNone/>
+            </a:pPr>
+            <a:endParaRPr lang="en-IL" sz="2400" dirty="0">
+              <a:effectLst/>
+              <a:latin typeface="Times New Roman" panose="02020603050405020304" pitchFamily="18" charset="0"/>
+              <a:ea typeface="Times New Roman" panose="02020603050405020304" pitchFamily="18" charset="0"/>
+            </a:endParaRPr>
+          </a:p>
+          <a:p>
+            <a:pPr marL="0" indent="0">
+              <a:buNone/>
+            </a:pPr>
+            <a:endParaRPr lang="en-IL" sz="2400" dirty="0">
+              <a:effectLst/>
+              <a:latin typeface="Times New Roman" panose="02020603050405020304" pitchFamily="18" charset="0"/>
+              <a:ea typeface="Times New Roman" panose="02020603050405020304" pitchFamily="18" charset="0"/>
+            </a:endParaRPr>
           </a:p>
           <a:p>
             <a:pPr marL="0" indent="0">
               <a:buFont typeface="Arial" panose="020B0604020202020204" pitchFamily="34" charset="0"/>
               <a:buNone/>
             </a:pPr>
-            <a:endParaRPr lang="en-US" dirty="0">
+            <a:endParaRPr lang="en-US" sz="2400" dirty="0">
               <a:latin typeface="Times New Roman" panose="02020603050405020304" pitchFamily="18" charset="0"/>
               <a:cs typeface="Times New Roman" panose="02020603050405020304" pitchFamily="18" charset="0"/>
             </a:endParaRPr>
@@ -6920,10 +10122,10 @@
       </p:sp>
       <p:pic>
         <p:nvPicPr>
-          <p:cNvPr id="3" name="Picture 2">
-            <a:extLst>
-              <a:ext uri="{FF2B5EF4-FFF2-40B4-BE49-F238E27FC236}">
-                <a16:creationId xmlns:a16="http://schemas.microsoft.com/office/drawing/2014/main" id="{979FB0A0-DA39-F042-BDB4-004AE883C966}"/>
+          <p:cNvPr id="8" name="Picture 7">
+            <a:extLst>
+              <a:ext uri="{FF2B5EF4-FFF2-40B4-BE49-F238E27FC236}">
+                <a16:creationId xmlns:a16="http://schemas.microsoft.com/office/drawing/2014/main" id="{365F0950-465D-90FF-A915-CCCF08538CE0}"/>
               </a:ext>
             </a:extLst>
           </p:cNvPr>
@@ -6933,15 +10135,21 @@
           <p:nvPr/>
         </p:nvPicPr>
         <p:blipFill>
-          <a:blip r:embed="rId2"/>
+          <a:blip r:embed="rId2">
+            <a:extLst>
+              <a:ext uri="{28A0092B-C50C-407E-A947-70E740481C1C}">
+                <a14:useLocalDpi xmlns:a14="http://schemas.microsoft.com/office/drawing/2010/main" val="0"/>
+              </a:ext>
+            </a:extLst>
+          </a:blip>
           <a:stretch>
             <a:fillRect/>
           </a:stretch>
         </p:blipFill>
         <p:spPr>
           <a:xfrm>
-            <a:off x="3331029" y="3429000"/>
-            <a:ext cx="5312227" cy="3118239"/>
+            <a:off x="3205654" y="3582013"/>
+            <a:ext cx="4943377" cy="2710409"/>
           </a:xfrm>
           <a:prstGeom prst="rect">
             <a:avLst/>
@@ -6962,6 +10170,272 @@
 </file>
 
 <file path=ppt/slides/slide4.xml><?xml version="1.0" encoding="utf-8"?>
+<p:sld xmlns:a="http://schemas.openxmlformats.org/drawingml/2006/main" xmlns:r="http://schemas.openxmlformats.org/officeDocument/2006/relationships" xmlns:p="http://schemas.openxmlformats.org/presentationml/2006/main">
+  <p:cSld>
+    <p:spTree>
+      <p:nvGrpSpPr>
+        <p:cNvPr id="1" name=""/>
+        <p:cNvGrpSpPr/>
+        <p:nvPr/>
+      </p:nvGrpSpPr>
+      <p:grpSpPr>
+        <a:xfrm>
+          <a:off x="0" y="0"/>
+          <a:ext cx="0" cy="0"/>
+          <a:chOff x="0" y="0"/>
+          <a:chExt cx="0" cy="0"/>
+        </a:xfrm>
+      </p:grpSpPr>
+      <p:sp>
+        <p:nvSpPr>
+          <p:cNvPr id="2" name="Content Placeholder 1">
+            <a:extLst>
+              <a:ext uri="{FF2B5EF4-FFF2-40B4-BE49-F238E27FC236}">
+                <a16:creationId xmlns:a16="http://schemas.microsoft.com/office/drawing/2014/main" id="{626ABC5B-C45D-DFEA-7E76-16975F45D356}"/>
+              </a:ext>
+            </a:extLst>
+          </p:cNvPr>
+          <p:cNvSpPr>
+            <a:spLocks noGrp="1"/>
+          </p:cNvSpPr>
+          <p:nvPr>
+            <p:ph sz="quarter" idx="10"/>
+          </p:nvPr>
+        </p:nvSpPr>
+        <p:spPr>
+          <a:xfrm>
+            <a:off x="444499" y="1460499"/>
+            <a:ext cx="10118397" cy="5161018"/>
+          </a:xfrm>
+        </p:spPr>
+        <p:txBody>
+          <a:bodyPr>
+            <a:noAutofit/>
+          </a:bodyPr>
+          <a:lstStyle/>
+          <a:p>
+            <a:pPr marL="0" indent="0">
+              <a:buNone/>
+            </a:pPr>
+            <a:r>
+              <a:rPr lang="en-IL" sz="2400" dirty="0">
+                <a:solidFill>
+                  <a:schemeClr val="tx1"/>
+                </a:solidFill>
+                <a:effectLst/>
+                <a:latin typeface="Times New Roman" panose="02020603050405020304" pitchFamily="18" charset="0"/>
+                <a:ea typeface="Aptos" panose="020B0004020202020204" pitchFamily="34" charset="0"/>
+                <a:cs typeface="Times New Roman" panose="02020603050405020304" pitchFamily="18" charset="0"/>
+              </a:rPr>
+              <a:t>Every pixel is connected to a comparator that compares the pixel voltage to a voltage ramp. When the threshold voltage is reached, the digital part of the ADC samples the output of the pattern generator, using the current count value as the 12-bit digital output for the pixel</a:t>
+            </a:r>
+            <a:r>
+              <a:rPr lang="en-IL" sz="2400" dirty="0">
+                <a:solidFill>
+                  <a:schemeClr val="tx1"/>
+                </a:solidFill>
+                <a:latin typeface="Times New Roman" panose="02020603050405020304" pitchFamily="18" charset="0"/>
+                <a:ea typeface="Aptos" panose="020B0004020202020204" pitchFamily="34" charset="0"/>
+                <a:cs typeface="Times New Roman" panose="02020603050405020304" pitchFamily="18" charset="0"/>
+              </a:rPr>
+              <a:t>.</a:t>
+            </a:r>
+          </a:p>
+          <a:p>
+            <a:pPr marL="0" indent="0">
+              <a:buNone/>
+            </a:pPr>
+            <a:endParaRPr lang="en-IL" sz="2400" dirty="0">
+              <a:solidFill>
+                <a:schemeClr val="tx1"/>
+              </a:solidFill>
+              <a:latin typeface="Times New Roman" panose="02020603050405020304" pitchFamily="18" charset="0"/>
+              <a:cs typeface="Times New Roman" panose="02020603050405020304" pitchFamily="18" charset="0"/>
+            </a:endParaRPr>
+          </a:p>
+          <a:p>
+            <a:pPr marL="0" indent="0">
+              <a:buNone/>
+            </a:pPr>
+            <a:endParaRPr lang="en-IL" sz="2400" dirty="0">
+              <a:solidFill>
+                <a:schemeClr val="tx1"/>
+              </a:solidFill>
+              <a:latin typeface="Times New Roman" panose="02020603050405020304" pitchFamily="18" charset="0"/>
+              <a:cs typeface="Times New Roman" panose="02020603050405020304" pitchFamily="18" charset="0"/>
+            </a:endParaRPr>
+          </a:p>
+          <a:p>
+            <a:pPr marL="0" indent="0">
+              <a:buNone/>
+            </a:pPr>
+            <a:endParaRPr lang="en-IL" sz="2400" dirty="0">
+              <a:solidFill>
+                <a:schemeClr val="tx1"/>
+              </a:solidFill>
+              <a:latin typeface="Times New Roman" panose="02020603050405020304" pitchFamily="18" charset="0"/>
+              <a:cs typeface="Times New Roman" panose="02020603050405020304" pitchFamily="18" charset="0"/>
+            </a:endParaRPr>
+          </a:p>
+          <a:p>
+            <a:pPr marL="0" indent="0">
+              <a:buNone/>
+            </a:pPr>
+            <a:endParaRPr lang="en-US" sz="2400" kern="100" dirty="0">
+              <a:solidFill>
+                <a:schemeClr val="tx1"/>
+              </a:solidFill>
+              <a:effectLst/>
+              <a:latin typeface="Times New Roman" panose="02020603050405020304" pitchFamily="18" charset="0"/>
+              <a:ea typeface="Aptos" panose="020B0004020202020204" pitchFamily="34" charset="0"/>
+              <a:cs typeface="Times New Roman" panose="02020603050405020304" pitchFamily="18" charset="0"/>
+            </a:endParaRPr>
+          </a:p>
+          <a:p>
+            <a:pPr marL="0" indent="0">
+              <a:buNone/>
+            </a:pPr>
+            <a:endParaRPr lang="en-US" sz="2400" kern="100" dirty="0">
+              <a:solidFill>
+                <a:schemeClr val="tx1"/>
+              </a:solidFill>
+              <a:latin typeface="Times New Roman" panose="02020603050405020304" pitchFamily="18" charset="0"/>
+              <a:ea typeface="Aptos" panose="020B0004020202020204" pitchFamily="34" charset="0"/>
+              <a:cs typeface="Times New Roman" panose="02020603050405020304" pitchFamily="18" charset="0"/>
+            </a:endParaRPr>
+          </a:p>
+          <a:p>
+            <a:pPr marL="0" indent="0">
+              <a:buNone/>
+            </a:pPr>
+            <a:r>
+              <a:rPr lang="en-US" sz="2400" kern="100" dirty="0">
+                <a:solidFill>
+                  <a:schemeClr val="tx1"/>
+                </a:solidFill>
+                <a:effectLst/>
+                <a:latin typeface="Times New Roman" panose="02020603050405020304" pitchFamily="18" charset="0"/>
+                <a:ea typeface="Aptos" panose="020B0004020202020204" pitchFamily="34" charset="0"/>
+                <a:cs typeface="Times New Roman" panose="02020603050405020304" pitchFamily="18" charset="0"/>
+              </a:rPr>
+              <a:t>The goal of this project is to design Pattern Generator block of the camera's analog-to-digital converter.</a:t>
+            </a:r>
+            <a:endParaRPr lang="en-IL" sz="2400" kern="100" dirty="0">
+              <a:solidFill>
+                <a:schemeClr val="tx1"/>
+              </a:solidFill>
+              <a:effectLst/>
+              <a:latin typeface="Times New Roman" panose="02020603050405020304" pitchFamily="18" charset="0"/>
+              <a:ea typeface="Aptos" panose="020B0004020202020204" pitchFamily="34" charset="0"/>
+              <a:cs typeface="Times New Roman" panose="02020603050405020304" pitchFamily="18" charset="0"/>
+            </a:endParaRPr>
+          </a:p>
+          <a:p>
+            <a:pPr marL="0" indent="0">
+              <a:buNone/>
+            </a:pPr>
+            <a:endParaRPr lang="en-IL" sz="2400" dirty="0">
+              <a:solidFill>
+                <a:schemeClr val="tx1"/>
+              </a:solidFill>
+              <a:latin typeface="Times New Roman" panose="02020603050405020304" pitchFamily="18" charset="0"/>
+              <a:cs typeface="Times New Roman" panose="02020603050405020304" pitchFamily="18" charset="0"/>
+            </a:endParaRPr>
+          </a:p>
+        </p:txBody>
+      </p:sp>
+      <p:sp>
+        <p:nvSpPr>
+          <p:cNvPr id="3" name="Title 2">
+            <a:extLst>
+              <a:ext uri="{FF2B5EF4-FFF2-40B4-BE49-F238E27FC236}">
+                <a16:creationId xmlns:a16="http://schemas.microsoft.com/office/drawing/2014/main" id="{06E47864-6783-0714-3FE9-BB0D8EA0A265}"/>
+              </a:ext>
+            </a:extLst>
+          </p:cNvPr>
+          <p:cNvSpPr>
+            <a:spLocks noGrp="1"/>
+          </p:cNvSpPr>
+          <p:nvPr>
+            <p:ph type="title"/>
+          </p:nvPr>
+        </p:nvSpPr>
+        <p:spPr/>
+        <p:txBody>
+          <a:bodyPr/>
+          <a:lstStyle/>
+          <a:p>
+            <a:r>
+              <a:rPr lang="en-US" b="1" i="0" dirty="0">
+                <a:solidFill>
+                  <a:srgbClr val="242424"/>
+                </a:solidFill>
+                <a:effectLst/>
+                <a:highlight>
+                  <a:srgbClr val="FFFFFF"/>
+                </a:highlight>
+                <a:latin typeface="Times New Roman" panose="02020603050405020304" pitchFamily="18" charset="0"/>
+                <a:cs typeface="Times New Roman" panose="02020603050405020304" pitchFamily="18" charset="0"/>
+              </a:rPr>
+              <a:t>Background</a:t>
+            </a:r>
+            <a:endParaRPr lang="en-IL" dirty="0">
+              <a:latin typeface="Times New Roman" panose="02020603050405020304" pitchFamily="18" charset="0"/>
+              <a:cs typeface="Times New Roman" panose="02020603050405020304" pitchFamily="18" charset="0"/>
+            </a:endParaRPr>
+          </a:p>
+        </p:txBody>
+      </p:sp>
+      <p:pic>
+        <p:nvPicPr>
+          <p:cNvPr id="4" name="Picture 3">
+            <a:extLst>
+              <a:ext uri="{FF2B5EF4-FFF2-40B4-BE49-F238E27FC236}">
+                <a16:creationId xmlns:a16="http://schemas.microsoft.com/office/drawing/2014/main" id="{9B351257-43CF-169F-8745-09EE9862086C}"/>
+              </a:ext>
+            </a:extLst>
+          </p:cNvPr>
+          <p:cNvPicPr>
+            <a:picLocks noChangeAspect="1"/>
+          </p:cNvPicPr>
+          <p:nvPr/>
+        </p:nvPicPr>
+        <p:blipFill>
+          <a:blip r:embed="rId2">
+            <a:extLst>
+              <a:ext uri="{28A0092B-C50C-407E-A947-70E740481C1C}">
+                <a14:useLocalDpi xmlns:a14="http://schemas.microsoft.com/office/drawing/2010/main" val="0"/>
+              </a:ext>
+            </a:extLst>
+          </a:blip>
+          <a:stretch>
+            <a:fillRect/>
+          </a:stretch>
+        </p:blipFill>
+        <p:spPr>
+          <a:xfrm>
+            <a:off x="2427890" y="3050164"/>
+            <a:ext cx="5593036" cy="2514600"/>
+          </a:xfrm>
+          <a:prstGeom prst="rect">
+            <a:avLst/>
+          </a:prstGeom>
+        </p:spPr>
+      </p:pic>
+    </p:spTree>
+    <p:extLst>
+      <p:ext uri="{BB962C8B-B14F-4D97-AF65-F5344CB8AC3E}">
+        <p14:creationId xmlns:p14="http://schemas.microsoft.com/office/powerpoint/2010/main" val="866429948"/>
+      </p:ext>
+    </p:extLst>
+  </p:cSld>
+  <p:clrMapOvr>
+    <a:masterClrMapping/>
+  </p:clrMapOvr>
+</p:sld>
+</file>
+
+<file path=ppt/slides/slide5.xml><?xml version="1.0" encoding="utf-8"?>
 <p:sld xmlns:a="http://schemas.openxmlformats.org/drawingml/2006/main" xmlns:r="http://schemas.openxmlformats.org/officeDocument/2006/relationships" xmlns:p="http://schemas.openxmlformats.org/presentationml/2006/main">
   <p:cSld>
     <p:spTree>
@@ -7269,10 +10743,10 @@
       </p:sp>
       <p:pic>
         <p:nvPicPr>
-          <p:cNvPr id="5" name="Picture 4">
-            <a:extLst>
-              <a:ext uri="{FF2B5EF4-FFF2-40B4-BE49-F238E27FC236}">
-                <a16:creationId xmlns:a16="http://schemas.microsoft.com/office/drawing/2014/main" id="{24C9CCAE-610C-4766-8715-832239B49C47}"/>
+          <p:cNvPr id="2" name="Picture 1">
+            <a:extLst>
+              <a:ext uri="{FF2B5EF4-FFF2-40B4-BE49-F238E27FC236}">
+                <a16:creationId xmlns:a16="http://schemas.microsoft.com/office/drawing/2014/main" id="{5C4EB090-71D7-8286-8117-460C92AFB305}"/>
               </a:ext>
             </a:extLst>
           </p:cNvPr>
@@ -7289,8 +10763,8 @@
         </p:blipFill>
         <p:spPr>
           <a:xfrm>
-            <a:off x="1197428" y="4375151"/>
-            <a:ext cx="8730343" cy="1308100"/>
+            <a:off x="1355834" y="4479699"/>
+            <a:ext cx="8863617" cy="1739900"/>
           </a:xfrm>
           <a:prstGeom prst="rect">
             <a:avLst/>
@@ -7310,7 +10784,7 @@
 </p:sld>
 </file>
 
-<file path=ppt/slides/slide5.xml><?xml version="1.0" encoding="utf-8"?>
+<file path=ppt/slides/slide6.xml><?xml version="1.0" encoding="utf-8"?>
 <p:sld xmlns:a="http://schemas.openxmlformats.org/drawingml/2006/main" xmlns:r="http://schemas.openxmlformats.org/officeDocument/2006/relationships" xmlns:p="http://schemas.openxmlformats.org/presentationml/2006/main">
   <p:cSld>
     <p:spTree>
@@ -7668,7 +11142,7 @@
 </p:sld>
 </file>
 
-<file path=ppt/slides/slide6.xml><?xml version="1.0" encoding="utf-8"?>
+<file path=ppt/slides/slide7.xml><?xml version="1.0" encoding="utf-8"?>
 <p:sld xmlns:a="http://schemas.openxmlformats.org/drawingml/2006/main" xmlns:r="http://schemas.openxmlformats.org/officeDocument/2006/relationships" xmlns:p="http://schemas.openxmlformats.org/presentationml/2006/main">
   <p:cSld>
     <p:spTree>
@@ -8017,7 +11491,7 @@
 </p:sld>
 </file>
 
-<file path=ppt/slides/slide7.xml><?xml version="1.0" encoding="utf-8"?>
+<file path=ppt/slides/slide8.xml><?xml version="1.0" encoding="utf-8"?>
 <p:sld xmlns:a="http://schemas.openxmlformats.org/drawingml/2006/main" xmlns:r="http://schemas.openxmlformats.org/officeDocument/2006/relationships" xmlns:p="http://schemas.openxmlformats.org/presentationml/2006/main">
   <p:cSld>
     <p:spTree>
@@ -10739,7 +14213,7 @@
 </p:sld>
 </file>
 
-<file path=ppt/slides/slide8.xml><?xml version="1.0" encoding="utf-8"?>
+<file path=ppt/slides/slide9.xml><?xml version="1.0" encoding="utf-8"?>
 <p:sld xmlns:a="http://schemas.openxmlformats.org/drawingml/2006/main" xmlns:r="http://schemas.openxmlformats.org/officeDocument/2006/relationships" xmlns:p="http://schemas.openxmlformats.org/presentationml/2006/main">
   <p:cSld>
     <p:spTree>
@@ -11083,3140 +14557,6 @@
     <p:extLst>
       <p:ext uri="{BB962C8B-B14F-4D97-AF65-F5344CB8AC3E}">
         <p14:creationId xmlns:p14="http://schemas.microsoft.com/office/powerpoint/2010/main" val="3445958408"/>
-      </p:ext>
-    </p:extLst>
-  </p:cSld>
-  <p:clrMapOvr>
-    <a:masterClrMapping/>
-  </p:clrMapOvr>
-</p:sld>
-</file>
-
-<file path=ppt/slides/slide9.xml><?xml version="1.0" encoding="utf-8"?>
-<p:sld xmlns:a="http://schemas.openxmlformats.org/drawingml/2006/main" xmlns:r="http://schemas.openxmlformats.org/officeDocument/2006/relationships" xmlns:p="http://schemas.openxmlformats.org/presentationml/2006/main">
-  <p:cSld>
-    <p:spTree>
-      <p:nvGrpSpPr>
-        <p:cNvPr id="1" name=""/>
-        <p:cNvGrpSpPr/>
-        <p:nvPr/>
-      </p:nvGrpSpPr>
-      <p:grpSpPr>
-        <a:xfrm>
-          <a:off x="0" y="0"/>
-          <a:ext cx="0" cy="0"/>
-          <a:chOff x="0" y="0"/>
-          <a:chExt cx="0" cy="0"/>
-        </a:xfrm>
-      </p:grpSpPr>
-      <p:sp>
-        <p:nvSpPr>
-          <p:cNvPr id="4" name="Rectangle 3">
-            <a:extLst>
-              <a:ext uri="{FF2B5EF4-FFF2-40B4-BE49-F238E27FC236}">
-                <a16:creationId xmlns:a16="http://schemas.microsoft.com/office/drawing/2014/main" id="{C30DD1B7-905A-EA75-333C-4C305796C900}"/>
-              </a:ext>
-            </a:extLst>
-          </p:cNvPr>
-          <p:cNvSpPr/>
-          <p:nvPr/>
-        </p:nvSpPr>
-        <p:spPr>
-          <a:xfrm>
-            <a:off x="1187935" y="1382300"/>
-            <a:ext cx="1926895" cy="2707702"/>
-          </a:xfrm>
-          <a:prstGeom prst="rect">
-            <a:avLst/>
-          </a:prstGeom>
-          <a:noFill/>
-        </p:spPr>
-        <p:style>
-          <a:lnRef idx="2">
-            <a:schemeClr val="accent1">
-              <a:shade val="15000"/>
-            </a:schemeClr>
-          </a:lnRef>
-          <a:fillRef idx="1">
-            <a:schemeClr val="accent1"/>
-          </a:fillRef>
-          <a:effectRef idx="0">
-            <a:schemeClr val="accent1"/>
-          </a:effectRef>
-          <a:fontRef idx="minor">
-            <a:schemeClr val="lt1"/>
-          </a:fontRef>
-        </p:style>
-        <p:txBody>
-          <a:bodyPr rtlCol="0" anchor="ctr"/>
-          <a:lstStyle/>
-          <a:p>
-            <a:pPr algn="ctr"/>
-            <a:endParaRPr lang="en-IL" dirty="0"/>
-          </a:p>
-        </p:txBody>
-      </p:sp>
-      <p:sp>
-        <p:nvSpPr>
-          <p:cNvPr id="5" name="TextBox 4">
-            <a:extLst>
-              <a:ext uri="{FF2B5EF4-FFF2-40B4-BE49-F238E27FC236}">
-                <a16:creationId xmlns:a16="http://schemas.microsoft.com/office/drawing/2014/main" id="{ED743387-88DF-2286-6FB1-A4A5DE59ACF8}"/>
-              </a:ext>
-            </a:extLst>
-          </p:cNvPr>
-          <p:cNvSpPr txBox="1"/>
-          <p:nvPr/>
-        </p:nvSpPr>
-        <p:spPr>
-          <a:xfrm>
-            <a:off x="1626711" y="2557241"/>
-            <a:ext cx="933332" cy="369332"/>
-          </a:xfrm>
-          <a:prstGeom prst="rect">
-            <a:avLst/>
-          </a:prstGeom>
-          <a:noFill/>
-        </p:spPr>
-        <p:txBody>
-          <a:bodyPr wrap="none" rtlCol="0">
-            <a:spAutoFit/>
-          </a:bodyPr>
-          <a:lstStyle/>
-          <a:p>
-            <a:r>
-              <a:rPr lang="en-IL" dirty="0"/>
-              <a:t>Control</a:t>
-            </a:r>
-          </a:p>
-        </p:txBody>
-      </p:sp>
-      <p:sp>
-        <p:nvSpPr>
-          <p:cNvPr id="7" name="Rectangle 6">
-            <a:extLst>
-              <a:ext uri="{FF2B5EF4-FFF2-40B4-BE49-F238E27FC236}">
-                <a16:creationId xmlns:a16="http://schemas.microsoft.com/office/drawing/2014/main" id="{9230F2D7-8DB0-3261-CE24-F0560441C1D5}"/>
-              </a:ext>
-            </a:extLst>
-          </p:cNvPr>
-          <p:cNvSpPr/>
-          <p:nvPr/>
-        </p:nvSpPr>
-        <p:spPr>
-          <a:xfrm>
-            <a:off x="5307751" y="2532723"/>
-            <a:ext cx="2307726" cy="3593062"/>
-          </a:xfrm>
-          <a:prstGeom prst="rect">
-            <a:avLst/>
-          </a:prstGeom>
-          <a:noFill/>
-        </p:spPr>
-        <p:style>
-          <a:lnRef idx="2">
-            <a:schemeClr val="accent1">
-              <a:shade val="15000"/>
-            </a:schemeClr>
-          </a:lnRef>
-          <a:fillRef idx="1">
-            <a:schemeClr val="accent1"/>
-          </a:fillRef>
-          <a:effectRef idx="0">
-            <a:schemeClr val="accent1"/>
-          </a:effectRef>
-          <a:fontRef idx="minor">
-            <a:schemeClr val="lt1"/>
-          </a:fontRef>
-        </p:style>
-        <p:txBody>
-          <a:bodyPr rtlCol="0" anchor="ctr"/>
-          <a:lstStyle/>
-          <a:p>
-            <a:pPr algn="ctr"/>
-            <a:endParaRPr lang="en-IL" dirty="0"/>
-          </a:p>
-        </p:txBody>
-      </p:sp>
-      <p:sp>
-        <p:nvSpPr>
-          <p:cNvPr id="8" name="Rectangle 7">
-            <a:extLst>
-              <a:ext uri="{FF2B5EF4-FFF2-40B4-BE49-F238E27FC236}">
-                <a16:creationId xmlns:a16="http://schemas.microsoft.com/office/drawing/2014/main" id="{218C1F3D-3EDA-25D7-CFE7-9638492CBE52}"/>
-              </a:ext>
-            </a:extLst>
-          </p:cNvPr>
-          <p:cNvSpPr/>
-          <p:nvPr/>
-        </p:nvSpPr>
-        <p:spPr>
-          <a:xfrm>
-            <a:off x="8767786" y="2793395"/>
-            <a:ext cx="1365334" cy="879021"/>
-          </a:xfrm>
-          <a:prstGeom prst="rect">
-            <a:avLst/>
-          </a:prstGeom>
-          <a:noFill/>
-        </p:spPr>
-        <p:style>
-          <a:lnRef idx="2">
-            <a:schemeClr val="accent1">
-              <a:shade val="15000"/>
-            </a:schemeClr>
-          </a:lnRef>
-          <a:fillRef idx="1">
-            <a:schemeClr val="accent1"/>
-          </a:fillRef>
-          <a:effectRef idx="0">
-            <a:schemeClr val="accent1"/>
-          </a:effectRef>
-          <a:fontRef idx="minor">
-            <a:schemeClr val="lt1"/>
-          </a:fontRef>
-        </p:style>
-        <p:txBody>
-          <a:bodyPr rtlCol="0" anchor="ctr"/>
-          <a:lstStyle/>
-          <a:p>
-            <a:pPr algn="ctr"/>
-            <a:endParaRPr lang="en-IL" dirty="0"/>
-          </a:p>
-        </p:txBody>
-      </p:sp>
-      <p:sp>
-        <p:nvSpPr>
-          <p:cNvPr id="9" name="TextBox 8">
-            <a:extLst>
-              <a:ext uri="{FF2B5EF4-FFF2-40B4-BE49-F238E27FC236}">
-                <a16:creationId xmlns:a16="http://schemas.microsoft.com/office/drawing/2014/main" id="{B18B7FE9-A7F1-A38B-158F-F4ED56477044}"/>
-              </a:ext>
-            </a:extLst>
-          </p:cNvPr>
-          <p:cNvSpPr txBox="1"/>
-          <p:nvPr/>
-        </p:nvSpPr>
-        <p:spPr>
-          <a:xfrm>
-            <a:off x="8763131" y="3034505"/>
-            <a:ext cx="1397690" cy="369332"/>
-          </a:xfrm>
-          <a:prstGeom prst="rect">
-            <a:avLst/>
-          </a:prstGeom>
-          <a:noFill/>
-        </p:spPr>
-        <p:txBody>
-          <a:bodyPr wrap="none" rtlCol="0">
-            <a:spAutoFit/>
-          </a:bodyPr>
-          <a:lstStyle/>
-          <a:p>
-            <a:r>
-              <a:rPr lang="en-IL" dirty="0"/>
-              <a:t>Binary2Gray</a:t>
-            </a:r>
-          </a:p>
-        </p:txBody>
-      </p:sp>
-      <p:sp>
-        <p:nvSpPr>
-          <p:cNvPr id="10" name="Manual Operation 9">
-            <a:extLst>
-              <a:ext uri="{FF2B5EF4-FFF2-40B4-BE49-F238E27FC236}">
-                <a16:creationId xmlns:a16="http://schemas.microsoft.com/office/drawing/2014/main" id="{EBAE11F9-B2FC-3831-F0D6-B165B223CC46}"/>
-              </a:ext>
-            </a:extLst>
-          </p:cNvPr>
-          <p:cNvSpPr/>
-          <p:nvPr/>
-        </p:nvSpPr>
-        <p:spPr>
-          <a:xfrm rot="16200000">
-            <a:off x="9982083" y="3433901"/>
-            <a:ext cx="2212522" cy="800103"/>
-          </a:xfrm>
-          <a:prstGeom prst="flowChartManualOperation">
-            <a:avLst/>
-          </a:prstGeom>
-          <a:noFill/>
-        </p:spPr>
-        <p:style>
-          <a:lnRef idx="2">
-            <a:schemeClr val="accent1">
-              <a:shade val="15000"/>
-            </a:schemeClr>
-          </a:lnRef>
-          <a:fillRef idx="1">
-            <a:schemeClr val="accent1"/>
-          </a:fillRef>
-          <a:effectRef idx="0">
-            <a:schemeClr val="accent1"/>
-          </a:effectRef>
-          <a:fontRef idx="minor">
-            <a:schemeClr val="lt1"/>
-          </a:fontRef>
-        </p:style>
-        <p:txBody>
-          <a:bodyPr rtlCol="0" anchor="ctr"/>
-          <a:lstStyle/>
-          <a:p>
-            <a:pPr algn="ctr"/>
-            <a:endParaRPr lang="en-IL"/>
-          </a:p>
-        </p:txBody>
-      </p:sp>
-      <p:sp>
-        <p:nvSpPr>
-          <p:cNvPr id="12" name="TextBox 11">
-            <a:extLst>
-              <a:ext uri="{FF2B5EF4-FFF2-40B4-BE49-F238E27FC236}">
-                <a16:creationId xmlns:a16="http://schemas.microsoft.com/office/drawing/2014/main" id="{BA6E34D2-901A-1600-9E78-7C847F7255D2}"/>
-              </a:ext>
-            </a:extLst>
-          </p:cNvPr>
-          <p:cNvSpPr txBox="1"/>
-          <p:nvPr/>
-        </p:nvSpPr>
-        <p:spPr>
-          <a:xfrm>
-            <a:off x="5830427" y="4065057"/>
-            <a:ext cx="1424387" cy="461665"/>
-          </a:xfrm>
-          <a:prstGeom prst="rect">
-            <a:avLst/>
-          </a:prstGeom>
-          <a:noFill/>
-        </p:spPr>
-        <p:txBody>
-          <a:bodyPr wrap="square" rtlCol="0">
-            <a:spAutoFit/>
-          </a:bodyPr>
-          <a:lstStyle/>
-          <a:p>
-            <a:r>
-              <a:rPr lang="en-IL" sz="2400" dirty="0"/>
-              <a:t>Count</a:t>
-            </a:r>
-            <a:r>
-              <a:rPr lang="en-US" sz="2400" dirty="0"/>
-              <a:t>e</a:t>
-            </a:r>
-            <a:r>
-              <a:rPr lang="en-IL" sz="2400" dirty="0"/>
-              <a:t>r</a:t>
-            </a:r>
-          </a:p>
-        </p:txBody>
-      </p:sp>
-      <p:cxnSp>
-        <p:nvCxnSpPr>
-          <p:cNvPr id="14" name="Straight Connector 13">
-            <a:extLst>
-              <a:ext uri="{FF2B5EF4-FFF2-40B4-BE49-F238E27FC236}">
-                <a16:creationId xmlns:a16="http://schemas.microsoft.com/office/drawing/2014/main" id="{723E631B-BFEE-D3F7-74A9-A8E4B0893566}"/>
-              </a:ext>
-            </a:extLst>
-          </p:cNvPr>
-          <p:cNvCxnSpPr>
-            <a:cxnSpLocks/>
-          </p:cNvCxnSpPr>
-          <p:nvPr/>
-        </p:nvCxnSpPr>
-        <p:spPr>
-          <a:xfrm>
-            <a:off x="7620132" y="3830388"/>
-            <a:ext cx="587827" cy="0"/>
-          </a:xfrm>
-          <a:prstGeom prst="line">
-            <a:avLst/>
-          </a:prstGeom>
-        </p:spPr>
-        <p:style>
-          <a:lnRef idx="2">
-            <a:schemeClr val="accent1"/>
-          </a:lnRef>
-          <a:fillRef idx="0">
-            <a:schemeClr val="accent1"/>
-          </a:fillRef>
-          <a:effectRef idx="1">
-            <a:schemeClr val="accent1"/>
-          </a:effectRef>
-          <a:fontRef idx="minor">
-            <a:schemeClr val="tx1"/>
-          </a:fontRef>
-        </p:style>
-      </p:cxnSp>
-      <p:cxnSp>
-        <p:nvCxnSpPr>
-          <p:cNvPr id="18" name="Straight Connector 17">
-            <a:extLst>
-              <a:ext uri="{FF2B5EF4-FFF2-40B4-BE49-F238E27FC236}">
-                <a16:creationId xmlns:a16="http://schemas.microsoft.com/office/drawing/2014/main" id="{D8AD4C66-22BD-88EE-657A-F187B7B4AA7C}"/>
-              </a:ext>
-            </a:extLst>
-          </p:cNvPr>
-          <p:cNvCxnSpPr>
-            <a:cxnSpLocks/>
-          </p:cNvCxnSpPr>
-          <p:nvPr/>
-        </p:nvCxnSpPr>
-        <p:spPr>
-          <a:xfrm flipV="1">
-            <a:off x="8207959" y="3219171"/>
-            <a:ext cx="0" cy="1167775"/>
-          </a:xfrm>
-          <a:prstGeom prst="line">
-            <a:avLst/>
-          </a:prstGeom>
-        </p:spPr>
-        <p:style>
-          <a:lnRef idx="2">
-            <a:schemeClr val="accent1"/>
-          </a:lnRef>
-          <a:fillRef idx="0">
-            <a:schemeClr val="accent1"/>
-          </a:fillRef>
-          <a:effectRef idx="1">
-            <a:schemeClr val="accent1"/>
-          </a:effectRef>
-          <a:fontRef idx="minor">
-            <a:schemeClr val="tx1"/>
-          </a:fontRef>
-        </p:style>
-      </p:cxnSp>
-      <p:cxnSp>
-        <p:nvCxnSpPr>
-          <p:cNvPr id="19" name="Straight Connector 18">
-            <a:extLst>
-              <a:ext uri="{FF2B5EF4-FFF2-40B4-BE49-F238E27FC236}">
-                <a16:creationId xmlns:a16="http://schemas.microsoft.com/office/drawing/2014/main" id="{4F4E4943-C13C-302A-338C-570374284677}"/>
-              </a:ext>
-            </a:extLst>
-          </p:cNvPr>
-          <p:cNvCxnSpPr>
-            <a:cxnSpLocks/>
-            <a:endCxn id="9" idx="1"/>
-          </p:cNvCxnSpPr>
-          <p:nvPr/>
-        </p:nvCxnSpPr>
-        <p:spPr>
-          <a:xfrm>
-            <a:off x="8207959" y="3219171"/>
-            <a:ext cx="555172" cy="0"/>
-          </a:xfrm>
-          <a:prstGeom prst="line">
-            <a:avLst/>
-          </a:prstGeom>
-        </p:spPr>
-        <p:style>
-          <a:lnRef idx="2">
-            <a:schemeClr val="accent1"/>
-          </a:lnRef>
-          <a:fillRef idx="0">
-            <a:schemeClr val="accent1"/>
-          </a:fillRef>
-          <a:effectRef idx="1">
-            <a:schemeClr val="accent1"/>
-          </a:effectRef>
-          <a:fontRef idx="minor">
-            <a:schemeClr val="tx1"/>
-          </a:fontRef>
-        </p:style>
-      </p:cxnSp>
-      <p:cxnSp>
-        <p:nvCxnSpPr>
-          <p:cNvPr id="25" name="Straight Connector 24">
-            <a:extLst>
-              <a:ext uri="{FF2B5EF4-FFF2-40B4-BE49-F238E27FC236}">
-                <a16:creationId xmlns:a16="http://schemas.microsoft.com/office/drawing/2014/main" id="{6E5D32AD-A372-E22D-4C6F-1399DBFFAA6C}"/>
-              </a:ext>
-            </a:extLst>
-          </p:cNvPr>
-          <p:cNvCxnSpPr>
-            <a:cxnSpLocks/>
-          </p:cNvCxnSpPr>
-          <p:nvPr/>
-        </p:nvCxnSpPr>
-        <p:spPr>
-          <a:xfrm>
-            <a:off x="8207959" y="4386946"/>
-            <a:ext cx="2480333" cy="0"/>
-          </a:xfrm>
-          <a:prstGeom prst="line">
-            <a:avLst/>
-          </a:prstGeom>
-        </p:spPr>
-        <p:style>
-          <a:lnRef idx="2">
-            <a:schemeClr val="accent1"/>
-          </a:lnRef>
-          <a:fillRef idx="0">
-            <a:schemeClr val="accent1"/>
-          </a:fillRef>
-          <a:effectRef idx="1">
-            <a:schemeClr val="accent1"/>
-          </a:effectRef>
-          <a:fontRef idx="minor">
-            <a:schemeClr val="tx1"/>
-          </a:fontRef>
-        </p:style>
-      </p:cxnSp>
-      <p:cxnSp>
-        <p:nvCxnSpPr>
-          <p:cNvPr id="28" name="Straight Connector 27">
-            <a:extLst>
-              <a:ext uri="{FF2B5EF4-FFF2-40B4-BE49-F238E27FC236}">
-                <a16:creationId xmlns:a16="http://schemas.microsoft.com/office/drawing/2014/main" id="{ADA5E500-945C-6A3D-01E3-D1BA04555439}"/>
-              </a:ext>
-            </a:extLst>
-          </p:cNvPr>
-          <p:cNvCxnSpPr>
-            <a:cxnSpLocks/>
-          </p:cNvCxnSpPr>
-          <p:nvPr/>
-        </p:nvCxnSpPr>
-        <p:spPr>
-          <a:xfrm>
-            <a:off x="10133120" y="3232906"/>
-            <a:ext cx="555172" cy="0"/>
-          </a:xfrm>
-          <a:prstGeom prst="line">
-            <a:avLst/>
-          </a:prstGeom>
-        </p:spPr>
-        <p:style>
-          <a:lnRef idx="2">
-            <a:schemeClr val="accent1"/>
-          </a:lnRef>
-          <a:fillRef idx="0">
-            <a:schemeClr val="accent1"/>
-          </a:fillRef>
-          <a:effectRef idx="1">
-            <a:schemeClr val="accent1"/>
-          </a:effectRef>
-          <a:fontRef idx="minor">
-            <a:schemeClr val="tx1"/>
-          </a:fontRef>
-        </p:style>
-      </p:cxnSp>
-      <p:sp>
-        <p:nvSpPr>
-          <p:cNvPr id="32" name="TextBox 31">
-            <a:extLst>
-              <a:ext uri="{FF2B5EF4-FFF2-40B4-BE49-F238E27FC236}">
-                <a16:creationId xmlns:a16="http://schemas.microsoft.com/office/drawing/2014/main" id="{355F4A49-5A2B-3EFC-F28D-6AFB7403B8A7}"/>
-              </a:ext>
-            </a:extLst>
-          </p:cNvPr>
-          <p:cNvSpPr txBox="1"/>
-          <p:nvPr/>
-        </p:nvSpPr>
-        <p:spPr>
-          <a:xfrm>
-            <a:off x="3374504" y="5534874"/>
-            <a:ext cx="1556773" cy="369332"/>
-          </a:xfrm>
-          <a:prstGeom prst="rect">
-            <a:avLst/>
-          </a:prstGeom>
-          <a:noFill/>
-        </p:spPr>
-        <p:txBody>
-          <a:bodyPr wrap="square" rtlCol="0">
-            <a:spAutoFit/>
-          </a:bodyPr>
-          <a:lstStyle/>
-          <a:p>
-            <a:r>
-              <a:rPr lang="en-IL" dirty="0"/>
-              <a:t>[11:0]LoadVal</a:t>
-            </a:r>
-          </a:p>
-        </p:txBody>
-      </p:sp>
-      <p:sp>
-        <p:nvSpPr>
-          <p:cNvPr id="33" name="TextBox 32">
-            <a:extLst>
-              <a:ext uri="{FF2B5EF4-FFF2-40B4-BE49-F238E27FC236}">
-                <a16:creationId xmlns:a16="http://schemas.microsoft.com/office/drawing/2014/main" id="{C9794003-2E31-A22E-EF87-05FA607B320C}"/>
-              </a:ext>
-            </a:extLst>
-          </p:cNvPr>
-          <p:cNvSpPr txBox="1"/>
-          <p:nvPr/>
-        </p:nvSpPr>
-        <p:spPr>
-          <a:xfrm>
-            <a:off x="3547925" y="2811856"/>
-            <a:ext cx="1335622" cy="369332"/>
-          </a:xfrm>
-          <a:prstGeom prst="rect">
-            <a:avLst/>
-          </a:prstGeom>
-          <a:noFill/>
-        </p:spPr>
-        <p:txBody>
-          <a:bodyPr wrap="none" rtlCol="0">
-            <a:spAutoFit/>
-          </a:bodyPr>
-          <a:lstStyle/>
-          <a:p>
-            <a:r>
-              <a:rPr lang="en-IL" dirty="0"/>
-              <a:t>[2:0]X</a:t>
-            </a:r>
-            <a:r>
-              <a:rPr lang="en-US" dirty="0"/>
-              <a:t>mode</a:t>
-            </a:r>
-            <a:endParaRPr lang="en-IL" dirty="0"/>
-          </a:p>
-        </p:txBody>
-      </p:sp>
-      <p:sp>
-        <p:nvSpPr>
-          <p:cNvPr id="36" name="Rectangle 35">
-            <a:extLst>
-              <a:ext uri="{FF2B5EF4-FFF2-40B4-BE49-F238E27FC236}">
-                <a16:creationId xmlns:a16="http://schemas.microsoft.com/office/drawing/2014/main" id="{C2828A74-FEAA-5072-9B0D-294534A3B28D}"/>
-              </a:ext>
-            </a:extLst>
-          </p:cNvPr>
-          <p:cNvSpPr/>
-          <p:nvPr/>
-        </p:nvSpPr>
-        <p:spPr>
-          <a:xfrm>
-            <a:off x="4183846" y="1096363"/>
-            <a:ext cx="1061818" cy="744239"/>
-          </a:xfrm>
-          <a:prstGeom prst="rect">
-            <a:avLst/>
-          </a:prstGeom>
-          <a:noFill/>
-        </p:spPr>
-        <p:style>
-          <a:lnRef idx="2">
-            <a:schemeClr val="accent1">
-              <a:shade val="15000"/>
-            </a:schemeClr>
-          </a:lnRef>
-          <a:fillRef idx="1">
-            <a:schemeClr val="accent1"/>
-          </a:fillRef>
-          <a:effectRef idx="0">
-            <a:schemeClr val="accent1"/>
-          </a:effectRef>
-          <a:fontRef idx="minor">
-            <a:schemeClr val="lt1"/>
-          </a:fontRef>
-        </p:style>
-        <p:txBody>
-          <a:bodyPr rtlCol="0" anchor="ctr"/>
-          <a:lstStyle/>
-          <a:p>
-            <a:pPr algn="ctr"/>
-            <a:endParaRPr lang="en-IL" dirty="0"/>
-          </a:p>
-        </p:txBody>
-      </p:sp>
-      <p:sp>
-        <p:nvSpPr>
-          <p:cNvPr id="37" name="TextBox 36">
-            <a:extLst>
-              <a:ext uri="{FF2B5EF4-FFF2-40B4-BE49-F238E27FC236}">
-                <a16:creationId xmlns:a16="http://schemas.microsoft.com/office/drawing/2014/main" id="{566ED42D-682F-1020-4D43-2DB0C31E8AB8}"/>
-              </a:ext>
-            </a:extLst>
-          </p:cNvPr>
-          <p:cNvSpPr txBox="1"/>
-          <p:nvPr/>
-        </p:nvSpPr>
-        <p:spPr>
-          <a:xfrm>
-            <a:off x="4245531" y="1139582"/>
-            <a:ext cx="999441" cy="646331"/>
-          </a:xfrm>
-          <a:prstGeom prst="rect">
-            <a:avLst/>
-          </a:prstGeom>
-          <a:noFill/>
-        </p:spPr>
-        <p:txBody>
-          <a:bodyPr wrap="none" rtlCol="0">
-            <a:spAutoFit/>
-          </a:bodyPr>
-          <a:lstStyle/>
-          <a:p>
-            <a:r>
-              <a:rPr lang="en-IL" dirty="0"/>
-              <a:t>5bit</a:t>
-            </a:r>
-          </a:p>
-          <a:p>
-            <a:r>
-              <a:rPr lang="en-IL" dirty="0"/>
-              <a:t>Counter</a:t>
-            </a:r>
-          </a:p>
-        </p:txBody>
-      </p:sp>
-      <p:cxnSp>
-        <p:nvCxnSpPr>
-          <p:cNvPr id="39" name="Straight Arrow Connector 38">
-            <a:extLst>
-              <a:ext uri="{FF2B5EF4-FFF2-40B4-BE49-F238E27FC236}">
-                <a16:creationId xmlns:a16="http://schemas.microsoft.com/office/drawing/2014/main" id="{EEA415F8-62D6-2F1D-367D-C2DAA4CF4F71}"/>
-              </a:ext>
-            </a:extLst>
-          </p:cNvPr>
-          <p:cNvCxnSpPr>
-            <a:cxnSpLocks/>
-          </p:cNvCxnSpPr>
-          <p:nvPr/>
-        </p:nvCxnSpPr>
-        <p:spPr>
-          <a:xfrm>
-            <a:off x="3121881" y="1621976"/>
-            <a:ext cx="1060545" cy="0"/>
-          </a:xfrm>
-          <a:prstGeom prst="straightConnector1">
-            <a:avLst/>
-          </a:prstGeom>
-          <a:ln>
-            <a:tailEnd type="triangle"/>
-          </a:ln>
-        </p:spPr>
-        <p:style>
-          <a:lnRef idx="2">
-            <a:schemeClr val="accent1"/>
-          </a:lnRef>
-          <a:fillRef idx="0">
-            <a:schemeClr val="accent1"/>
-          </a:fillRef>
-          <a:effectRef idx="1">
-            <a:schemeClr val="accent1"/>
-          </a:effectRef>
-          <a:fontRef idx="minor">
-            <a:schemeClr val="tx1"/>
-          </a:fontRef>
-        </p:style>
-      </p:cxnSp>
-      <p:cxnSp>
-        <p:nvCxnSpPr>
-          <p:cNvPr id="41" name="Straight Arrow Connector 40">
-            <a:extLst>
-              <a:ext uri="{FF2B5EF4-FFF2-40B4-BE49-F238E27FC236}">
-                <a16:creationId xmlns:a16="http://schemas.microsoft.com/office/drawing/2014/main" id="{DDC8662C-FF75-D786-86E6-3E3045DE8AD8}"/>
-              </a:ext>
-            </a:extLst>
-          </p:cNvPr>
-          <p:cNvCxnSpPr>
-            <a:cxnSpLocks/>
-            <a:stCxn id="36" idx="1"/>
-          </p:cNvCxnSpPr>
-          <p:nvPr/>
-        </p:nvCxnSpPr>
-        <p:spPr>
-          <a:xfrm flipH="1">
-            <a:off x="3121881" y="1468483"/>
-            <a:ext cx="1061965" cy="0"/>
-          </a:xfrm>
-          <a:prstGeom prst="straightConnector1">
-            <a:avLst/>
-          </a:prstGeom>
-          <a:ln>
-            <a:tailEnd type="triangle"/>
-          </a:ln>
-        </p:spPr>
-        <p:style>
-          <a:lnRef idx="2">
-            <a:schemeClr val="accent1"/>
-          </a:lnRef>
-          <a:fillRef idx="0">
-            <a:schemeClr val="accent1"/>
-          </a:fillRef>
-          <a:effectRef idx="1">
-            <a:schemeClr val="accent1"/>
-          </a:effectRef>
-          <a:fontRef idx="minor">
-            <a:schemeClr val="tx1"/>
-          </a:fontRef>
-        </p:style>
-      </p:cxnSp>
-      <p:sp>
-        <p:nvSpPr>
-          <p:cNvPr id="49" name="TextBox 48">
-            <a:extLst>
-              <a:ext uri="{FF2B5EF4-FFF2-40B4-BE49-F238E27FC236}">
-                <a16:creationId xmlns:a16="http://schemas.microsoft.com/office/drawing/2014/main" id="{7AEB7CBF-06EC-971C-CD85-09C8DC901048}"/>
-              </a:ext>
-            </a:extLst>
-          </p:cNvPr>
-          <p:cNvSpPr txBox="1"/>
-          <p:nvPr/>
-        </p:nvSpPr>
-        <p:spPr>
-          <a:xfrm>
-            <a:off x="199339" y="3528093"/>
-            <a:ext cx="1041504" cy="369332"/>
-          </a:xfrm>
-          <a:prstGeom prst="rect">
-            <a:avLst/>
-          </a:prstGeom>
-          <a:noFill/>
-        </p:spPr>
-        <p:txBody>
-          <a:bodyPr wrap="none" rtlCol="0">
-            <a:spAutoFit/>
-          </a:bodyPr>
-          <a:lstStyle/>
-          <a:p>
-            <a:r>
-              <a:rPr lang="en-IL" dirty="0"/>
-              <a:t>[11:0]val</a:t>
-            </a:r>
-          </a:p>
-        </p:txBody>
-      </p:sp>
-      <p:sp>
-        <p:nvSpPr>
-          <p:cNvPr id="62" name="TextBox 61">
-            <a:extLst>
-              <a:ext uri="{FF2B5EF4-FFF2-40B4-BE49-F238E27FC236}">
-                <a16:creationId xmlns:a16="http://schemas.microsoft.com/office/drawing/2014/main" id="{947B4355-FF6E-FF57-A6FF-F4A263CE5571}"/>
-              </a:ext>
-            </a:extLst>
-          </p:cNvPr>
-          <p:cNvSpPr txBox="1"/>
-          <p:nvPr/>
-        </p:nvSpPr>
-        <p:spPr>
-          <a:xfrm>
-            <a:off x="2853101" y="4395479"/>
-            <a:ext cx="1054841" cy="369332"/>
-          </a:xfrm>
-          <a:prstGeom prst="rect">
-            <a:avLst/>
-          </a:prstGeom>
-          <a:noFill/>
-        </p:spPr>
-        <p:txBody>
-          <a:bodyPr wrap="none" rtlCol="0">
-            <a:spAutoFit/>
-          </a:bodyPr>
-          <a:lstStyle/>
-          <a:p>
-            <a:r>
-              <a:rPr lang="en-IL" dirty="0"/>
-              <a:t>NewLine</a:t>
-            </a:r>
-          </a:p>
-        </p:txBody>
-      </p:sp>
-      <p:cxnSp>
-        <p:nvCxnSpPr>
-          <p:cNvPr id="68" name="Straight Connector 67">
-            <a:extLst>
-              <a:ext uri="{FF2B5EF4-FFF2-40B4-BE49-F238E27FC236}">
-                <a16:creationId xmlns:a16="http://schemas.microsoft.com/office/drawing/2014/main" id="{D2688DF9-D6C2-5783-69B2-AEC48B09D1E1}"/>
-              </a:ext>
-            </a:extLst>
-          </p:cNvPr>
-          <p:cNvCxnSpPr>
-            <a:cxnSpLocks/>
-          </p:cNvCxnSpPr>
-          <p:nvPr/>
-        </p:nvCxnSpPr>
-        <p:spPr>
-          <a:xfrm flipH="1">
-            <a:off x="3114830" y="2122839"/>
-            <a:ext cx="7973514" cy="9461"/>
-          </a:xfrm>
-          <a:prstGeom prst="line">
-            <a:avLst/>
-          </a:prstGeom>
-        </p:spPr>
-        <p:style>
-          <a:lnRef idx="2">
-            <a:schemeClr val="accent1"/>
-          </a:lnRef>
-          <a:fillRef idx="0">
-            <a:schemeClr val="accent1"/>
-          </a:fillRef>
-          <a:effectRef idx="1">
-            <a:schemeClr val="accent1"/>
-          </a:effectRef>
-          <a:fontRef idx="minor">
-            <a:schemeClr val="tx1"/>
-          </a:fontRef>
-        </p:style>
-      </p:cxnSp>
-      <p:sp>
-        <p:nvSpPr>
-          <p:cNvPr id="74" name="TextBox 73">
-            <a:extLst>
-              <a:ext uri="{FF2B5EF4-FFF2-40B4-BE49-F238E27FC236}">
-                <a16:creationId xmlns:a16="http://schemas.microsoft.com/office/drawing/2014/main" id="{4D029AF5-1E35-8938-8D8F-A6D1276F5C87}"/>
-              </a:ext>
-            </a:extLst>
-          </p:cNvPr>
-          <p:cNvSpPr txBox="1"/>
-          <p:nvPr/>
-        </p:nvSpPr>
-        <p:spPr>
-          <a:xfrm>
-            <a:off x="402270" y="3227505"/>
-            <a:ext cx="859722" cy="369332"/>
-          </a:xfrm>
-          <a:prstGeom prst="rect">
-            <a:avLst/>
-          </a:prstGeom>
-          <a:noFill/>
-        </p:spPr>
-        <p:txBody>
-          <a:bodyPr wrap="square" rtlCol="0">
-            <a:spAutoFit/>
-          </a:bodyPr>
-          <a:lstStyle/>
-          <a:p>
-            <a:r>
-              <a:rPr lang="en-IL" dirty="0"/>
-              <a:t>[1:0]Y</a:t>
-            </a:r>
-          </a:p>
-        </p:txBody>
-      </p:sp>
-      <p:cxnSp>
-        <p:nvCxnSpPr>
-          <p:cNvPr id="76" name="Straight Connector 75">
-            <a:extLst>
-              <a:ext uri="{FF2B5EF4-FFF2-40B4-BE49-F238E27FC236}">
-                <a16:creationId xmlns:a16="http://schemas.microsoft.com/office/drawing/2014/main" id="{CBA6DEFB-4C12-E398-F76F-A6E31E192179}"/>
-              </a:ext>
-            </a:extLst>
-          </p:cNvPr>
-          <p:cNvCxnSpPr>
-            <a:cxnSpLocks/>
-          </p:cNvCxnSpPr>
-          <p:nvPr/>
-        </p:nvCxnSpPr>
-        <p:spPr>
-          <a:xfrm flipH="1">
-            <a:off x="370565" y="3526678"/>
-            <a:ext cx="817369" cy="0"/>
-          </a:xfrm>
-          <a:prstGeom prst="line">
-            <a:avLst/>
-          </a:prstGeom>
-        </p:spPr>
-        <p:style>
-          <a:lnRef idx="2">
-            <a:schemeClr val="accent1"/>
-          </a:lnRef>
-          <a:fillRef idx="0">
-            <a:schemeClr val="accent1"/>
-          </a:fillRef>
-          <a:effectRef idx="1">
-            <a:schemeClr val="accent1"/>
-          </a:effectRef>
-          <a:fontRef idx="minor">
-            <a:schemeClr val="tx1"/>
-          </a:fontRef>
-        </p:style>
-      </p:cxnSp>
-      <p:cxnSp>
-        <p:nvCxnSpPr>
-          <p:cNvPr id="103" name="Straight Arrow Connector 102">
-            <a:extLst>
-              <a:ext uri="{FF2B5EF4-FFF2-40B4-BE49-F238E27FC236}">
-                <a16:creationId xmlns:a16="http://schemas.microsoft.com/office/drawing/2014/main" id="{76EAB8EA-64C8-0E7F-7D60-CB4824BE346F}"/>
-              </a:ext>
-            </a:extLst>
-          </p:cNvPr>
-          <p:cNvCxnSpPr>
-            <a:cxnSpLocks/>
-          </p:cNvCxnSpPr>
-          <p:nvPr/>
-        </p:nvCxnSpPr>
-        <p:spPr>
-          <a:xfrm>
-            <a:off x="2827669" y="4111899"/>
-            <a:ext cx="0" cy="1022911"/>
-          </a:xfrm>
-          <a:prstGeom prst="straightConnector1">
-            <a:avLst/>
-          </a:prstGeom>
-          <a:ln>
-            <a:tailEnd type="triangle"/>
-          </a:ln>
-        </p:spPr>
-        <p:style>
-          <a:lnRef idx="2">
-            <a:schemeClr val="accent1"/>
-          </a:lnRef>
-          <a:fillRef idx="0">
-            <a:schemeClr val="accent1"/>
-          </a:fillRef>
-          <a:effectRef idx="1">
-            <a:schemeClr val="accent1"/>
-          </a:effectRef>
-          <a:fontRef idx="minor">
-            <a:schemeClr val="tx1"/>
-          </a:fontRef>
-        </p:style>
-      </p:cxnSp>
-      <p:cxnSp>
-        <p:nvCxnSpPr>
-          <p:cNvPr id="105" name="Straight Arrow Connector 104">
-            <a:extLst>
-              <a:ext uri="{FF2B5EF4-FFF2-40B4-BE49-F238E27FC236}">
-                <a16:creationId xmlns:a16="http://schemas.microsoft.com/office/drawing/2014/main" id="{E0B9EA86-1AA1-4237-8286-297321A723FD}"/>
-              </a:ext>
-            </a:extLst>
-          </p:cNvPr>
-          <p:cNvCxnSpPr>
-            <a:cxnSpLocks/>
-          </p:cNvCxnSpPr>
-          <p:nvPr/>
-        </p:nvCxnSpPr>
-        <p:spPr>
-          <a:xfrm>
-            <a:off x="2847271" y="4730016"/>
-            <a:ext cx="2455825" cy="0"/>
-          </a:xfrm>
-          <a:prstGeom prst="straightConnector1">
-            <a:avLst/>
-          </a:prstGeom>
-          <a:ln>
-            <a:tailEnd type="triangle"/>
-          </a:ln>
-        </p:spPr>
-        <p:style>
-          <a:lnRef idx="2">
-            <a:schemeClr val="accent1"/>
-          </a:lnRef>
-          <a:fillRef idx="0">
-            <a:schemeClr val="accent1"/>
-          </a:fillRef>
-          <a:effectRef idx="1">
-            <a:schemeClr val="accent1"/>
-          </a:effectRef>
-          <a:fontRef idx="minor">
-            <a:schemeClr val="tx1"/>
-          </a:fontRef>
-        </p:style>
-      </p:cxnSp>
-      <p:cxnSp>
-        <p:nvCxnSpPr>
-          <p:cNvPr id="120" name="Straight Arrow Connector 119">
-            <a:extLst>
-              <a:ext uri="{FF2B5EF4-FFF2-40B4-BE49-F238E27FC236}">
-                <a16:creationId xmlns:a16="http://schemas.microsoft.com/office/drawing/2014/main" id="{1E12805B-D4A8-E886-1B21-89C2E51C851E}"/>
-              </a:ext>
-            </a:extLst>
-          </p:cNvPr>
-          <p:cNvCxnSpPr>
-            <a:cxnSpLocks/>
-            <a:endCxn id="10" idx="3"/>
-          </p:cNvCxnSpPr>
-          <p:nvPr/>
-        </p:nvCxnSpPr>
-        <p:spPr>
-          <a:xfrm flipH="1">
-            <a:off x="11088345" y="2122839"/>
-            <a:ext cx="13505" cy="826105"/>
-          </a:xfrm>
-          <a:prstGeom prst="straightConnector1">
-            <a:avLst/>
-          </a:prstGeom>
-          <a:ln>
-            <a:tailEnd type="triangle"/>
-          </a:ln>
-        </p:spPr>
-        <p:style>
-          <a:lnRef idx="2">
-            <a:schemeClr val="accent1"/>
-          </a:lnRef>
-          <a:fillRef idx="0">
-            <a:schemeClr val="accent1"/>
-          </a:fillRef>
-          <a:effectRef idx="1">
-            <a:schemeClr val="accent1"/>
-          </a:effectRef>
-          <a:fontRef idx="minor">
-            <a:schemeClr val="tx1"/>
-          </a:fontRef>
-        </p:style>
-      </p:cxnSp>
-      <p:sp>
-        <p:nvSpPr>
-          <p:cNvPr id="122" name="TextBox 121">
-            <a:extLst>
-              <a:ext uri="{FF2B5EF4-FFF2-40B4-BE49-F238E27FC236}">
-                <a16:creationId xmlns:a16="http://schemas.microsoft.com/office/drawing/2014/main" id="{183B14B1-C2D6-F3B8-7625-882CFE405B7B}"/>
-              </a:ext>
-            </a:extLst>
-          </p:cNvPr>
-          <p:cNvSpPr txBox="1"/>
-          <p:nvPr/>
-        </p:nvSpPr>
-        <p:spPr>
-          <a:xfrm>
-            <a:off x="5369601" y="1796309"/>
-            <a:ext cx="1689437" cy="369332"/>
-          </a:xfrm>
-          <a:prstGeom prst="rect">
-            <a:avLst/>
-          </a:prstGeom>
-          <a:noFill/>
-        </p:spPr>
-        <p:txBody>
-          <a:bodyPr wrap="none" rtlCol="0">
-            <a:spAutoFit/>
-          </a:bodyPr>
-          <a:lstStyle/>
-          <a:p>
-            <a:r>
-              <a:rPr lang="en-IL" dirty="0"/>
-              <a:t>Binary_or_Gray</a:t>
-            </a:r>
-          </a:p>
-        </p:txBody>
-      </p:sp>
-      <p:sp>
-        <p:nvSpPr>
-          <p:cNvPr id="123" name="TextBox 122">
-            <a:extLst>
-              <a:ext uri="{FF2B5EF4-FFF2-40B4-BE49-F238E27FC236}">
-                <a16:creationId xmlns:a16="http://schemas.microsoft.com/office/drawing/2014/main" id="{693E84F3-AF80-4D37-8DC2-7D9BC6FABBF2}"/>
-              </a:ext>
-            </a:extLst>
-          </p:cNvPr>
-          <p:cNvSpPr txBox="1"/>
-          <p:nvPr/>
-        </p:nvSpPr>
-        <p:spPr>
-          <a:xfrm>
-            <a:off x="10727613" y="3528093"/>
-            <a:ext cx="612668" cy="369332"/>
-          </a:xfrm>
-          <a:prstGeom prst="rect">
-            <a:avLst/>
-          </a:prstGeom>
-          <a:noFill/>
-        </p:spPr>
-        <p:txBody>
-          <a:bodyPr wrap="none" rtlCol="0">
-            <a:spAutoFit/>
-          </a:bodyPr>
-          <a:lstStyle/>
-          <a:p>
-            <a:r>
-              <a:rPr lang="en-IL" dirty="0"/>
-              <a:t>mux</a:t>
-            </a:r>
-          </a:p>
-        </p:txBody>
-      </p:sp>
-      <p:cxnSp>
-        <p:nvCxnSpPr>
-          <p:cNvPr id="124" name="Straight Arrow Connector 123">
-            <a:extLst>
-              <a:ext uri="{FF2B5EF4-FFF2-40B4-BE49-F238E27FC236}">
-                <a16:creationId xmlns:a16="http://schemas.microsoft.com/office/drawing/2014/main" id="{D5C835F0-E218-6651-6815-6ED26738318C}"/>
-              </a:ext>
-            </a:extLst>
-          </p:cNvPr>
-          <p:cNvCxnSpPr>
-            <a:cxnSpLocks/>
-          </p:cNvCxnSpPr>
-          <p:nvPr/>
-        </p:nvCxnSpPr>
-        <p:spPr>
-          <a:xfrm>
-            <a:off x="3126496" y="3166402"/>
-            <a:ext cx="2174773" cy="0"/>
-          </a:xfrm>
-          <a:prstGeom prst="straightConnector1">
-            <a:avLst/>
-          </a:prstGeom>
-          <a:ln>
-            <a:tailEnd type="triangle"/>
-          </a:ln>
-        </p:spPr>
-        <p:style>
-          <a:lnRef idx="2">
-            <a:schemeClr val="accent1"/>
-          </a:lnRef>
-          <a:fillRef idx="0">
-            <a:schemeClr val="accent1"/>
-          </a:fillRef>
-          <a:effectRef idx="1">
-            <a:schemeClr val="accent1"/>
-          </a:effectRef>
-          <a:fontRef idx="minor">
-            <a:schemeClr val="tx1"/>
-          </a:fontRef>
-        </p:style>
-      </p:cxnSp>
-      <p:sp>
-        <p:nvSpPr>
-          <p:cNvPr id="136" name="TextBox 135">
-            <a:extLst>
-              <a:ext uri="{FF2B5EF4-FFF2-40B4-BE49-F238E27FC236}">
-                <a16:creationId xmlns:a16="http://schemas.microsoft.com/office/drawing/2014/main" id="{2265B46A-08AC-6BB2-72A7-619763772D63}"/>
-              </a:ext>
-            </a:extLst>
-          </p:cNvPr>
-          <p:cNvSpPr txBox="1"/>
-          <p:nvPr/>
-        </p:nvSpPr>
-        <p:spPr>
-          <a:xfrm>
-            <a:off x="4559825" y="4360684"/>
-            <a:ext cx="680571" cy="369332"/>
-          </a:xfrm>
-          <a:prstGeom prst="rect">
-            <a:avLst/>
-          </a:prstGeom>
-          <a:noFill/>
-        </p:spPr>
-        <p:txBody>
-          <a:bodyPr wrap="none" rtlCol="0">
-            <a:spAutoFit/>
-          </a:bodyPr>
-          <a:lstStyle/>
-          <a:p>
-            <a:r>
-              <a:rPr lang="en-IL" dirty="0"/>
-              <a:t>Load</a:t>
-            </a:r>
-          </a:p>
-        </p:txBody>
-      </p:sp>
-      <p:sp>
-        <p:nvSpPr>
-          <p:cNvPr id="138" name="TextBox 137">
-            <a:extLst>
-              <a:ext uri="{FF2B5EF4-FFF2-40B4-BE49-F238E27FC236}">
-                <a16:creationId xmlns:a16="http://schemas.microsoft.com/office/drawing/2014/main" id="{7A59A963-7E98-1753-50B9-1D63CF79FDA0}"/>
-              </a:ext>
-            </a:extLst>
-          </p:cNvPr>
-          <p:cNvSpPr txBox="1"/>
-          <p:nvPr/>
-        </p:nvSpPr>
-        <p:spPr>
-          <a:xfrm>
-            <a:off x="413669" y="2938805"/>
-            <a:ext cx="760144" cy="369332"/>
-          </a:xfrm>
-          <a:prstGeom prst="rect">
-            <a:avLst/>
-          </a:prstGeom>
-          <a:noFill/>
-        </p:spPr>
-        <p:txBody>
-          <a:bodyPr wrap="none" rtlCol="0">
-            <a:spAutoFit/>
-          </a:bodyPr>
-          <a:lstStyle/>
-          <a:p>
-            <a:r>
-              <a:rPr lang="en-IL" dirty="0"/>
-              <a:t>[1:0]X</a:t>
-            </a:r>
-          </a:p>
-        </p:txBody>
-      </p:sp>
-      <p:sp>
-        <p:nvSpPr>
-          <p:cNvPr id="139" name="TextBox 138">
-            <a:extLst>
-              <a:ext uri="{FF2B5EF4-FFF2-40B4-BE49-F238E27FC236}">
-                <a16:creationId xmlns:a16="http://schemas.microsoft.com/office/drawing/2014/main" id="{B4FEF383-31C7-1488-8212-C0DB7A9C6BDF}"/>
-              </a:ext>
-            </a:extLst>
-          </p:cNvPr>
-          <p:cNvSpPr txBox="1"/>
-          <p:nvPr/>
-        </p:nvSpPr>
-        <p:spPr>
-          <a:xfrm>
-            <a:off x="29071" y="2628834"/>
-            <a:ext cx="1207383" cy="369332"/>
-          </a:xfrm>
-          <a:prstGeom prst="rect">
-            <a:avLst/>
-          </a:prstGeom>
-          <a:noFill/>
-        </p:spPr>
-        <p:txBody>
-          <a:bodyPr wrap="none" rtlCol="0">
-            <a:spAutoFit/>
-          </a:bodyPr>
-          <a:lstStyle/>
-          <a:p>
-            <a:pPr marL="0" algn="r" defTabSz="914400" rtl="1" eaLnBrk="1" latinLnBrk="0" hangingPunct="1"/>
-            <a:r>
-              <a:rPr lang="en-US" dirty="0"/>
-              <a:t>[2:0]mode</a:t>
-            </a:r>
-            <a:endParaRPr lang="en-IL" dirty="0"/>
-          </a:p>
-        </p:txBody>
-      </p:sp>
-      <p:sp>
-        <p:nvSpPr>
-          <p:cNvPr id="140" name="TextBox 139">
-            <a:extLst>
-              <a:ext uri="{FF2B5EF4-FFF2-40B4-BE49-F238E27FC236}">
-                <a16:creationId xmlns:a16="http://schemas.microsoft.com/office/drawing/2014/main" id="{373A4649-0EE0-45EA-B81F-3FACAE38839F}"/>
-              </a:ext>
-            </a:extLst>
-          </p:cNvPr>
-          <p:cNvSpPr txBox="1"/>
-          <p:nvPr/>
-        </p:nvSpPr>
-        <p:spPr>
-          <a:xfrm>
-            <a:off x="574297" y="1611639"/>
-            <a:ext cx="478016" cy="369332"/>
-          </a:xfrm>
-          <a:prstGeom prst="rect">
-            <a:avLst/>
-          </a:prstGeom>
-          <a:noFill/>
-        </p:spPr>
-        <p:txBody>
-          <a:bodyPr wrap="none" rtlCol="0">
-            <a:spAutoFit/>
-          </a:bodyPr>
-          <a:lstStyle/>
-          <a:p>
-            <a:r>
-              <a:rPr lang="en-IL" dirty="0"/>
-              <a:t>clk</a:t>
-            </a:r>
-          </a:p>
-        </p:txBody>
-      </p:sp>
-      <p:sp>
-        <p:nvSpPr>
-          <p:cNvPr id="141" name="TextBox 140">
-            <a:extLst>
-              <a:ext uri="{FF2B5EF4-FFF2-40B4-BE49-F238E27FC236}">
-                <a16:creationId xmlns:a16="http://schemas.microsoft.com/office/drawing/2014/main" id="{D020C8BE-B857-5A20-87E4-BCBD3FFAFF24}"/>
-              </a:ext>
-            </a:extLst>
-          </p:cNvPr>
-          <p:cNvSpPr txBox="1"/>
-          <p:nvPr/>
-        </p:nvSpPr>
-        <p:spPr>
-          <a:xfrm>
-            <a:off x="385056" y="1284387"/>
-            <a:ext cx="689676" cy="369332"/>
-          </a:xfrm>
-          <a:prstGeom prst="rect">
-            <a:avLst/>
-          </a:prstGeom>
-          <a:noFill/>
-        </p:spPr>
-        <p:txBody>
-          <a:bodyPr wrap="none" rtlCol="0">
-            <a:spAutoFit/>
-          </a:bodyPr>
-          <a:lstStyle/>
-          <a:p>
-            <a:r>
-              <a:rPr lang="en-IL" dirty="0"/>
-              <a:t>reset</a:t>
-            </a:r>
-          </a:p>
-        </p:txBody>
-      </p:sp>
-      <p:sp>
-        <p:nvSpPr>
-          <p:cNvPr id="142" name="TextBox 141">
-            <a:extLst>
-              <a:ext uri="{FF2B5EF4-FFF2-40B4-BE49-F238E27FC236}">
-                <a16:creationId xmlns:a16="http://schemas.microsoft.com/office/drawing/2014/main" id="{8FFBAC0A-0637-C781-6DCC-27AA447248FE}"/>
-              </a:ext>
-            </a:extLst>
-          </p:cNvPr>
-          <p:cNvSpPr txBox="1"/>
-          <p:nvPr/>
-        </p:nvSpPr>
-        <p:spPr>
-          <a:xfrm>
-            <a:off x="446571" y="1936245"/>
-            <a:ext cx="667747" cy="369332"/>
-          </a:xfrm>
-          <a:prstGeom prst="rect">
-            <a:avLst/>
-          </a:prstGeom>
-          <a:noFill/>
-        </p:spPr>
-        <p:txBody>
-          <a:bodyPr wrap="none" rtlCol="0">
-            <a:spAutoFit/>
-          </a:bodyPr>
-          <a:lstStyle/>
-          <a:p>
-            <a:r>
-              <a:rPr lang="en-IL" dirty="0"/>
-              <a:t>Sync</a:t>
-            </a:r>
-          </a:p>
-        </p:txBody>
-      </p:sp>
-      <p:sp>
-        <p:nvSpPr>
-          <p:cNvPr id="143" name="TextBox 142">
-            <a:extLst>
-              <a:ext uri="{FF2B5EF4-FFF2-40B4-BE49-F238E27FC236}">
-                <a16:creationId xmlns:a16="http://schemas.microsoft.com/office/drawing/2014/main" id="{17FF79B2-A520-8342-ADA8-6519C5BA26F0}"/>
-              </a:ext>
-            </a:extLst>
-          </p:cNvPr>
-          <p:cNvSpPr txBox="1"/>
-          <p:nvPr/>
-        </p:nvSpPr>
-        <p:spPr>
-          <a:xfrm>
-            <a:off x="317759" y="2273171"/>
-            <a:ext cx="842475" cy="369332"/>
-          </a:xfrm>
-          <a:prstGeom prst="rect">
-            <a:avLst/>
-          </a:prstGeom>
-          <a:noFill/>
-        </p:spPr>
-        <p:txBody>
-          <a:bodyPr wrap="none" rtlCol="0">
-            <a:spAutoFit/>
-          </a:bodyPr>
-          <a:lstStyle/>
-          <a:p>
-            <a:r>
-              <a:rPr lang="en-US" dirty="0"/>
-              <a:t>f</a:t>
-            </a:r>
-            <a:r>
-              <a:rPr lang="en-IL" dirty="0"/>
-              <a:t>_Sync</a:t>
-            </a:r>
-          </a:p>
-        </p:txBody>
-      </p:sp>
-      <p:sp>
-        <p:nvSpPr>
-          <p:cNvPr id="146" name="TextBox 145">
-            <a:extLst>
-              <a:ext uri="{FF2B5EF4-FFF2-40B4-BE49-F238E27FC236}">
-                <a16:creationId xmlns:a16="http://schemas.microsoft.com/office/drawing/2014/main" id="{B262BC42-A58C-FA75-5E72-F08E14962D8C}"/>
-              </a:ext>
-            </a:extLst>
-          </p:cNvPr>
-          <p:cNvSpPr txBox="1"/>
-          <p:nvPr/>
-        </p:nvSpPr>
-        <p:spPr>
-          <a:xfrm>
-            <a:off x="3154416" y="1600741"/>
-            <a:ext cx="1054841" cy="369332"/>
-          </a:xfrm>
-          <a:prstGeom prst="rect">
-            <a:avLst/>
-          </a:prstGeom>
-          <a:noFill/>
-        </p:spPr>
-        <p:txBody>
-          <a:bodyPr wrap="none" rtlCol="0">
-            <a:spAutoFit/>
-          </a:bodyPr>
-          <a:lstStyle/>
-          <a:p>
-            <a:r>
-              <a:rPr lang="en-IL" dirty="0"/>
-              <a:t>NewLine</a:t>
-            </a:r>
-          </a:p>
-        </p:txBody>
-      </p:sp>
-      <p:sp>
-        <p:nvSpPr>
-          <p:cNvPr id="147" name="TextBox 146">
-            <a:extLst>
-              <a:ext uri="{FF2B5EF4-FFF2-40B4-BE49-F238E27FC236}">
-                <a16:creationId xmlns:a16="http://schemas.microsoft.com/office/drawing/2014/main" id="{2BD37C44-E5CB-55F8-A371-AD3346F5ED9D}"/>
-              </a:ext>
-            </a:extLst>
-          </p:cNvPr>
-          <p:cNvSpPr txBox="1"/>
-          <p:nvPr/>
-        </p:nvSpPr>
-        <p:spPr>
-          <a:xfrm>
-            <a:off x="3043855" y="1109977"/>
-            <a:ext cx="1201676" cy="369332"/>
-          </a:xfrm>
-          <a:prstGeom prst="rect">
-            <a:avLst/>
-          </a:prstGeom>
-          <a:noFill/>
-        </p:spPr>
-        <p:txBody>
-          <a:bodyPr wrap="none" rtlCol="0">
-            <a:spAutoFit/>
-          </a:bodyPr>
-          <a:lstStyle/>
-          <a:p>
-            <a:r>
-              <a:rPr lang="en-US" dirty="0" err="1"/>
-              <a:t>EndFrame</a:t>
-            </a:r>
-            <a:endParaRPr lang="en-IL" dirty="0"/>
-          </a:p>
-        </p:txBody>
-      </p:sp>
-      <p:cxnSp>
-        <p:nvCxnSpPr>
-          <p:cNvPr id="2" name="Straight Connector 1">
-            <a:extLst>
-              <a:ext uri="{FF2B5EF4-FFF2-40B4-BE49-F238E27FC236}">
-                <a16:creationId xmlns:a16="http://schemas.microsoft.com/office/drawing/2014/main" id="{F68E3333-1A27-B65E-A685-C5C55DCFE33D}"/>
-              </a:ext>
-            </a:extLst>
-          </p:cNvPr>
-          <p:cNvCxnSpPr>
-            <a:cxnSpLocks/>
-          </p:cNvCxnSpPr>
-          <p:nvPr/>
-        </p:nvCxnSpPr>
-        <p:spPr>
-          <a:xfrm flipH="1">
-            <a:off x="370566" y="3266831"/>
-            <a:ext cx="817369" cy="0"/>
-          </a:xfrm>
-          <a:prstGeom prst="line">
-            <a:avLst/>
-          </a:prstGeom>
-        </p:spPr>
-        <p:style>
-          <a:lnRef idx="2">
-            <a:schemeClr val="accent1"/>
-          </a:lnRef>
-          <a:fillRef idx="0">
-            <a:schemeClr val="accent1"/>
-          </a:fillRef>
-          <a:effectRef idx="1">
-            <a:schemeClr val="accent1"/>
-          </a:effectRef>
-          <a:fontRef idx="minor">
-            <a:schemeClr val="tx1"/>
-          </a:fontRef>
-        </p:style>
-      </p:cxnSp>
-      <p:cxnSp>
-        <p:nvCxnSpPr>
-          <p:cNvPr id="3" name="Straight Connector 2">
-            <a:extLst>
-              <a:ext uri="{FF2B5EF4-FFF2-40B4-BE49-F238E27FC236}">
-                <a16:creationId xmlns:a16="http://schemas.microsoft.com/office/drawing/2014/main" id="{0727E740-4BBD-42E4-B969-46805A58E9CB}"/>
-              </a:ext>
-            </a:extLst>
-          </p:cNvPr>
-          <p:cNvCxnSpPr>
-            <a:cxnSpLocks/>
-          </p:cNvCxnSpPr>
-          <p:nvPr/>
-        </p:nvCxnSpPr>
-        <p:spPr>
-          <a:xfrm flipH="1">
-            <a:off x="370566" y="2938805"/>
-            <a:ext cx="817369" cy="0"/>
-          </a:xfrm>
-          <a:prstGeom prst="line">
-            <a:avLst/>
-          </a:prstGeom>
-        </p:spPr>
-        <p:style>
-          <a:lnRef idx="2">
-            <a:schemeClr val="accent1"/>
-          </a:lnRef>
-          <a:fillRef idx="0">
-            <a:schemeClr val="accent1"/>
-          </a:fillRef>
-          <a:effectRef idx="1">
-            <a:schemeClr val="accent1"/>
-          </a:effectRef>
-          <a:fontRef idx="minor">
-            <a:schemeClr val="tx1"/>
-          </a:fontRef>
-        </p:style>
-      </p:cxnSp>
-      <p:cxnSp>
-        <p:nvCxnSpPr>
-          <p:cNvPr id="11" name="Straight Connector 10">
-            <a:extLst>
-              <a:ext uri="{FF2B5EF4-FFF2-40B4-BE49-F238E27FC236}">
-                <a16:creationId xmlns:a16="http://schemas.microsoft.com/office/drawing/2014/main" id="{C1FE7D96-DDC7-0B2E-BED0-F327D8615C81}"/>
-              </a:ext>
-            </a:extLst>
-          </p:cNvPr>
-          <p:cNvCxnSpPr>
-            <a:cxnSpLocks/>
-          </p:cNvCxnSpPr>
-          <p:nvPr/>
-        </p:nvCxnSpPr>
-        <p:spPr>
-          <a:xfrm flipH="1">
-            <a:off x="385056" y="2611942"/>
-            <a:ext cx="817369" cy="0"/>
-          </a:xfrm>
-          <a:prstGeom prst="line">
-            <a:avLst/>
-          </a:prstGeom>
-        </p:spPr>
-        <p:style>
-          <a:lnRef idx="2">
-            <a:schemeClr val="accent1"/>
-          </a:lnRef>
-          <a:fillRef idx="0">
-            <a:schemeClr val="accent1"/>
-          </a:fillRef>
-          <a:effectRef idx="1">
-            <a:schemeClr val="accent1"/>
-          </a:effectRef>
-          <a:fontRef idx="minor">
-            <a:schemeClr val="tx1"/>
-          </a:fontRef>
-        </p:style>
-      </p:cxnSp>
-      <p:cxnSp>
-        <p:nvCxnSpPr>
-          <p:cNvPr id="13" name="Straight Connector 12">
-            <a:extLst>
-              <a:ext uri="{FF2B5EF4-FFF2-40B4-BE49-F238E27FC236}">
-                <a16:creationId xmlns:a16="http://schemas.microsoft.com/office/drawing/2014/main" id="{7936B73A-B44D-B8FE-CDEC-496956B99E8B}"/>
-              </a:ext>
-            </a:extLst>
-          </p:cNvPr>
-          <p:cNvCxnSpPr>
-            <a:cxnSpLocks/>
-          </p:cNvCxnSpPr>
-          <p:nvPr/>
-        </p:nvCxnSpPr>
-        <p:spPr>
-          <a:xfrm flipH="1">
-            <a:off x="370566" y="2297094"/>
-            <a:ext cx="817369" cy="0"/>
-          </a:xfrm>
-          <a:prstGeom prst="line">
-            <a:avLst/>
-          </a:prstGeom>
-        </p:spPr>
-        <p:style>
-          <a:lnRef idx="2">
-            <a:schemeClr val="accent1"/>
-          </a:lnRef>
-          <a:fillRef idx="0">
-            <a:schemeClr val="accent1"/>
-          </a:fillRef>
-          <a:effectRef idx="1">
-            <a:schemeClr val="accent1"/>
-          </a:effectRef>
-          <a:fontRef idx="minor">
-            <a:schemeClr val="tx1"/>
-          </a:fontRef>
-        </p:style>
-      </p:cxnSp>
-      <p:cxnSp>
-        <p:nvCxnSpPr>
-          <p:cNvPr id="15" name="Straight Connector 14">
-            <a:extLst>
-              <a:ext uri="{FF2B5EF4-FFF2-40B4-BE49-F238E27FC236}">
-                <a16:creationId xmlns:a16="http://schemas.microsoft.com/office/drawing/2014/main" id="{FBAD5805-AFF0-3D7D-D9E4-79462654BE34}"/>
-              </a:ext>
-            </a:extLst>
-          </p:cNvPr>
-          <p:cNvCxnSpPr>
-            <a:cxnSpLocks/>
-          </p:cNvCxnSpPr>
-          <p:nvPr/>
-        </p:nvCxnSpPr>
-        <p:spPr>
-          <a:xfrm flipH="1">
-            <a:off x="356444" y="1968566"/>
-            <a:ext cx="817369" cy="0"/>
-          </a:xfrm>
-          <a:prstGeom prst="line">
-            <a:avLst/>
-          </a:prstGeom>
-        </p:spPr>
-        <p:style>
-          <a:lnRef idx="2">
-            <a:schemeClr val="accent1"/>
-          </a:lnRef>
-          <a:fillRef idx="0">
-            <a:schemeClr val="accent1"/>
-          </a:fillRef>
-          <a:effectRef idx="1">
-            <a:schemeClr val="accent1"/>
-          </a:effectRef>
-          <a:fontRef idx="minor">
-            <a:schemeClr val="tx1"/>
-          </a:fontRef>
-        </p:style>
-      </p:cxnSp>
-      <p:cxnSp>
-        <p:nvCxnSpPr>
-          <p:cNvPr id="16" name="Straight Connector 15">
-            <a:extLst>
-              <a:ext uri="{FF2B5EF4-FFF2-40B4-BE49-F238E27FC236}">
-                <a16:creationId xmlns:a16="http://schemas.microsoft.com/office/drawing/2014/main" id="{291BC70F-7EA3-558D-1BF6-EC16CBFFF7CF}"/>
-              </a:ext>
-            </a:extLst>
-          </p:cNvPr>
-          <p:cNvCxnSpPr>
-            <a:cxnSpLocks/>
-          </p:cNvCxnSpPr>
-          <p:nvPr/>
-        </p:nvCxnSpPr>
-        <p:spPr>
-          <a:xfrm flipH="1">
-            <a:off x="356444" y="1633074"/>
-            <a:ext cx="817369" cy="0"/>
-          </a:xfrm>
-          <a:prstGeom prst="line">
-            <a:avLst/>
-          </a:prstGeom>
-        </p:spPr>
-        <p:style>
-          <a:lnRef idx="2">
-            <a:schemeClr val="accent1"/>
-          </a:lnRef>
-          <a:fillRef idx="0">
-            <a:schemeClr val="accent1"/>
-          </a:fillRef>
-          <a:effectRef idx="1">
-            <a:schemeClr val="accent1"/>
-          </a:effectRef>
-          <a:fontRef idx="minor">
-            <a:schemeClr val="tx1"/>
-          </a:fontRef>
-        </p:style>
-      </p:cxnSp>
-      <p:cxnSp>
-        <p:nvCxnSpPr>
-          <p:cNvPr id="47" name="Straight Connector 46">
-            <a:extLst>
-              <a:ext uri="{FF2B5EF4-FFF2-40B4-BE49-F238E27FC236}">
-                <a16:creationId xmlns:a16="http://schemas.microsoft.com/office/drawing/2014/main" id="{4BB4AD11-0EA5-5892-9BAF-43926E7D9AD3}"/>
-              </a:ext>
-            </a:extLst>
-          </p:cNvPr>
-          <p:cNvCxnSpPr>
-            <a:cxnSpLocks/>
-          </p:cNvCxnSpPr>
-          <p:nvPr/>
-        </p:nvCxnSpPr>
-        <p:spPr>
-          <a:xfrm flipH="1">
-            <a:off x="356444" y="3887403"/>
-            <a:ext cx="817369" cy="0"/>
-          </a:xfrm>
-          <a:prstGeom prst="line">
-            <a:avLst/>
-          </a:prstGeom>
-        </p:spPr>
-        <p:style>
-          <a:lnRef idx="2">
-            <a:schemeClr val="accent1"/>
-          </a:lnRef>
-          <a:fillRef idx="0">
-            <a:schemeClr val="accent1"/>
-          </a:fillRef>
-          <a:effectRef idx="1">
-            <a:schemeClr val="accent1"/>
-          </a:effectRef>
-          <a:fontRef idx="minor">
-            <a:schemeClr val="tx1"/>
-          </a:fontRef>
-        </p:style>
-      </p:cxnSp>
-      <p:sp>
-        <p:nvSpPr>
-          <p:cNvPr id="54" name="Rectangle 53">
-            <a:extLst>
-              <a:ext uri="{FF2B5EF4-FFF2-40B4-BE49-F238E27FC236}">
-                <a16:creationId xmlns:a16="http://schemas.microsoft.com/office/drawing/2014/main" id="{BBFCABB8-9AA2-D165-4B54-376687CC6999}"/>
-              </a:ext>
-            </a:extLst>
-          </p:cNvPr>
-          <p:cNvSpPr/>
-          <p:nvPr/>
-        </p:nvSpPr>
-        <p:spPr>
-          <a:xfrm>
-            <a:off x="1064800" y="5106490"/>
-            <a:ext cx="2089614" cy="1536219"/>
-          </a:xfrm>
-          <a:prstGeom prst="rect">
-            <a:avLst/>
-          </a:prstGeom>
-          <a:noFill/>
-        </p:spPr>
-        <p:style>
-          <a:lnRef idx="2">
-            <a:schemeClr val="accent1">
-              <a:shade val="15000"/>
-            </a:schemeClr>
-          </a:lnRef>
-          <a:fillRef idx="1">
-            <a:schemeClr val="accent1"/>
-          </a:fillRef>
-          <a:effectRef idx="0">
-            <a:schemeClr val="accent1"/>
-          </a:effectRef>
-          <a:fontRef idx="minor">
-            <a:schemeClr val="lt1"/>
-          </a:fontRef>
-        </p:style>
-        <p:txBody>
-          <a:bodyPr rtlCol="0" anchor="ctr"/>
-          <a:lstStyle/>
-          <a:p>
-            <a:pPr algn="ctr"/>
-            <a:endParaRPr lang="en-IL" dirty="0"/>
-          </a:p>
-        </p:txBody>
-      </p:sp>
-      <p:cxnSp>
-        <p:nvCxnSpPr>
-          <p:cNvPr id="66" name="Straight Arrow Connector 65">
-            <a:extLst>
-              <a:ext uri="{FF2B5EF4-FFF2-40B4-BE49-F238E27FC236}">
-                <a16:creationId xmlns:a16="http://schemas.microsoft.com/office/drawing/2014/main" id="{C265AC12-3E23-5D8B-5670-CCC9CA5E3FF9}"/>
-              </a:ext>
-            </a:extLst>
-          </p:cNvPr>
-          <p:cNvCxnSpPr>
-            <a:cxnSpLocks/>
-          </p:cNvCxnSpPr>
-          <p:nvPr/>
-        </p:nvCxnSpPr>
-        <p:spPr>
-          <a:xfrm>
-            <a:off x="1885210" y="4101013"/>
-            <a:ext cx="0" cy="1022911"/>
-          </a:xfrm>
-          <a:prstGeom prst="straightConnector1">
-            <a:avLst/>
-          </a:prstGeom>
-          <a:ln>
-            <a:tailEnd type="triangle"/>
-          </a:ln>
-        </p:spPr>
-        <p:style>
-          <a:lnRef idx="2">
-            <a:schemeClr val="accent1"/>
-          </a:lnRef>
-          <a:fillRef idx="0">
-            <a:schemeClr val="accent1"/>
-          </a:fillRef>
-          <a:effectRef idx="1">
-            <a:schemeClr val="accent1"/>
-          </a:effectRef>
-          <a:fontRef idx="minor">
-            <a:schemeClr val="tx1"/>
-          </a:fontRef>
-        </p:style>
-      </p:cxnSp>
-      <p:cxnSp>
-        <p:nvCxnSpPr>
-          <p:cNvPr id="67" name="Straight Arrow Connector 66">
-            <a:extLst>
-              <a:ext uri="{FF2B5EF4-FFF2-40B4-BE49-F238E27FC236}">
-                <a16:creationId xmlns:a16="http://schemas.microsoft.com/office/drawing/2014/main" id="{203DC0D4-E1B5-D708-16F7-AF8FE99A7766}"/>
-              </a:ext>
-            </a:extLst>
-          </p:cNvPr>
-          <p:cNvCxnSpPr>
-            <a:cxnSpLocks/>
-          </p:cNvCxnSpPr>
-          <p:nvPr/>
-        </p:nvCxnSpPr>
-        <p:spPr>
-          <a:xfrm>
-            <a:off x="1385766" y="4090002"/>
-            <a:ext cx="0" cy="1022911"/>
-          </a:xfrm>
-          <a:prstGeom prst="straightConnector1">
-            <a:avLst/>
-          </a:prstGeom>
-          <a:ln>
-            <a:tailEnd type="triangle"/>
-          </a:ln>
-        </p:spPr>
-        <p:style>
-          <a:lnRef idx="2">
-            <a:schemeClr val="accent1"/>
-          </a:lnRef>
-          <a:fillRef idx="0">
-            <a:schemeClr val="accent1"/>
-          </a:fillRef>
-          <a:effectRef idx="1">
-            <a:schemeClr val="accent1"/>
-          </a:effectRef>
-          <a:fontRef idx="minor">
-            <a:schemeClr val="tx1"/>
-          </a:fontRef>
-        </p:style>
-      </p:cxnSp>
-      <p:sp>
-        <p:nvSpPr>
-          <p:cNvPr id="69" name="TextBox 68">
-            <a:extLst>
-              <a:ext uri="{FF2B5EF4-FFF2-40B4-BE49-F238E27FC236}">
-                <a16:creationId xmlns:a16="http://schemas.microsoft.com/office/drawing/2014/main" id="{5DB755EA-D925-0906-FB59-95A3B8A14130}"/>
-              </a:ext>
-            </a:extLst>
-          </p:cNvPr>
-          <p:cNvSpPr txBox="1"/>
-          <p:nvPr/>
-        </p:nvSpPr>
-        <p:spPr>
-          <a:xfrm>
-            <a:off x="141006" y="4438689"/>
-            <a:ext cx="1278876" cy="369332"/>
-          </a:xfrm>
-          <a:prstGeom prst="rect">
-            <a:avLst/>
-          </a:prstGeom>
-          <a:noFill/>
-        </p:spPr>
-        <p:txBody>
-          <a:bodyPr wrap="none" rtlCol="0">
-            <a:spAutoFit/>
-          </a:bodyPr>
-          <a:lstStyle/>
-          <a:p>
-            <a:r>
-              <a:rPr lang="en-IL" dirty="0"/>
-              <a:t>[11:0]s_Val</a:t>
-            </a:r>
-          </a:p>
-        </p:txBody>
-      </p:sp>
-      <p:sp>
-        <p:nvSpPr>
-          <p:cNvPr id="71" name="TextBox 70">
-            <a:extLst>
-              <a:ext uri="{FF2B5EF4-FFF2-40B4-BE49-F238E27FC236}">
-                <a16:creationId xmlns:a16="http://schemas.microsoft.com/office/drawing/2014/main" id="{65C93122-A9C1-8FF7-AB15-B45B81D549C8}"/>
-              </a:ext>
-            </a:extLst>
-          </p:cNvPr>
-          <p:cNvSpPr txBox="1"/>
-          <p:nvPr/>
-        </p:nvSpPr>
-        <p:spPr>
-          <a:xfrm rot="5400000">
-            <a:off x="1374082" y="4537563"/>
-            <a:ext cx="1382743" cy="338554"/>
-          </a:xfrm>
-          <a:prstGeom prst="rect">
-            <a:avLst/>
-          </a:prstGeom>
-          <a:noFill/>
-        </p:spPr>
-        <p:txBody>
-          <a:bodyPr wrap="square">
-            <a:spAutoFit/>
-          </a:bodyPr>
-          <a:lstStyle/>
-          <a:p>
-            <a:r>
-              <a:rPr lang="en-IL" sz="1600" dirty="0"/>
-              <a:t>[1:0]Ymode</a:t>
-            </a:r>
-          </a:p>
-        </p:txBody>
-      </p:sp>
-      <p:sp>
-        <p:nvSpPr>
-          <p:cNvPr id="93" name="TextBox 92">
-            <a:extLst>
-              <a:ext uri="{FF2B5EF4-FFF2-40B4-BE49-F238E27FC236}">
-                <a16:creationId xmlns:a16="http://schemas.microsoft.com/office/drawing/2014/main" id="{4AF3503E-C9AF-45D1-E818-45C3E63EDEBA}"/>
-              </a:ext>
-            </a:extLst>
-          </p:cNvPr>
-          <p:cNvSpPr txBox="1"/>
-          <p:nvPr/>
-        </p:nvSpPr>
-        <p:spPr>
-          <a:xfrm>
-            <a:off x="491599" y="6097124"/>
-            <a:ext cx="478016" cy="369332"/>
-          </a:xfrm>
-          <a:prstGeom prst="rect">
-            <a:avLst/>
-          </a:prstGeom>
-          <a:noFill/>
-        </p:spPr>
-        <p:txBody>
-          <a:bodyPr wrap="none" rtlCol="0">
-            <a:spAutoFit/>
-          </a:bodyPr>
-          <a:lstStyle/>
-          <a:p>
-            <a:r>
-              <a:rPr lang="en-IL" dirty="0"/>
-              <a:t>clk</a:t>
-            </a:r>
-          </a:p>
-        </p:txBody>
-      </p:sp>
-      <p:sp>
-        <p:nvSpPr>
-          <p:cNvPr id="94" name="TextBox 93">
-            <a:extLst>
-              <a:ext uri="{FF2B5EF4-FFF2-40B4-BE49-F238E27FC236}">
-                <a16:creationId xmlns:a16="http://schemas.microsoft.com/office/drawing/2014/main" id="{51A5D7C1-2490-2DF7-A6F0-B1486C1F593C}"/>
-              </a:ext>
-            </a:extLst>
-          </p:cNvPr>
-          <p:cNvSpPr txBox="1"/>
-          <p:nvPr/>
-        </p:nvSpPr>
-        <p:spPr>
-          <a:xfrm>
-            <a:off x="302358" y="5769872"/>
-            <a:ext cx="689676" cy="369332"/>
-          </a:xfrm>
-          <a:prstGeom prst="rect">
-            <a:avLst/>
-          </a:prstGeom>
-          <a:noFill/>
-        </p:spPr>
-        <p:txBody>
-          <a:bodyPr wrap="none" rtlCol="0">
-            <a:spAutoFit/>
-          </a:bodyPr>
-          <a:lstStyle/>
-          <a:p>
-            <a:r>
-              <a:rPr lang="en-IL" dirty="0"/>
-              <a:t>reset</a:t>
-            </a:r>
-          </a:p>
-        </p:txBody>
-      </p:sp>
-      <p:cxnSp>
-        <p:nvCxnSpPr>
-          <p:cNvPr id="95" name="Straight Connector 94">
-            <a:extLst>
-              <a:ext uri="{FF2B5EF4-FFF2-40B4-BE49-F238E27FC236}">
-                <a16:creationId xmlns:a16="http://schemas.microsoft.com/office/drawing/2014/main" id="{66E80B6A-CED1-56D8-53B4-FE4EC0F85885}"/>
-              </a:ext>
-            </a:extLst>
-          </p:cNvPr>
-          <p:cNvCxnSpPr>
-            <a:cxnSpLocks/>
-          </p:cNvCxnSpPr>
-          <p:nvPr/>
-        </p:nvCxnSpPr>
-        <p:spPr>
-          <a:xfrm flipH="1">
-            <a:off x="273746" y="6454051"/>
-            <a:ext cx="817369" cy="0"/>
-          </a:xfrm>
-          <a:prstGeom prst="line">
-            <a:avLst/>
-          </a:prstGeom>
-        </p:spPr>
-        <p:style>
-          <a:lnRef idx="2">
-            <a:schemeClr val="accent1"/>
-          </a:lnRef>
-          <a:fillRef idx="0">
-            <a:schemeClr val="accent1"/>
-          </a:fillRef>
-          <a:effectRef idx="1">
-            <a:schemeClr val="accent1"/>
-          </a:effectRef>
-          <a:fontRef idx="minor">
-            <a:schemeClr val="tx1"/>
-          </a:fontRef>
-        </p:style>
-      </p:cxnSp>
-      <p:cxnSp>
-        <p:nvCxnSpPr>
-          <p:cNvPr id="96" name="Straight Connector 95">
-            <a:extLst>
-              <a:ext uri="{FF2B5EF4-FFF2-40B4-BE49-F238E27FC236}">
-                <a16:creationId xmlns:a16="http://schemas.microsoft.com/office/drawing/2014/main" id="{4CD12D06-582D-6031-3E92-10A2B083FDFE}"/>
-              </a:ext>
-            </a:extLst>
-          </p:cNvPr>
-          <p:cNvCxnSpPr>
-            <a:cxnSpLocks/>
-          </p:cNvCxnSpPr>
-          <p:nvPr/>
-        </p:nvCxnSpPr>
-        <p:spPr>
-          <a:xfrm flipH="1">
-            <a:off x="273746" y="6118559"/>
-            <a:ext cx="817369" cy="0"/>
-          </a:xfrm>
-          <a:prstGeom prst="line">
-            <a:avLst/>
-          </a:prstGeom>
-        </p:spPr>
-        <p:style>
-          <a:lnRef idx="2">
-            <a:schemeClr val="accent1"/>
-          </a:lnRef>
-          <a:fillRef idx="0">
-            <a:schemeClr val="accent1"/>
-          </a:fillRef>
-          <a:effectRef idx="1">
-            <a:schemeClr val="accent1"/>
-          </a:effectRef>
-          <a:fontRef idx="minor">
-            <a:schemeClr val="tx1"/>
-          </a:fontRef>
-        </p:style>
-      </p:cxnSp>
-      <p:sp>
-        <p:nvSpPr>
-          <p:cNvPr id="97" name="TextBox 96">
-            <a:extLst>
-              <a:ext uri="{FF2B5EF4-FFF2-40B4-BE49-F238E27FC236}">
-                <a16:creationId xmlns:a16="http://schemas.microsoft.com/office/drawing/2014/main" id="{EA033DD0-8C8C-2D0B-6F63-9BF47CAC891A}"/>
-              </a:ext>
-            </a:extLst>
-          </p:cNvPr>
-          <p:cNvSpPr txBox="1"/>
-          <p:nvPr/>
-        </p:nvSpPr>
-        <p:spPr>
-          <a:xfrm>
-            <a:off x="4722645" y="3516412"/>
-            <a:ext cx="478016" cy="369332"/>
-          </a:xfrm>
-          <a:prstGeom prst="rect">
-            <a:avLst/>
-          </a:prstGeom>
-          <a:noFill/>
-        </p:spPr>
-        <p:txBody>
-          <a:bodyPr wrap="none" rtlCol="0">
-            <a:spAutoFit/>
-          </a:bodyPr>
-          <a:lstStyle/>
-          <a:p>
-            <a:r>
-              <a:rPr lang="en-IL" dirty="0"/>
-              <a:t>clk</a:t>
-            </a:r>
-          </a:p>
-        </p:txBody>
-      </p:sp>
-      <p:sp>
-        <p:nvSpPr>
-          <p:cNvPr id="99" name="TextBox 98">
-            <a:extLst>
-              <a:ext uri="{FF2B5EF4-FFF2-40B4-BE49-F238E27FC236}">
-                <a16:creationId xmlns:a16="http://schemas.microsoft.com/office/drawing/2014/main" id="{3029E7FE-04D3-15FA-8AF3-4E296CFC44A3}"/>
-              </a:ext>
-            </a:extLst>
-          </p:cNvPr>
-          <p:cNvSpPr txBox="1"/>
-          <p:nvPr/>
-        </p:nvSpPr>
-        <p:spPr>
-          <a:xfrm>
-            <a:off x="4533404" y="3232702"/>
-            <a:ext cx="689676" cy="369332"/>
-          </a:xfrm>
-          <a:prstGeom prst="rect">
-            <a:avLst/>
-          </a:prstGeom>
-          <a:noFill/>
-        </p:spPr>
-        <p:txBody>
-          <a:bodyPr wrap="none" rtlCol="0">
-            <a:spAutoFit/>
-          </a:bodyPr>
-          <a:lstStyle/>
-          <a:p>
-            <a:r>
-              <a:rPr lang="en-IL" dirty="0"/>
-              <a:t>reset</a:t>
-            </a:r>
-          </a:p>
-        </p:txBody>
-      </p:sp>
-      <p:cxnSp>
-        <p:nvCxnSpPr>
-          <p:cNvPr id="100" name="Straight Connector 99">
-            <a:extLst>
-              <a:ext uri="{FF2B5EF4-FFF2-40B4-BE49-F238E27FC236}">
-                <a16:creationId xmlns:a16="http://schemas.microsoft.com/office/drawing/2014/main" id="{6BF256EA-25F7-C4C0-30DB-4DDD2ED48BE6}"/>
-              </a:ext>
-            </a:extLst>
-          </p:cNvPr>
-          <p:cNvCxnSpPr>
-            <a:cxnSpLocks/>
-          </p:cNvCxnSpPr>
-          <p:nvPr/>
-        </p:nvCxnSpPr>
-        <p:spPr>
-          <a:xfrm flipH="1">
-            <a:off x="4504792" y="3873339"/>
-            <a:ext cx="817369" cy="0"/>
-          </a:xfrm>
-          <a:prstGeom prst="line">
-            <a:avLst/>
-          </a:prstGeom>
-        </p:spPr>
-        <p:style>
-          <a:lnRef idx="2">
-            <a:schemeClr val="accent1"/>
-          </a:lnRef>
-          <a:fillRef idx="0">
-            <a:schemeClr val="accent1"/>
-          </a:fillRef>
-          <a:effectRef idx="1">
-            <a:schemeClr val="accent1"/>
-          </a:effectRef>
-          <a:fontRef idx="minor">
-            <a:schemeClr val="tx1"/>
-          </a:fontRef>
-        </p:style>
-      </p:cxnSp>
-      <p:cxnSp>
-        <p:nvCxnSpPr>
-          <p:cNvPr id="101" name="Straight Connector 100">
-            <a:extLst>
-              <a:ext uri="{FF2B5EF4-FFF2-40B4-BE49-F238E27FC236}">
-                <a16:creationId xmlns:a16="http://schemas.microsoft.com/office/drawing/2014/main" id="{2A1FE438-7363-7E7C-0763-23ECAB38D491}"/>
-              </a:ext>
-            </a:extLst>
-          </p:cNvPr>
-          <p:cNvCxnSpPr>
-            <a:cxnSpLocks/>
-          </p:cNvCxnSpPr>
-          <p:nvPr/>
-        </p:nvCxnSpPr>
-        <p:spPr>
-          <a:xfrm flipH="1">
-            <a:off x="4504792" y="3537847"/>
-            <a:ext cx="817369" cy="0"/>
-          </a:xfrm>
-          <a:prstGeom prst="line">
-            <a:avLst/>
-          </a:prstGeom>
-        </p:spPr>
-        <p:style>
-          <a:lnRef idx="2">
-            <a:schemeClr val="accent1"/>
-          </a:lnRef>
-          <a:fillRef idx="0">
-            <a:schemeClr val="accent1"/>
-          </a:fillRef>
-          <a:effectRef idx="1">
-            <a:schemeClr val="accent1"/>
-          </a:effectRef>
-          <a:fontRef idx="minor">
-            <a:schemeClr val="tx1"/>
-          </a:fontRef>
-        </p:style>
-      </p:cxnSp>
-      <p:sp>
-        <p:nvSpPr>
-          <p:cNvPr id="102" name="TextBox 101">
-            <a:extLst>
-              <a:ext uri="{FF2B5EF4-FFF2-40B4-BE49-F238E27FC236}">
-                <a16:creationId xmlns:a16="http://schemas.microsoft.com/office/drawing/2014/main" id="{50A9C62A-AED4-BD8A-4330-37DDF63919D5}"/>
-              </a:ext>
-            </a:extLst>
-          </p:cNvPr>
-          <p:cNvSpPr txBox="1"/>
-          <p:nvPr/>
-        </p:nvSpPr>
-        <p:spPr>
-          <a:xfrm>
-            <a:off x="5470496" y="1284752"/>
-            <a:ext cx="478016" cy="369332"/>
-          </a:xfrm>
-          <a:prstGeom prst="rect">
-            <a:avLst/>
-          </a:prstGeom>
-          <a:noFill/>
-        </p:spPr>
-        <p:txBody>
-          <a:bodyPr wrap="none" rtlCol="0">
-            <a:spAutoFit/>
-          </a:bodyPr>
-          <a:lstStyle/>
-          <a:p>
-            <a:r>
-              <a:rPr lang="en-IL" dirty="0"/>
-              <a:t>clk</a:t>
-            </a:r>
-          </a:p>
-        </p:txBody>
-      </p:sp>
-      <p:sp>
-        <p:nvSpPr>
-          <p:cNvPr id="104" name="TextBox 103">
-            <a:extLst>
-              <a:ext uri="{FF2B5EF4-FFF2-40B4-BE49-F238E27FC236}">
-                <a16:creationId xmlns:a16="http://schemas.microsoft.com/office/drawing/2014/main" id="{A5939D3D-499A-3557-E934-1BAF742574F7}"/>
-              </a:ext>
-            </a:extLst>
-          </p:cNvPr>
-          <p:cNvSpPr txBox="1"/>
-          <p:nvPr/>
-        </p:nvSpPr>
-        <p:spPr>
-          <a:xfrm>
-            <a:off x="5281255" y="957500"/>
-            <a:ext cx="689676" cy="369332"/>
-          </a:xfrm>
-          <a:prstGeom prst="rect">
-            <a:avLst/>
-          </a:prstGeom>
-          <a:noFill/>
-        </p:spPr>
-        <p:txBody>
-          <a:bodyPr wrap="none" rtlCol="0">
-            <a:spAutoFit/>
-          </a:bodyPr>
-          <a:lstStyle/>
-          <a:p>
-            <a:r>
-              <a:rPr lang="en-IL" dirty="0"/>
-              <a:t>reset</a:t>
-            </a:r>
-          </a:p>
-        </p:txBody>
-      </p:sp>
-      <p:cxnSp>
-        <p:nvCxnSpPr>
-          <p:cNvPr id="106" name="Straight Connector 105">
-            <a:extLst>
-              <a:ext uri="{FF2B5EF4-FFF2-40B4-BE49-F238E27FC236}">
-                <a16:creationId xmlns:a16="http://schemas.microsoft.com/office/drawing/2014/main" id="{97863692-478E-D8A2-A8D3-3B0F69513C28}"/>
-              </a:ext>
-            </a:extLst>
-          </p:cNvPr>
-          <p:cNvCxnSpPr>
-            <a:cxnSpLocks/>
-          </p:cNvCxnSpPr>
-          <p:nvPr/>
-        </p:nvCxnSpPr>
-        <p:spPr>
-          <a:xfrm flipH="1">
-            <a:off x="5252643" y="1641679"/>
-            <a:ext cx="817369" cy="0"/>
-          </a:xfrm>
-          <a:prstGeom prst="line">
-            <a:avLst/>
-          </a:prstGeom>
-        </p:spPr>
-        <p:style>
-          <a:lnRef idx="2">
-            <a:schemeClr val="accent1"/>
-          </a:lnRef>
-          <a:fillRef idx="0">
-            <a:schemeClr val="accent1"/>
-          </a:fillRef>
-          <a:effectRef idx="1">
-            <a:schemeClr val="accent1"/>
-          </a:effectRef>
-          <a:fontRef idx="minor">
-            <a:schemeClr val="tx1"/>
-          </a:fontRef>
-        </p:style>
-      </p:cxnSp>
-      <p:cxnSp>
-        <p:nvCxnSpPr>
-          <p:cNvPr id="107" name="Straight Connector 106">
-            <a:extLst>
-              <a:ext uri="{FF2B5EF4-FFF2-40B4-BE49-F238E27FC236}">
-                <a16:creationId xmlns:a16="http://schemas.microsoft.com/office/drawing/2014/main" id="{A0112B16-357F-5518-D338-58F11D9B27D8}"/>
-              </a:ext>
-            </a:extLst>
-          </p:cNvPr>
-          <p:cNvCxnSpPr>
-            <a:cxnSpLocks/>
-          </p:cNvCxnSpPr>
-          <p:nvPr/>
-        </p:nvCxnSpPr>
-        <p:spPr>
-          <a:xfrm flipH="1">
-            <a:off x="5252643" y="1306187"/>
-            <a:ext cx="817369" cy="0"/>
-          </a:xfrm>
-          <a:prstGeom prst="line">
-            <a:avLst/>
-          </a:prstGeom>
-        </p:spPr>
-        <p:style>
-          <a:lnRef idx="2">
-            <a:schemeClr val="accent1"/>
-          </a:lnRef>
-          <a:fillRef idx="0">
-            <a:schemeClr val="accent1"/>
-          </a:fillRef>
-          <a:effectRef idx="1">
-            <a:schemeClr val="accent1"/>
-          </a:effectRef>
-          <a:fontRef idx="minor">
-            <a:schemeClr val="tx1"/>
-          </a:fontRef>
-        </p:style>
-      </p:cxnSp>
-      <p:sp>
-        <p:nvSpPr>
-          <p:cNvPr id="108" name="TextBox 107">
-            <a:extLst>
-              <a:ext uri="{FF2B5EF4-FFF2-40B4-BE49-F238E27FC236}">
-                <a16:creationId xmlns:a16="http://schemas.microsoft.com/office/drawing/2014/main" id="{A5F97776-39DD-BDA2-C59F-113C0CB154E5}"/>
-              </a:ext>
-            </a:extLst>
-          </p:cNvPr>
-          <p:cNvSpPr txBox="1"/>
-          <p:nvPr/>
-        </p:nvSpPr>
-        <p:spPr>
-          <a:xfrm>
-            <a:off x="1658897" y="5689933"/>
-            <a:ext cx="923971" cy="369332"/>
-          </a:xfrm>
-          <a:prstGeom prst="rect">
-            <a:avLst/>
-          </a:prstGeom>
-          <a:noFill/>
-        </p:spPr>
-        <p:txBody>
-          <a:bodyPr wrap="none" rtlCol="0">
-            <a:spAutoFit/>
-          </a:bodyPr>
-          <a:lstStyle/>
-          <a:p>
-            <a:r>
-              <a:rPr lang="en-IL" dirty="0"/>
-              <a:t>FirstVal</a:t>
-            </a:r>
-          </a:p>
-        </p:txBody>
-      </p:sp>
-      <p:cxnSp>
-        <p:nvCxnSpPr>
-          <p:cNvPr id="6" name="Straight Arrow Connector 5">
-            <a:extLst>
-              <a:ext uri="{FF2B5EF4-FFF2-40B4-BE49-F238E27FC236}">
-                <a16:creationId xmlns:a16="http://schemas.microsoft.com/office/drawing/2014/main" id="{BC188F36-31BB-094E-510A-D89C883A1A14}"/>
-              </a:ext>
-            </a:extLst>
-          </p:cNvPr>
-          <p:cNvCxnSpPr>
-            <a:cxnSpLocks/>
-          </p:cNvCxnSpPr>
-          <p:nvPr/>
-        </p:nvCxnSpPr>
-        <p:spPr>
-          <a:xfrm>
-            <a:off x="2366086" y="4111899"/>
-            <a:ext cx="0" cy="994591"/>
-          </a:xfrm>
-          <a:prstGeom prst="straightConnector1">
-            <a:avLst/>
-          </a:prstGeom>
-          <a:ln>
-            <a:tailEnd type="triangle"/>
-          </a:ln>
-        </p:spPr>
-        <p:style>
-          <a:lnRef idx="2">
-            <a:schemeClr val="accent1"/>
-          </a:lnRef>
-          <a:fillRef idx="0">
-            <a:schemeClr val="accent1"/>
-          </a:fillRef>
-          <a:effectRef idx="1">
-            <a:schemeClr val="accent1"/>
-          </a:effectRef>
-          <a:fontRef idx="minor">
-            <a:schemeClr val="tx1"/>
-          </a:fontRef>
-        </p:style>
-      </p:cxnSp>
-      <p:sp>
-        <p:nvSpPr>
-          <p:cNvPr id="17" name="TextBox 16">
-            <a:extLst>
-              <a:ext uri="{FF2B5EF4-FFF2-40B4-BE49-F238E27FC236}">
-                <a16:creationId xmlns:a16="http://schemas.microsoft.com/office/drawing/2014/main" id="{EB42DBB6-9C53-00D1-F1B9-DC6EB90B85FF}"/>
-              </a:ext>
-            </a:extLst>
-          </p:cNvPr>
-          <p:cNvSpPr txBox="1"/>
-          <p:nvPr/>
-        </p:nvSpPr>
-        <p:spPr>
-          <a:xfrm rot="5400000">
-            <a:off x="2021675" y="4413581"/>
-            <a:ext cx="1049373" cy="369332"/>
-          </a:xfrm>
-          <a:prstGeom prst="rect">
-            <a:avLst/>
-          </a:prstGeom>
-          <a:noFill/>
-        </p:spPr>
-        <p:txBody>
-          <a:bodyPr wrap="square" rtlCol="0">
-            <a:spAutoFit/>
-          </a:bodyPr>
-          <a:lstStyle/>
-          <a:p>
-            <a:r>
-              <a:rPr lang="en-IL" dirty="0"/>
-              <a:t>Update</a:t>
-            </a:r>
-          </a:p>
-        </p:txBody>
-      </p:sp>
-      <p:cxnSp>
-        <p:nvCxnSpPr>
-          <p:cNvPr id="20" name="Straight Connector 19">
-            <a:extLst>
-              <a:ext uri="{FF2B5EF4-FFF2-40B4-BE49-F238E27FC236}">
-                <a16:creationId xmlns:a16="http://schemas.microsoft.com/office/drawing/2014/main" id="{2E80E5F9-4032-D6FC-4D3E-DD38F1F1B101}"/>
-              </a:ext>
-            </a:extLst>
-          </p:cNvPr>
-          <p:cNvCxnSpPr>
-            <a:cxnSpLocks/>
-          </p:cNvCxnSpPr>
-          <p:nvPr/>
-        </p:nvCxnSpPr>
-        <p:spPr>
-          <a:xfrm flipH="1">
-            <a:off x="11488396" y="3828409"/>
-            <a:ext cx="464112" cy="0"/>
-          </a:xfrm>
-          <a:prstGeom prst="line">
-            <a:avLst/>
-          </a:prstGeom>
-        </p:spPr>
-        <p:style>
-          <a:lnRef idx="2">
-            <a:schemeClr val="accent1"/>
-          </a:lnRef>
-          <a:fillRef idx="0">
-            <a:schemeClr val="accent1"/>
-          </a:fillRef>
-          <a:effectRef idx="1">
-            <a:schemeClr val="accent1"/>
-          </a:effectRef>
-          <a:fontRef idx="minor">
-            <a:schemeClr val="tx1"/>
-          </a:fontRef>
-        </p:style>
-      </p:cxnSp>
-      <p:sp>
-        <p:nvSpPr>
-          <p:cNvPr id="22" name="TextBox 21">
-            <a:extLst>
-              <a:ext uri="{FF2B5EF4-FFF2-40B4-BE49-F238E27FC236}">
-                <a16:creationId xmlns:a16="http://schemas.microsoft.com/office/drawing/2014/main" id="{4A4AEF7D-ACD6-AD7A-510A-15CEFA2DC154}"/>
-              </a:ext>
-            </a:extLst>
-          </p:cNvPr>
-          <p:cNvSpPr txBox="1"/>
-          <p:nvPr/>
-        </p:nvSpPr>
-        <p:spPr>
-          <a:xfrm>
-            <a:off x="1621161" y="256316"/>
-            <a:ext cx="999441" cy="646331"/>
-          </a:xfrm>
-          <a:prstGeom prst="rect">
-            <a:avLst/>
-          </a:prstGeom>
-          <a:noFill/>
-        </p:spPr>
-        <p:txBody>
-          <a:bodyPr wrap="none" rtlCol="0">
-            <a:spAutoFit/>
-          </a:bodyPr>
-          <a:lstStyle/>
-          <a:p>
-            <a:r>
-              <a:rPr lang="en-IL" dirty="0"/>
-              <a:t>12bit</a:t>
-            </a:r>
-          </a:p>
-          <a:p>
-            <a:r>
-              <a:rPr lang="en-IL" dirty="0"/>
-              <a:t>Counter</a:t>
-            </a:r>
-          </a:p>
-        </p:txBody>
-      </p:sp>
-      <p:sp>
-        <p:nvSpPr>
-          <p:cNvPr id="23" name="Rectangle 22">
-            <a:extLst>
-              <a:ext uri="{FF2B5EF4-FFF2-40B4-BE49-F238E27FC236}">
-                <a16:creationId xmlns:a16="http://schemas.microsoft.com/office/drawing/2014/main" id="{5166CCF9-84CF-A729-4B85-4651237DB039}"/>
-              </a:ext>
-            </a:extLst>
-          </p:cNvPr>
-          <p:cNvSpPr/>
-          <p:nvPr/>
-        </p:nvSpPr>
-        <p:spPr>
-          <a:xfrm>
-            <a:off x="1545043" y="219155"/>
-            <a:ext cx="1061818" cy="744239"/>
-          </a:xfrm>
-          <a:prstGeom prst="rect">
-            <a:avLst/>
-          </a:prstGeom>
-          <a:noFill/>
-        </p:spPr>
-        <p:style>
-          <a:lnRef idx="2">
-            <a:schemeClr val="accent1">
-              <a:shade val="15000"/>
-            </a:schemeClr>
-          </a:lnRef>
-          <a:fillRef idx="1">
-            <a:schemeClr val="accent1"/>
-          </a:fillRef>
-          <a:effectRef idx="0">
-            <a:schemeClr val="accent1"/>
-          </a:effectRef>
-          <a:fontRef idx="minor">
-            <a:schemeClr val="lt1"/>
-          </a:fontRef>
-        </p:style>
-        <p:txBody>
-          <a:bodyPr rtlCol="0" anchor="ctr"/>
-          <a:lstStyle/>
-          <a:p>
-            <a:pPr algn="ctr"/>
-            <a:endParaRPr lang="en-IL" dirty="0"/>
-          </a:p>
-        </p:txBody>
-      </p:sp>
-      <p:cxnSp>
-        <p:nvCxnSpPr>
-          <p:cNvPr id="24" name="Straight Arrow Connector 23">
-            <a:extLst>
-              <a:ext uri="{FF2B5EF4-FFF2-40B4-BE49-F238E27FC236}">
-                <a16:creationId xmlns:a16="http://schemas.microsoft.com/office/drawing/2014/main" id="{42EABEB0-3EBC-8642-3DCE-BB0004429865}"/>
-              </a:ext>
-            </a:extLst>
-          </p:cNvPr>
-          <p:cNvCxnSpPr>
-            <a:cxnSpLocks/>
-          </p:cNvCxnSpPr>
-          <p:nvPr/>
-        </p:nvCxnSpPr>
-        <p:spPr>
-          <a:xfrm>
-            <a:off x="2086930" y="967853"/>
-            <a:ext cx="0" cy="414447"/>
-          </a:xfrm>
-          <a:prstGeom prst="straightConnector1">
-            <a:avLst/>
-          </a:prstGeom>
-          <a:ln>
-            <a:tailEnd type="triangle"/>
-          </a:ln>
-        </p:spPr>
-        <p:style>
-          <a:lnRef idx="2">
-            <a:schemeClr val="accent1"/>
-          </a:lnRef>
-          <a:fillRef idx="0">
-            <a:schemeClr val="accent1"/>
-          </a:fillRef>
-          <a:effectRef idx="1">
-            <a:schemeClr val="accent1"/>
-          </a:effectRef>
-          <a:fontRef idx="minor">
-            <a:schemeClr val="tx1"/>
-          </a:fontRef>
-        </p:style>
-      </p:cxnSp>
-      <p:cxnSp>
-        <p:nvCxnSpPr>
-          <p:cNvPr id="29" name="Straight Arrow Connector 28">
-            <a:extLst>
-              <a:ext uri="{FF2B5EF4-FFF2-40B4-BE49-F238E27FC236}">
-                <a16:creationId xmlns:a16="http://schemas.microsoft.com/office/drawing/2014/main" id="{73DD00BE-D9A1-AE83-7F0F-3EB09FFA7D5F}"/>
-              </a:ext>
-            </a:extLst>
-          </p:cNvPr>
-          <p:cNvCxnSpPr>
-            <a:cxnSpLocks/>
-          </p:cNvCxnSpPr>
-          <p:nvPr/>
-        </p:nvCxnSpPr>
-        <p:spPr>
-          <a:xfrm flipV="1">
-            <a:off x="1892978" y="957500"/>
-            <a:ext cx="0" cy="424800"/>
-          </a:xfrm>
-          <a:prstGeom prst="straightConnector1">
-            <a:avLst/>
-          </a:prstGeom>
-          <a:ln>
-            <a:tailEnd type="triangle"/>
-          </a:ln>
-        </p:spPr>
-        <p:style>
-          <a:lnRef idx="2">
-            <a:schemeClr val="accent1"/>
-          </a:lnRef>
-          <a:fillRef idx="0">
-            <a:schemeClr val="accent1"/>
-          </a:fillRef>
-          <a:effectRef idx="1">
-            <a:schemeClr val="accent1"/>
-          </a:effectRef>
-          <a:fontRef idx="minor">
-            <a:schemeClr val="tx1"/>
-          </a:fontRef>
-        </p:style>
-      </p:cxnSp>
-      <p:sp>
-        <p:nvSpPr>
-          <p:cNvPr id="35" name="TextBox 34">
-            <a:extLst>
-              <a:ext uri="{FF2B5EF4-FFF2-40B4-BE49-F238E27FC236}">
-                <a16:creationId xmlns:a16="http://schemas.microsoft.com/office/drawing/2014/main" id="{591EAFEC-DE82-C87E-AE61-6700D6659399}"/>
-              </a:ext>
-            </a:extLst>
-          </p:cNvPr>
-          <p:cNvSpPr txBox="1"/>
-          <p:nvPr/>
-        </p:nvSpPr>
-        <p:spPr>
-          <a:xfrm>
-            <a:off x="907447" y="958225"/>
-            <a:ext cx="1054841" cy="369332"/>
-          </a:xfrm>
-          <a:prstGeom prst="rect">
-            <a:avLst/>
-          </a:prstGeom>
-          <a:noFill/>
-        </p:spPr>
-        <p:txBody>
-          <a:bodyPr wrap="none" rtlCol="0">
-            <a:spAutoFit/>
-          </a:bodyPr>
-          <a:lstStyle/>
-          <a:p>
-            <a:r>
-              <a:rPr lang="en-IL" dirty="0"/>
-              <a:t>NewLine</a:t>
-            </a:r>
-          </a:p>
-        </p:txBody>
-      </p:sp>
-      <p:sp>
-        <p:nvSpPr>
-          <p:cNvPr id="38" name="TextBox 37">
-            <a:extLst>
-              <a:ext uri="{FF2B5EF4-FFF2-40B4-BE49-F238E27FC236}">
-                <a16:creationId xmlns:a16="http://schemas.microsoft.com/office/drawing/2014/main" id="{662A647D-DBB0-E4B9-FCF9-21559114C6DD}"/>
-              </a:ext>
-            </a:extLst>
-          </p:cNvPr>
-          <p:cNvSpPr txBox="1"/>
-          <p:nvPr/>
-        </p:nvSpPr>
-        <p:spPr>
-          <a:xfrm>
-            <a:off x="2025241" y="993758"/>
-            <a:ext cx="987771" cy="369332"/>
-          </a:xfrm>
-          <a:prstGeom prst="rect">
-            <a:avLst/>
-          </a:prstGeom>
-          <a:noFill/>
-        </p:spPr>
-        <p:txBody>
-          <a:bodyPr wrap="none" rtlCol="0">
-            <a:spAutoFit/>
-          </a:bodyPr>
-          <a:lstStyle/>
-          <a:p>
-            <a:r>
-              <a:rPr lang="en-IL" dirty="0"/>
-              <a:t>EndLine</a:t>
-            </a:r>
-          </a:p>
-        </p:txBody>
-      </p:sp>
-      <p:sp>
-        <p:nvSpPr>
-          <p:cNvPr id="40" name="TextBox 39">
-            <a:extLst>
-              <a:ext uri="{FF2B5EF4-FFF2-40B4-BE49-F238E27FC236}">
-                <a16:creationId xmlns:a16="http://schemas.microsoft.com/office/drawing/2014/main" id="{DEF54708-EAAC-E079-FA4E-281088588393}"/>
-              </a:ext>
-            </a:extLst>
-          </p:cNvPr>
-          <p:cNvSpPr txBox="1"/>
-          <p:nvPr/>
-        </p:nvSpPr>
-        <p:spPr>
-          <a:xfrm>
-            <a:off x="941866" y="392420"/>
-            <a:ext cx="478016" cy="369332"/>
-          </a:xfrm>
-          <a:prstGeom prst="rect">
-            <a:avLst/>
-          </a:prstGeom>
-          <a:noFill/>
-        </p:spPr>
-        <p:txBody>
-          <a:bodyPr wrap="none" rtlCol="0">
-            <a:spAutoFit/>
-          </a:bodyPr>
-          <a:lstStyle/>
-          <a:p>
-            <a:r>
-              <a:rPr lang="en-IL" dirty="0"/>
-              <a:t>clk</a:t>
-            </a:r>
-          </a:p>
-        </p:txBody>
-      </p:sp>
-      <p:sp>
-        <p:nvSpPr>
-          <p:cNvPr id="42" name="TextBox 41">
-            <a:extLst>
-              <a:ext uri="{FF2B5EF4-FFF2-40B4-BE49-F238E27FC236}">
-                <a16:creationId xmlns:a16="http://schemas.microsoft.com/office/drawing/2014/main" id="{7BD69AB6-DF3A-8356-EF68-864664D223A3}"/>
-              </a:ext>
-            </a:extLst>
-          </p:cNvPr>
-          <p:cNvSpPr txBox="1"/>
-          <p:nvPr/>
-        </p:nvSpPr>
-        <p:spPr>
-          <a:xfrm>
-            <a:off x="752625" y="65168"/>
-            <a:ext cx="689676" cy="369332"/>
-          </a:xfrm>
-          <a:prstGeom prst="rect">
-            <a:avLst/>
-          </a:prstGeom>
-          <a:noFill/>
-        </p:spPr>
-        <p:txBody>
-          <a:bodyPr wrap="none" rtlCol="0">
-            <a:spAutoFit/>
-          </a:bodyPr>
-          <a:lstStyle/>
-          <a:p>
-            <a:r>
-              <a:rPr lang="en-IL" dirty="0"/>
-              <a:t>reset</a:t>
-            </a:r>
-          </a:p>
-        </p:txBody>
-      </p:sp>
-      <p:cxnSp>
-        <p:nvCxnSpPr>
-          <p:cNvPr id="43" name="Straight Connector 42">
-            <a:extLst>
-              <a:ext uri="{FF2B5EF4-FFF2-40B4-BE49-F238E27FC236}">
-                <a16:creationId xmlns:a16="http://schemas.microsoft.com/office/drawing/2014/main" id="{8121A301-2A24-9FEB-E06D-366C53236153}"/>
-              </a:ext>
-            </a:extLst>
-          </p:cNvPr>
-          <p:cNvCxnSpPr>
-            <a:cxnSpLocks/>
-          </p:cNvCxnSpPr>
-          <p:nvPr/>
-        </p:nvCxnSpPr>
-        <p:spPr>
-          <a:xfrm flipH="1">
-            <a:off x="724013" y="749347"/>
-            <a:ext cx="817369" cy="0"/>
-          </a:xfrm>
-          <a:prstGeom prst="line">
-            <a:avLst/>
-          </a:prstGeom>
-        </p:spPr>
-        <p:style>
-          <a:lnRef idx="2">
-            <a:schemeClr val="accent1"/>
-          </a:lnRef>
-          <a:fillRef idx="0">
-            <a:schemeClr val="accent1"/>
-          </a:fillRef>
-          <a:effectRef idx="1">
-            <a:schemeClr val="accent1"/>
-          </a:effectRef>
-          <a:fontRef idx="minor">
-            <a:schemeClr val="tx1"/>
-          </a:fontRef>
-        </p:style>
-      </p:cxnSp>
-      <p:cxnSp>
-        <p:nvCxnSpPr>
-          <p:cNvPr id="44" name="Straight Connector 43">
-            <a:extLst>
-              <a:ext uri="{FF2B5EF4-FFF2-40B4-BE49-F238E27FC236}">
-                <a16:creationId xmlns:a16="http://schemas.microsoft.com/office/drawing/2014/main" id="{0FEA9C0A-3E3E-B03A-8CE4-1F1EB9B14B6A}"/>
-              </a:ext>
-            </a:extLst>
-          </p:cNvPr>
-          <p:cNvCxnSpPr>
-            <a:cxnSpLocks/>
-          </p:cNvCxnSpPr>
-          <p:nvPr/>
-        </p:nvCxnSpPr>
-        <p:spPr>
-          <a:xfrm flipH="1">
-            <a:off x="724013" y="413855"/>
-            <a:ext cx="817369" cy="0"/>
-          </a:xfrm>
-          <a:prstGeom prst="line">
-            <a:avLst/>
-          </a:prstGeom>
-        </p:spPr>
-        <p:style>
-          <a:lnRef idx="2">
-            <a:schemeClr val="accent1"/>
-          </a:lnRef>
-          <a:fillRef idx="0">
-            <a:schemeClr val="accent1"/>
-          </a:fillRef>
-          <a:effectRef idx="1">
-            <a:schemeClr val="accent1"/>
-          </a:effectRef>
-          <a:fontRef idx="minor">
-            <a:schemeClr val="tx1"/>
-          </a:fontRef>
-        </p:style>
-      </p:cxnSp>
-      <p:sp>
-        <p:nvSpPr>
-          <p:cNvPr id="59" name="TextBox 58">
-            <a:extLst>
-              <a:ext uri="{FF2B5EF4-FFF2-40B4-BE49-F238E27FC236}">
-                <a16:creationId xmlns:a16="http://schemas.microsoft.com/office/drawing/2014/main" id="{9AF616F0-493E-1E3F-0D31-DA7E0AB2E5E9}"/>
-              </a:ext>
-            </a:extLst>
-          </p:cNvPr>
-          <p:cNvSpPr txBox="1"/>
-          <p:nvPr/>
-        </p:nvSpPr>
-        <p:spPr>
-          <a:xfrm>
-            <a:off x="11438544" y="3574259"/>
-            <a:ext cx="803425" cy="276999"/>
-          </a:xfrm>
-          <a:prstGeom prst="rect">
-            <a:avLst/>
-          </a:prstGeom>
-          <a:noFill/>
-        </p:spPr>
-        <p:txBody>
-          <a:bodyPr wrap="none" rtlCol="0">
-            <a:spAutoFit/>
-          </a:bodyPr>
-          <a:lstStyle/>
-          <a:p>
-            <a:r>
-              <a:rPr lang="en-IL" sz="1200" dirty="0"/>
-              <a:t>[0:11]Cnt</a:t>
-            </a:r>
-          </a:p>
-        </p:txBody>
-      </p:sp>
-      <p:cxnSp>
-        <p:nvCxnSpPr>
-          <p:cNvPr id="60" name="Straight Arrow Connector 59">
-            <a:extLst>
-              <a:ext uri="{FF2B5EF4-FFF2-40B4-BE49-F238E27FC236}">
-                <a16:creationId xmlns:a16="http://schemas.microsoft.com/office/drawing/2014/main" id="{F8B2C5D5-8433-BA45-8738-2F74F8188C94}"/>
-              </a:ext>
-            </a:extLst>
-          </p:cNvPr>
-          <p:cNvCxnSpPr>
-            <a:cxnSpLocks/>
-          </p:cNvCxnSpPr>
-          <p:nvPr/>
-        </p:nvCxnSpPr>
-        <p:spPr>
-          <a:xfrm>
-            <a:off x="3132978" y="5848433"/>
-            <a:ext cx="2174773" cy="0"/>
-          </a:xfrm>
-          <a:prstGeom prst="straightConnector1">
-            <a:avLst/>
-          </a:prstGeom>
-          <a:ln>
-            <a:tailEnd type="triangle"/>
-          </a:ln>
-        </p:spPr>
-        <p:style>
-          <a:lnRef idx="2">
-            <a:schemeClr val="accent1"/>
-          </a:lnRef>
-          <a:fillRef idx="0">
-            <a:schemeClr val="accent1"/>
-          </a:fillRef>
-          <a:effectRef idx="1">
-            <a:schemeClr val="accent1"/>
-          </a:effectRef>
-          <a:fontRef idx="minor">
-            <a:schemeClr val="tx1"/>
-          </a:fontRef>
-        </p:style>
-      </p:cxnSp>
-      <p:cxnSp>
-        <p:nvCxnSpPr>
-          <p:cNvPr id="21" name="Straight Connector 20">
-            <a:extLst>
-              <a:ext uri="{FF2B5EF4-FFF2-40B4-BE49-F238E27FC236}">
-                <a16:creationId xmlns:a16="http://schemas.microsoft.com/office/drawing/2014/main" id="{6BC914C3-80A4-DE50-2528-75EFC513F45A}"/>
-              </a:ext>
-            </a:extLst>
-          </p:cNvPr>
-          <p:cNvCxnSpPr>
-            <a:cxnSpLocks/>
-          </p:cNvCxnSpPr>
-          <p:nvPr/>
-        </p:nvCxnSpPr>
-        <p:spPr>
-          <a:xfrm>
-            <a:off x="3013012" y="434500"/>
-            <a:ext cx="0" cy="928590"/>
-          </a:xfrm>
-          <a:prstGeom prst="line">
-            <a:avLst/>
-          </a:prstGeom>
-        </p:spPr>
-        <p:style>
-          <a:lnRef idx="2">
-            <a:schemeClr val="accent1"/>
-          </a:lnRef>
-          <a:fillRef idx="0">
-            <a:schemeClr val="accent1"/>
-          </a:fillRef>
-          <a:effectRef idx="1">
-            <a:schemeClr val="accent1"/>
-          </a:effectRef>
-          <a:fontRef idx="minor">
-            <a:schemeClr val="tx1"/>
-          </a:fontRef>
-        </p:style>
-      </p:cxnSp>
-      <p:cxnSp>
-        <p:nvCxnSpPr>
-          <p:cNvPr id="30" name="Straight Arrow Connector 29">
-            <a:extLst>
-              <a:ext uri="{FF2B5EF4-FFF2-40B4-BE49-F238E27FC236}">
-                <a16:creationId xmlns:a16="http://schemas.microsoft.com/office/drawing/2014/main" id="{2D0323CB-B63C-729F-E1A0-D8C916618201}"/>
-              </a:ext>
-            </a:extLst>
-          </p:cNvPr>
-          <p:cNvCxnSpPr>
-            <a:cxnSpLocks/>
-          </p:cNvCxnSpPr>
-          <p:nvPr/>
-        </p:nvCxnSpPr>
-        <p:spPr>
-          <a:xfrm flipH="1">
-            <a:off x="2606861" y="434500"/>
-            <a:ext cx="406151" cy="0"/>
-          </a:xfrm>
-          <a:prstGeom prst="straightConnector1">
-            <a:avLst/>
-          </a:prstGeom>
-          <a:ln>
-            <a:tailEnd type="triangle"/>
-          </a:ln>
-        </p:spPr>
-        <p:style>
-          <a:lnRef idx="2">
-            <a:schemeClr val="accent1"/>
-          </a:lnRef>
-          <a:fillRef idx="0">
-            <a:schemeClr val="accent1"/>
-          </a:fillRef>
-          <a:effectRef idx="1">
-            <a:schemeClr val="accent1"/>
-          </a:effectRef>
-          <a:fontRef idx="minor">
-            <a:schemeClr val="tx1"/>
-          </a:fontRef>
-        </p:style>
-      </p:cxnSp>
-      <p:sp>
-        <p:nvSpPr>
-          <p:cNvPr id="46" name="TextBox 45">
-            <a:extLst>
-              <a:ext uri="{FF2B5EF4-FFF2-40B4-BE49-F238E27FC236}">
-                <a16:creationId xmlns:a16="http://schemas.microsoft.com/office/drawing/2014/main" id="{4D128B21-A2D6-CAE6-74F6-2CB42E911CBB}"/>
-              </a:ext>
-            </a:extLst>
-          </p:cNvPr>
-          <p:cNvSpPr txBox="1"/>
-          <p:nvPr/>
-        </p:nvSpPr>
-        <p:spPr>
-          <a:xfrm>
-            <a:off x="2620602" y="142309"/>
-            <a:ext cx="566886" cy="369332"/>
-          </a:xfrm>
-          <a:prstGeom prst="rect">
-            <a:avLst/>
-          </a:prstGeom>
-          <a:noFill/>
-        </p:spPr>
-        <p:txBody>
-          <a:bodyPr wrap="none" rtlCol="0">
-            <a:spAutoFit/>
-          </a:bodyPr>
-          <a:lstStyle/>
-          <a:p>
-            <a:r>
-              <a:rPr lang="en-IL" dirty="0"/>
-              <a:t>test</a:t>
-            </a:r>
-          </a:p>
-        </p:txBody>
-      </p:sp>
-    </p:spTree>
-    <p:extLst>
-      <p:ext uri="{BB962C8B-B14F-4D97-AF65-F5344CB8AC3E}">
-        <p14:creationId xmlns:p14="http://schemas.microsoft.com/office/powerpoint/2010/main" val="1986455568"/>
       </p:ext>
     </p:extLst>
   </p:cSld>
@@ -14723,6 +15063,15 @@
 </file>
 
 <file path=customXml/item1.xml><?xml version="1.0" encoding="utf-8"?>
+<?mso-contentType ?>
+<FormTemplates xmlns="http://schemas.microsoft.com/sharepoint/v3/contenttype/forms">
+  <Display>DocumentLibraryForm</Display>
+  <Edit>DocumentLibraryForm</Edit>
+  <New>DocumentLibraryForm</New>
+</FormTemplates>
+</file>
+
+<file path=customXml/item2.xml><?xml version="1.0" encoding="utf-8"?>
 <p:properties xmlns:p="http://schemas.microsoft.com/office/2006/metadata/properties" xmlns:xsi="http://www.w3.org/2001/XMLSchema-instance" xmlns:pc="http://schemas.microsoft.com/office/infopath/2007/PartnerControls">
   <documentManagement>
     <_ip_UnifiedCompliancePolicyUIAction xmlns="http://schemas.microsoft.com/sharepoint/v3" xsi:nil="true"/>
@@ -14740,15 +15089,6 @@
     <MediaServiceKeyPoints xmlns="71af3243-3dd4-4a8d-8c0d-dd76da1f02a5" xsi:nil="true"/>
   </documentManagement>
 </p:properties>
-</file>
-
-<file path=customXml/item2.xml><?xml version="1.0" encoding="utf-8"?>
-<?mso-contentType ?>
-<FormTemplates xmlns="http://schemas.microsoft.com/sharepoint/v3/contenttype/forms">
-  <Display>DocumentLibraryForm</Display>
-  <Edit>DocumentLibraryForm</Edit>
-  <New>DocumentLibraryForm</New>
-</FormTemplates>
 </file>
 
 <file path=customXml/item3.xml><?xml version="1.0" encoding="utf-8"?>
@@ -15052,6 +15392,14 @@
 </file>
 
 <file path=customXml/itemProps1.xml><?xml version="1.0" encoding="utf-8"?>
+<ds:datastoreItem xmlns:ds="http://schemas.openxmlformats.org/officeDocument/2006/customXml" ds:itemID="{83893805-3B81-47D1-A994-401BF46C6A8D}">
+  <ds:schemaRefs>
+    <ds:schemaRef ds:uri="http://schemas.microsoft.com/sharepoint/v3/contenttype/forms"/>
+  </ds:schemaRefs>
+</ds:datastoreItem>
+</file>
+
+<file path=customXml/itemProps2.xml><?xml version="1.0" encoding="utf-8"?>
 <ds:datastoreItem xmlns:ds="http://schemas.openxmlformats.org/officeDocument/2006/customXml" ds:itemID="{120D0E33-AC31-4A6E-AC66-BDD7A1B30DED}">
   <ds:schemaRefs>
     <ds:schemaRef ds:uri="http://schemas.microsoft.com/office/2006/metadata/properties"/>
@@ -15059,14 +15407,6 @@
     <ds:schemaRef ds:uri="http://schemas.microsoft.com/sharepoint/v3"/>
     <ds:schemaRef ds:uri="71af3243-3dd4-4a8d-8c0d-dd76da1f02a5"/>
     <ds:schemaRef ds:uri="230e9df3-be65-4c73-a93b-d1236ebd677e"/>
-  </ds:schemaRefs>
-</ds:datastoreItem>
-</file>
-
-<file path=customXml/itemProps2.xml><?xml version="1.0" encoding="utf-8"?>
-<ds:datastoreItem xmlns:ds="http://schemas.openxmlformats.org/officeDocument/2006/customXml" ds:itemID="{83893805-3B81-47D1-A994-401BF46C6A8D}">
-  <ds:schemaRefs>
-    <ds:schemaRef ds:uri="http://schemas.microsoft.com/sharepoint/v3/contenttype/forms"/>
   </ds:schemaRefs>
 </ds:datastoreItem>
 </file>
